--- a/Julia_intro.pptx
+++ b/Julia_intro.pptx
@@ -7,10 +7,10 @@
     <p:sldMasterId id="2147483672" r:id="rId3"/>
   </p:sldMasterIdLst>
   <p:notesMasterIdLst>
-    <p:notesMasterId r:id="rId23"/>
+    <p:notesMasterId r:id="rId24"/>
   </p:notesMasterIdLst>
   <p:handoutMasterIdLst>
-    <p:handoutMasterId r:id="rId24"/>
+    <p:handoutMasterId r:id="rId25"/>
   </p:handoutMasterIdLst>
   <p:sldIdLst>
     <p:sldId id="256" r:id="rId4"/>
@@ -27,11 +27,12 @@
     <p:sldId id="268" r:id="rId15"/>
     <p:sldId id="269" r:id="rId16"/>
     <p:sldId id="270" r:id="rId17"/>
-    <p:sldId id="271" r:id="rId18"/>
-    <p:sldId id="272" r:id="rId19"/>
-    <p:sldId id="273" r:id="rId20"/>
-    <p:sldId id="275" r:id="rId21"/>
-    <p:sldId id="274" r:id="rId22"/>
+    <p:sldId id="276" r:id="rId18"/>
+    <p:sldId id="271" r:id="rId19"/>
+    <p:sldId id="272" r:id="rId20"/>
+    <p:sldId id="273" r:id="rId21"/>
+    <p:sldId id="275" r:id="rId22"/>
+    <p:sldId id="277" r:id="rId23"/>
   </p:sldIdLst>
   <p:sldSz cx="10080625" cy="7559675"/>
   <p:notesSz cx="7559675" cy="10691813"/>
@@ -166,7 +167,7 @@
           <p:cNvPr id="6" name="Header Placeholder 5">
             <a:extLst>
               <a:ext uri="{FF2B5EF4-FFF2-40B4-BE49-F238E27FC236}">
-                <a16:creationId xmlns="" xmlns:a16="http://schemas.microsoft.com/office/drawing/2014/main" id="{B1AEF561-240D-4B4E-A893-C26EB3F312FC}"/>
+                <a16:creationId xmlns:a16="http://schemas.microsoft.com/office/drawing/2014/main" xmlns="" id="{B1AEF561-240D-4B4E-A893-C26EB3F312FC}"/>
               </a:ext>
             </a:extLst>
           </p:cNvPr>
@@ -226,7 +227,7 @@
           <p:cNvPr id="7" name="Date Placeholder 6">
             <a:extLst>
               <a:ext uri="{FF2B5EF4-FFF2-40B4-BE49-F238E27FC236}">
-                <a16:creationId xmlns="" xmlns:a16="http://schemas.microsoft.com/office/drawing/2014/main" id="{520BA58B-8C37-4F3E-B0B1-D7192C096CAC}"/>
+                <a16:creationId xmlns:a16="http://schemas.microsoft.com/office/drawing/2014/main" xmlns="" id="{520BA58B-8C37-4F3E-B0B1-D7192C096CAC}"/>
               </a:ext>
             </a:extLst>
           </p:cNvPr>
@@ -286,7 +287,7 @@
           <p:cNvPr id="8" name="Footer Placeholder 7">
             <a:extLst>
               <a:ext uri="{FF2B5EF4-FFF2-40B4-BE49-F238E27FC236}">
-                <a16:creationId xmlns="" xmlns:a16="http://schemas.microsoft.com/office/drawing/2014/main" id="{CB970DE1-2E69-4634-9C62-7C45F427628D}"/>
+                <a16:creationId xmlns:a16="http://schemas.microsoft.com/office/drawing/2014/main" xmlns="" id="{CB970DE1-2E69-4634-9C62-7C45F427628D}"/>
               </a:ext>
             </a:extLst>
           </p:cNvPr>
@@ -346,7 +347,7 @@
           <p:cNvPr id="9" name="Slide Number Placeholder 8">
             <a:extLst>
               <a:ext uri="{FF2B5EF4-FFF2-40B4-BE49-F238E27FC236}">
-                <a16:creationId xmlns="" xmlns:a16="http://schemas.microsoft.com/office/drawing/2014/main" id="{C9033AD4-0BED-4F40-8F54-A1932D34CDDC}"/>
+                <a16:creationId xmlns:a16="http://schemas.microsoft.com/office/drawing/2014/main" xmlns="" id="{C9033AD4-0BED-4F40-8F54-A1932D34CDDC}"/>
               </a:ext>
             </a:extLst>
           </p:cNvPr>
@@ -409,7 +410,7 @@
           <p:cNvPr id="2" name="Header Placeholder 1">
             <a:extLst>
               <a:ext uri="{FF2B5EF4-FFF2-40B4-BE49-F238E27FC236}">
-                <a16:creationId xmlns="" xmlns:a16="http://schemas.microsoft.com/office/drawing/2014/main" id="{4DCE3558-9F07-4E76-904B-C224CF8FD7AB}"/>
+                <a16:creationId xmlns:a16="http://schemas.microsoft.com/office/drawing/2014/main" xmlns="" id="{4DCE3558-9F07-4E76-904B-C224CF8FD7AB}"/>
               </a:ext>
             </a:extLst>
           </p:cNvPr>
@@ -446,7 +447,7 @@
           <p:cNvPr id="3" name="Date Placeholder 2">
             <a:extLst>
               <a:ext uri="{FF2B5EF4-FFF2-40B4-BE49-F238E27FC236}">
-                <a16:creationId xmlns="" xmlns:a16="http://schemas.microsoft.com/office/drawing/2014/main" id="{CDCD60C8-2E60-4595-9F4C-3E48ABBDCFC2}"/>
+                <a16:creationId xmlns:a16="http://schemas.microsoft.com/office/drawing/2014/main" xmlns="" id="{CDCD60C8-2E60-4595-9F4C-3E48ABBDCFC2}"/>
               </a:ext>
             </a:extLst>
           </p:cNvPr>
@@ -476,7 +477,7 @@
           <a:p>
             <a:fld id="{69413B6A-E5E7-4488-B4CB-38EA7AD23A8B}" type="datetimeFigureOut">
               <a:rPr lang="en-US"/>
-              <a:t>12/11/19</a:t>
+              <a:t>12/13/19</a:t>
             </a:fld>
             <a:endParaRPr lang="en-US"/>
           </a:p>
@@ -487,7 +488,7 @@
           <p:cNvPr id="4" name="Footer Placeholder 3">
             <a:extLst>
               <a:ext uri="{FF2B5EF4-FFF2-40B4-BE49-F238E27FC236}">
-                <a16:creationId xmlns="" xmlns:a16="http://schemas.microsoft.com/office/drawing/2014/main" id="{EB4919C1-1175-470A-92AB-22BF173B62F0}"/>
+                <a16:creationId xmlns:a16="http://schemas.microsoft.com/office/drawing/2014/main" xmlns="" id="{EB4919C1-1175-470A-92AB-22BF173B62F0}"/>
               </a:ext>
             </a:extLst>
           </p:cNvPr>
@@ -524,7 +525,7 @@
           <p:cNvPr id="5" name="Slide Number Placeholder 4">
             <a:extLst>
               <a:ext uri="{FF2B5EF4-FFF2-40B4-BE49-F238E27FC236}">
-                <a16:creationId xmlns="" xmlns:a16="http://schemas.microsoft.com/office/drawing/2014/main" id="{E8333D38-335C-4513-8F3A-CFC7D29462AC}"/>
+                <a16:creationId xmlns:a16="http://schemas.microsoft.com/office/drawing/2014/main" xmlns="" id="{E8333D38-335C-4513-8F3A-CFC7D29462AC}"/>
               </a:ext>
             </a:extLst>
           </p:cNvPr>
@@ -652,7 +653,7 @@
           <a:p>
             <a:fld id="{778E27A1-EDF5-42B3-8325-D462CEDBA2AF}" type="datetimeFigureOut">
               <a:rPr lang="en-US"/>
-              <a:t>12/11/19</a:t>
+              <a:t>12/13/19</a:t>
             </a:fld>
             <a:endParaRPr lang="en-US"/>
           </a:p>
@@ -755,7 +756,7 @@
           <p:cNvPr id="8" name="Slide Image Placeholder 7">
             <a:extLst>
               <a:ext uri="{FF2B5EF4-FFF2-40B4-BE49-F238E27FC236}">
-                <a16:creationId xmlns="" xmlns:a16="http://schemas.microsoft.com/office/drawing/2014/main" id="{47554652-07BB-4B52-B50C-DA4E7A74FF70}"/>
+                <a16:creationId xmlns:a16="http://schemas.microsoft.com/office/drawing/2014/main" xmlns="" id="{47554652-07BB-4B52-B50C-DA4E7A74FF70}"/>
               </a:ext>
             </a:extLst>
           </p:cNvPr>
@@ -786,7 +787,7 @@
           <p:cNvPr id="9" name="Notes Placeholder 8">
             <a:extLst>
               <a:ext uri="{FF2B5EF4-FFF2-40B4-BE49-F238E27FC236}">
-                <a16:creationId xmlns="" xmlns:a16="http://schemas.microsoft.com/office/drawing/2014/main" id="{A147E5AB-07DD-4957-9ED6-44519C900CA3}"/>
+                <a16:creationId xmlns:a16="http://schemas.microsoft.com/office/drawing/2014/main" xmlns="" id="{A147E5AB-07DD-4957-9ED6-44519C900CA3}"/>
               </a:ext>
             </a:extLst>
           </p:cNvPr>
@@ -823,7 +824,7 @@
           <p:cNvPr id="10" name="Header Placeholder 9">
             <a:extLst>
               <a:ext uri="{FF2B5EF4-FFF2-40B4-BE49-F238E27FC236}">
-                <a16:creationId xmlns="" xmlns:a16="http://schemas.microsoft.com/office/drawing/2014/main" id="{CEF66C01-CCAD-4EB8-8DF7-3E1F695DC4D2}"/>
+                <a16:creationId xmlns:a16="http://schemas.microsoft.com/office/drawing/2014/main" xmlns="" id="{CEF66C01-CCAD-4EB8-8DF7-3E1F695DC4D2}"/>
               </a:ext>
             </a:extLst>
           </p:cNvPr>
@@ -873,7 +874,7 @@
           <p:cNvPr id="11" name="Date Placeholder 10">
             <a:extLst>
               <a:ext uri="{FF2B5EF4-FFF2-40B4-BE49-F238E27FC236}">
-                <a16:creationId xmlns="" xmlns:a16="http://schemas.microsoft.com/office/drawing/2014/main" id="{B42ED6E5-191D-4F95-B660-BB5AE4AF8EF3}"/>
+                <a16:creationId xmlns:a16="http://schemas.microsoft.com/office/drawing/2014/main" xmlns="" id="{B42ED6E5-191D-4F95-B660-BB5AE4AF8EF3}"/>
               </a:ext>
             </a:extLst>
           </p:cNvPr>
@@ -923,7 +924,7 @@
           <p:cNvPr id="12" name="Footer Placeholder 11">
             <a:extLst>
               <a:ext uri="{FF2B5EF4-FFF2-40B4-BE49-F238E27FC236}">
-                <a16:creationId xmlns="" xmlns:a16="http://schemas.microsoft.com/office/drawing/2014/main" id="{4F48BE31-3332-48EB-9DA6-5ECDAA4264ED}"/>
+                <a16:creationId xmlns:a16="http://schemas.microsoft.com/office/drawing/2014/main" xmlns="" id="{4F48BE31-3332-48EB-9DA6-5ECDAA4264ED}"/>
               </a:ext>
             </a:extLst>
           </p:cNvPr>
@@ -973,7 +974,7 @@
           <p:cNvPr id="13" name="Slide Number Placeholder 12">
             <a:extLst>
               <a:ext uri="{FF2B5EF4-FFF2-40B4-BE49-F238E27FC236}">
-                <a16:creationId xmlns="" xmlns:a16="http://schemas.microsoft.com/office/drawing/2014/main" id="{56B79051-AED0-4DA3-B9BF-E9575950CBF5}"/>
+                <a16:creationId xmlns:a16="http://schemas.microsoft.com/office/drawing/2014/main" xmlns="" id="{56B79051-AED0-4DA3-B9BF-E9575950CBF5}"/>
               </a:ext>
             </a:extLst>
           </p:cNvPr>
@@ -1210,7 +1211,7 @@
           <p:cNvPr id="5" name="Date Placeholder 2">
             <a:extLst>
               <a:ext uri="{FF2B5EF4-FFF2-40B4-BE49-F238E27FC236}">
-                <a16:creationId xmlns="" xmlns:a16="http://schemas.microsoft.com/office/drawing/2014/main" id="{CDE347EF-7D5D-4E80-A031-520F8B9F668D}"/>
+                <a16:creationId xmlns:a16="http://schemas.microsoft.com/office/drawing/2014/main" xmlns="" id="{CDE347EF-7D5D-4E80-A031-520F8B9F668D}"/>
               </a:ext>
             </a:extLst>
           </p:cNvPr>
@@ -1282,7 +1283,7 @@
                 <a:tabLst/>
                 <a:defRPr/>
               </a:pPr>
-              <a:t>12/11/19</a:t>
+              <a:t>12/13/19</a:t>
             </a:fld>
             <a:endParaRPr kumimoji="0" lang="en-US" sz="1200" b="0" i="0" u="none" strike="noStrike" kern="1200" cap="none" spc="0" normalizeH="0" baseline="0" noProof="0">
               <a:ln>
@@ -1306,7 +1307,7 @@
           <p:cNvPr id="9" name="Slide Number Placeholder 12">
             <a:extLst>
               <a:ext uri="{FF2B5EF4-FFF2-40B4-BE49-F238E27FC236}">
-                <a16:creationId xmlns="" xmlns:a16="http://schemas.microsoft.com/office/drawing/2014/main" id="{66DEDAF9-CFEA-4906-9E00-9340128828BA}"/>
+                <a16:creationId xmlns:a16="http://schemas.microsoft.com/office/drawing/2014/main" xmlns="" id="{66DEDAF9-CFEA-4906-9E00-9340128828BA}"/>
               </a:ext>
             </a:extLst>
           </p:cNvPr>
@@ -1405,7 +1406,7 @@
           <p:cNvPr id="11" name="Slide Number Placeholder 6">
             <a:extLst>
               <a:ext uri="{FF2B5EF4-FFF2-40B4-BE49-F238E27FC236}">
-                <a16:creationId xmlns="" xmlns:a16="http://schemas.microsoft.com/office/drawing/2014/main" id="{5D663336-1B32-4CCC-BCC8-40806FEF4924}"/>
+                <a16:creationId xmlns:a16="http://schemas.microsoft.com/office/drawing/2014/main" xmlns="" id="{5D663336-1B32-4CCC-BCC8-40806FEF4924}"/>
               </a:ext>
             </a:extLst>
           </p:cNvPr>
@@ -1504,7 +1505,7 @@
           <p:cNvPr id="2" name="Slide Image Placeholder 1">
             <a:extLst>
               <a:ext uri="{FF2B5EF4-FFF2-40B4-BE49-F238E27FC236}">
-                <a16:creationId xmlns="" xmlns:a16="http://schemas.microsoft.com/office/drawing/2014/main" id="{FCBEC0D0-B841-4687-BE23-37B32DFB3643}"/>
+                <a16:creationId xmlns:a16="http://schemas.microsoft.com/office/drawing/2014/main" xmlns="" id="{FCBEC0D0-B841-4687-BE23-37B32DFB3643}"/>
               </a:ext>
             </a:extLst>
           </p:cNvPr>
@@ -1536,7 +1537,7 @@
           <p:cNvPr id="3" name="Notes Placeholder 2">
             <a:extLst>
               <a:ext uri="{FF2B5EF4-FFF2-40B4-BE49-F238E27FC236}">
-                <a16:creationId xmlns="" xmlns:a16="http://schemas.microsoft.com/office/drawing/2014/main" id="{69B1C299-6C22-4C1B-A301-48F71BCCF9BF}"/>
+                <a16:creationId xmlns:a16="http://schemas.microsoft.com/office/drawing/2014/main" xmlns="" id="{69B1C299-6C22-4C1B-A301-48F71BCCF9BF}"/>
               </a:ext>
             </a:extLst>
           </p:cNvPr>
@@ -1597,7 +1598,7 @@
           <p:cNvPr id="5" name="Date Placeholder 2">
             <a:extLst>
               <a:ext uri="{FF2B5EF4-FFF2-40B4-BE49-F238E27FC236}">
-                <a16:creationId xmlns="" xmlns:a16="http://schemas.microsoft.com/office/drawing/2014/main" id="{174CB24E-4073-4079-A626-25950CD9489D}"/>
+                <a16:creationId xmlns:a16="http://schemas.microsoft.com/office/drawing/2014/main" xmlns="" id="{174CB24E-4073-4079-A626-25950CD9489D}"/>
               </a:ext>
             </a:extLst>
           </p:cNvPr>
@@ -1669,7 +1670,7 @@
                 <a:tabLst/>
                 <a:defRPr/>
               </a:pPr>
-              <a:t>12/11/19</a:t>
+              <a:t>12/13/19</a:t>
             </a:fld>
             <a:endParaRPr kumimoji="0" lang="en-US" sz="1200" b="0" i="0" u="none" strike="noStrike" kern="1200" cap="none" spc="0" normalizeH="0" baseline="0" noProof="0">
               <a:ln>
@@ -1693,7 +1694,7 @@
           <p:cNvPr id="9" name="Slide Number Placeholder 12">
             <a:extLst>
               <a:ext uri="{FF2B5EF4-FFF2-40B4-BE49-F238E27FC236}">
-                <a16:creationId xmlns="" xmlns:a16="http://schemas.microsoft.com/office/drawing/2014/main" id="{2DFD8FF6-41CF-4672-813A-022CA9EFAF29}"/>
+                <a16:creationId xmlns:a16="http://schemas.microsoft.com/office/drawing/2014/main" xmlns="" id="{2DFD8FF6-41CF-4672-813A-022CA9EFAF29}"/>
               </a:ext>
             </a:extLst>
           </p:cNvPr>
@@ -1792,7 +1793,7 @@
           <p:cNvPr id="11" name="Slide Number Placeholder 6">
             <a:extLst>
               <a:ext uri="{FF2B5EF4-FFF2-40B4-BE49-F238E27FC236}">
-                <a16:creationId xmlns="" xmlns:a16="http://schemas.microsoft.com/office/drawing/2014/main" id="{189872A2-48B2-411D-8090-20CD00B8AF13}"/>
+                <a16:creationId xmlns:a16="http://schemas.microsoft.com/office/drawing/2014/main" xmlns="" id="{189872A2-48B2-411D-8090-20CD00B8AF13}"/>
               </a:ext>
             </a:extLst>
           </p:cNvPr>
@@ -1891,7 +1892,7 @@
           <p:cNvPr id="2" name="Slide Image Placeholder 1">
             <a:extLst>
               <a:ext uri="{FF2B5EF4-FFF2-40B4-BE49-F238E27FC236}">
-                <a16:creationId xmlns="" xmlns:a16="http://schemas.microsoft.com/office/drawing/2014/main" id="{FF4D3753-647C-47F8-AB87-3F9BC3106DCA}"/>
+                <a16:creationId xmlns:a16="http://schemas.microsoft.com/office/drawing/2014/main" xmlns="" id="{FF4D3753-647C-47F8-AB87-3F9BC3106DCA}"/>
               </a:ext>
             </a:extLst>
           </p:cNvPr>
@@ -1923,7 +1924,7 @@
           <p:cNvPr id="3" name="Notes Placeholder 2">
             <a:extLst>
               <a:ext uri="{FF2B5EF4-FFF2-40B4-BE49-F238E27FC236}">
-                <a16:creationId xmlns="" xmlns:a16="http://schemas.microsoft.com/office/drawing/2014/main" id="{244F9463-7737-42BD-B22F-F481D24A7F02}"/>
+                <a16:creationId xmlns:a16="http://schemas.microsoft.com/office/drawing/2014/main" xmlns="" id="{244F9463-7737-42BD-B22F-F481D24A7F02}"/>
               </a:ext>
             </a:extLst>
           </p:cNvPr>
@@ -1987,7 +1988,7 @@
           <p:cNvPr id="5" name="Date Placeholder 2">
             <a:extLst>
               <a:ext uri="{FF2B5EF4-FFF2-40B4-BE49-F238E27FC236}">
-                <a16:creationId xmlns="" xmlns:a16="http://schemas.microsoft.com/office/drawing/2014/main" id="{A73C09A2-5883-4DFC-A9C1-5029C7B4FEB6}"/>
+                <a16:creationId xmlns:a16="http://schemas.microsoft.com/office/drawing/2014/main" xmlns="" id="{A73C09A2-5883-4DFC-A9C1-5029C7B4FEB6}"/>
               </a:ext>
             </a:extLst>
           </p:cNvPr>
@@ -2059,7 +2060,7 @@
                 <a:tabLst/>
                 <a:defRPr/>
               </a:pPr>
-              <a:t>12/11/19</a:t>
+              <a:t>12/13/19</a:t>
             </a:fld>
             <a:endParaRPr kumimoji="0" lang="en-US" sz="1200" b="0" i="0" u="none" strike="noStrike" kern="1200" cap="none" spc="0" normalizeH="0" baseline="0" noProof="0">
               <a:ln>
@@ -2083,7 +2084,7 @@
           <p:cNvPr id="9" name="Slide Number Placeholder 12">
             <a:extLst>
               <a:ext uri="{FF2B5EF4-FFF2-40B4-BE49-F238E27FC236}">
-                <a16:creationId xmlns="" xmlns:a16="http://schemas.microsoft.com/office/drawing/2014/main" id="{21445F7F-ACA4-4D5B-9F76-FB1611655189}"/>
+                <a16:creationId xmlns:a16="http://schemas.microsoft.com/office/drawing/2014/main" xmlns="" id="{21445F7F-ACA4-4D5B-9F76-FB1611655189}"/>
               </a:ext>
             </a:extLst>
           </p:cNvPr>
@@ -2182,7 +2183,7 @@
           <p:cNvPr id="11" name="Slide Number Placeholder 6">
             <a:extLst>
               <a:ext uri="{FF2B5EF4-FFF2-40B4-BE49-F238E27FC236}">
-                <a16:creationId xmlns="" xmlns:a16="http://schemas.microsoft.com/office/drawing/2014/main" id="{A4DD0AE5-CBC7-4F09-BC2D-95BD26F3611B}"/>
+                <a16:creationId xmlns:a16="http://schemas.microsoft.com/office/drawing/2014/main" xmlns="" id="{A4DD0AE5-CBC7-4F09-BC2D-95BD26F3611B}"/>
               </a:ext>
             </a:extLst>
           </p:cNvPr>
@@ -2281,7 +2282,7 @@
           <p:cNvPr id="2" name="Slide Image Placeholder 1">
             <a:extLst>
               <a:ext uri="{FF2B5EF4-FFF2-40B4-BE49-F238E27FC236}">
-                <a16:creationId xmlns="" xmlns:a16="http://schemas.microsoft.com/office/drawing/2014/main" id="{21109CDA-F91E-47F7-9F17-2ED872AD68C3}"/>
+                <a16:creationId xmlns:a16="http://schemas.microsoft.com/office/drawing/2014/main" xmlns="" id="{21109CDA-F91E-47F7-9F17-2ED872AD68C3}"/>
               </a:ext>
             </a:extLst>
           </p:cNvPr>
@@ -2313,7 +2314,7 @@
           <p:cNvPr id="3" name="Notes Placeholder 2">
             <a:extLst>
               <a:ext uri="{FF2B5EF4-FFF2-40B4-BE49-F238E27FC236}">
-                <a16:creationId xmlns="" xmlns:a16="http://schemas.microsoft.com/office/drawing/2014/main" id="{65EF09EA-74AA-4F19-A7C7-12C61DCF360F}"/>
+                <a16:creationId xmlns:a16="http://schemas.microsoft.com/office/drawing/2014/main" xmlns="" id="{65EF09EA-74AA-4F19-A7C7-12C61DCF360F}"/>
               </a:ext>
             </a:extLst>
           </p:cNvPr>
@@ -2374,7 +2375,7 @@
           <p:cNvPr id="5" name="Date Placeholder 2">
             <a:extLst>
               <a:ext uri="{FF2B5EF4-FFF2-40B4-BE49-F238E27FC236}">
-                <a16:creationId xmlns="" xmlns:a16="http://schemas.microsoft.com/office/drawing/2014/main" id="{E916577E-30A0-49DE-BC01-BF5EB312B996}"/>
+                <a16:creationId xmlns:a16="http://schemas.microsoft.com/office/drawing/2014/main" xmlns="" id="{E916577E-30A0-49DE-BC01-BF5EB312B996}"/>
               </a:ext>
             </a:extLst>
           </p:cNvPr>
@@ -2446,7 +2447,7 @@
                 <a:tabLst/>
                 <a:defRPr/>
               </a:pPr>
-              <a:t>12/11/19</a:t>
+              <a:t>12/13/19</a:t>
             </a:fld>
             <a:endParaRPr kumimoji="0" lang="en-US" sz="1200" b="0" i="0" u="none" strike="noStrike" kern="1200" cap="none" spc="0" normalizeH="0" baseline="0" noProof="0">
               <a:ln>
@@ -2470,7 +2471,7 @@
           <p:cNvPr id="9" name="Slide Number Placeholder 12">
             <a:extLst>
               <a:ext uri="{FF2B5EF4-FFF2-40B4-BE49-F238E27FC236}">
-                <a16:creationId xmlns="" xmlns:a16="http://schemas.microsoft.com/office/drawing/2014/main" id="{E3364FE1-261E-4752-9D82-CE9B6CA18C40}"/>
+                <a16:creationId xmlns:a16="http://schemas.microsoft.com/office/drawing/2014/main" xmlns="" id="{E3364FE1-261E-4752-9D82-CE9B6CA18C40}"/>
               </a:ext>
             </a:extLst>
           </p:cNvPr>
@@ -2569,7 +2570,7 @@
           <p:cNvPr id="11" name="Slide Number Placeholder 6">
             <a:extLst>
               <a:ext uri="{FF2B5EF4-FFF2-40B4-BE49-F238E27FC236}">
-                <a16:creationId xmlns="" xmlns:a16="http://schemas.microsoft.com/office/drawing/2014/main" id="{346C532A-2253-4F75-A987-823E0AE3C8E6}"/>
+                <a16:creationId xmlns:a16="http://schemas.microsoft.com/office/drawing/2014/main" xmlns="" id="{346C532A-2253-4F75-A987-823E0AE3C8E6}"/>
               </a:ext>
             </a:extLst>
           </p:cNvPr>
@@ -2668,7 +2669,7 @@
           <p:cNvPr id="2" name="Slide Image Placeholder 1">
             <a:extLst>
               <a:ext uri="{FF2B5EF4-FFF2-40B4-BE49-F238E27FC236}">
-                <a16:creationId xmlns="" xmlns:a16="http://schemas.microsoft.com/office/drawing/2014/main" id="{A1A5C651-BD55-43FE-96AA-1E76347E4D0D}"/>
+                <a16:creationId xmlns:a16="http://schemas.microsoft.com/office/drawing/2014/main" xmlns="" id="{A1A5C651-BD55-43FE-96AA-1E76347E4D0D}"/>
               </a:ext>
             </a:extLst>
           </p:cNvPr>
@@ -2700,7 +2701,7 @@
           <p:cNvPr id="3" name="Notes Placeholder 2">
             <a:extLst>
               <a:ext uri="{FF2B5EF4-FFF2-40B4-BE49-F238E27FC236}">
-                <a16:creationId xmlns="" xmlns:a16="http://schemas.microsoft.com/office/drawing/2014/main" id="{1BF96792-1CFB-43BE-AD8D-DB5F09AC3F68}"/>
+                <a16:creationId xmlns:a16="http://schemas.microsoft.com/office/drawing/2014/main" xmlns="" id="{1BF96792-1CFB-43BE-AD8D-DB5F09AC3F68}"/>
               </a:ext>
             </a:extLst>
           </p:cNvPr>
@@ -2761,7 +2762,7 @@
           <p:cNvPr id="5" name="Date Placeholder 2">
             <a:extLst>
               <a:ext uri="{FF2B5EF4-FFF2-40B4-BE49-F238E27FC236}">
-                <a16:creationId xmlns="" xmlns:a16="http://schemas.microsoft.com/office/drawing/2014/main" id="{6CBFDEAB-7E3D-4FB5-8F2E-D288DF0FCA75}"/>
+                <a16:creationId xmlns:a16="http://schemas.microsoft.com/office/drawing/2014/main" xmlns="" id="{6CBFDEAB-7E3D-4FB5-8F2E-D288DF0FCA75}"/>
               </a:ext>
             </a:extLst>
           </p:cNvPr>
@@ -2833,7 +2834,7 @@
                 <a:tabLst/>
                 <a:defRPr/>
               </a:pPr>
-              <a:t>12/11/19</a:t>
+              <a:t>12/13/19</a:t>
             </a:fld>
             <a:endParaRPr kumimoji="0" lang="en-US" sz="1200" b="0" i="0" u="none" strike="noStrike" kern="1200" cap="none" spc="0" normalizeH="0" baseline="0" noProof="0">
               <a:ln>
@@ -2857,7 +2858,7 @@
           <p:cNvPr id="9" name="Slide Number Placeholder 12">
             <a:extLst>
               <a:ext uri="{FF2B5EF4-FFF2-40B4-BE49-F238E27FC236}">
-                <a16:creationId xmlns="" xmlns:a16="http://schemas.microsoft.com/office/drawing/2014/main" id="{42C00923-E4BF-4BD0-84DF-52974A16EA72}"/>
+                <a16:creationId xmlns:a16="http://schemas.microsoft.com/office/drawing/2014/main" xmlns="" id="{42C00923-E4BF-4BD0-84DF-52974A16EA72}"/>
               </a:ext>
             </a:extLst>
           </p:cNvPr>
@@ -2956,7 +2957,7 @@
           <p:cNvPr id="11" name="Slide Number Placeholder 6">
             <a:extLst>
               <a:ext uri="{FF2B5EF4-FFF2-40B4-BE49-F238E27FC236}">
-                <a16:creationId xmlns="" xmlns:a16="http://schemas.microsoft.com/office/drawing/2014/main" id="{08327970-B836-4C34-BD04-C4C361607EE9}"/>
+                <a16:creationId xmlns:a16="http://schemas.microsoft.com/office/drawing/2014/main" xmlns="" id="{08327970-B836-4C34-BD04-C4C361607EE9}"/>
               </a:ext>
             </a:extLst>
           </p:cNvPr>
@@ -3055,7 +3056,7 @@
           <p:cNvPr id="2" name="Slide Image Placeholder 1">
             <a:extLst>
               <a:ext uri="{FF2B5EF4-FFF2-40B4-BE49-F238E27FC236}">
-                <a16:creationId xmlns="" xmlns:a16="http://schemas.microsoft.com/office/drawing/2014/main" id="{3E8E9CC2-D0DE-43B6-876E-13F277D75AEC}"/>
+                <a16:creationId xmlns:a16="http://schemas.microsoft.com/office/drawing/2014/main" xmlns="" id="{3E8E9CC2-D0DE-43B6-876E-13F277D75AEC}"/>
               </a:ext>
             </a:extLst>
           </p:cNvPr>
@@ -3087,7 +3088,7 @@
           <p:cNvPr id="3" name="Notes Placeholder 2">
             <a:extLst>
               <a:ext uri="{FF2B5EF4-FFF2-40B4-BE49-F238E27FC236}">
-                <a16:creationId xmlns="" xmlns:a16="http://schemas.microsoft.com/office/drawing/2014/main" id="{52B58A57-E3FB-4142-8DAC-50AAFB8DA4A3}"/>
+                <a16:creationId xmlns:a16="http://schemas.microsoft.com/office/drawing/2014/main" xmlns="" id="{52B58A57-E3FB-4142-8DAC-50AAFB8DA4A3}"/>
               </a:ext>
             </a:extLst>
           </p:cNvPr>
@@ -3148,7 +3149,7 @@
           <p:cNvPr id="5" name="Date Placeholder 2">
             <a:extLst>
               <a:ext uri="{FF2B5EF4-FFF2-40B4-BE49-F238E27FC236}">
-                <a16:creationId xmlns="" xmlns:a16="http://schemas.microsoft.com/office/drawing/2014/main" id="{FCAD4B7D-8F57-4182-8C3E-EA5A76CCFE3C}"/>
+                <a16:creationId xmlns:a16="http://schemas.microsoft.com/office/drawing/2014/main" xmlns="" id="{FCAD4B7D-8F57-4182-8C3E-EA5A76CCFE3C}"/>
               </a:ext>
             </a:extLst>
           </p:cNvPr>
@@ -3220,7 +3221,7 @@
                 <a:tabLst/>
                 <a:defRPr/>
               </a:pPr>
-              <a:t>12/11/19</a:t>
+              <a:t>12/13/19</a:t>
             </a:fld>
             <a:endParaRPr kumimoji="0" lang="en-US" sz="1200" b="0" i="0" u="none" strike="noStrike" kern="1200" cap="none" spc="0" normalizeH="0" baseline="0" noProof="0">
               <a:ln>
@@ -3244,7 +3245,7 @@
           <p:cNvPr id="9" name="Slide Number Placeholder 12">
             <a:extLst>
               <a:ext uri="{FF2B5EF4-FFF2-40B4-BE49-F238E27FC236}">
-                <a16:creationId xmlns="" xmlns:a16="http://schemas.microsoft.com/office/drawing/2014/main" id="{0C0C2B3A-0D30-48B7-A359-EC0744537A42}"/>
+                <a16:creationId xmlns:a16="http://schemas.microsoft.com/office/drawing/2014/main" xmlns="" id="{0C0C2B3A-0D30-48B7-A359-EC0744537A42}"/>
               </a:ext>
             </a:extLst>
           </p:cNvPr>
@@ -3343,7 +3344,7 @@
           <p:cNvPr id="11" name="Slide Number Placeholder 6">
             <a:extLst>
               <a:ext uri="{FF2B5EF4-FFF2-40B4-BE49-F238E27FC236}">
-                <a16:creationId xmlns="" xmlns:a16="http://schemas.microsoft.com/office/drawing/2014/main" id="{58DC7D00-358B-4BA7-BCE0-1EAD61328D49}"/>
+                <a16:creationId xmlns:a16="http://schemas.microsoft.com/office/drawing/2014/main" xmlns="" id="{58DC7D00-358B-4BA7-BCE0-1EAD61328D49}"/>
               </a:ext>
             </a:extLst>
           </p:cNvPr>
@@ -3442,7 +3443,7 @@
           <p:cNvPr id="2" name="Slide Image Placeholder 1">
             <a:extLst>
               <a:ext uri="{FF2B5EF4-FFF2-40B4-BE49-F238E27FC236}">
-                <a16:creationId xmlns="" xmlns:a16="http://schemas.microsoft.com/office/drawing/2014/main" id="{E107043A-AE36-4364-9DFE-DFCE5815F751}"/>
+                <a16:creationId xmlns:a16="http://schemas.microsoft.com/office/drawing/2014/main" xmlns="" id="{E107043A-AE36-4364-9DFE-DFCE5815F751}"/>
               </a:ext>
             </a:extLst>
           </p:cNvPr>
@@ -3474,7 +3475,7 @@
           <p:cNvPr id="3" name="Notes Placeholder 2">
             <a:extLst>
               <a:ext uri="{FF2B5EF4-FFF2-40B4-BE49-F238E27FC236}">
-                <a16:creationId xmlns="" xmlns:a16="http://schemas.microsoft.com/office/drawing/2014/main" id="{1ABBB20D-94B9-4846-9AA3-88CC1FE08F8B}"/>
+                <a16:creationId xmlns:a16="http://schemas.microsoft.com/office/drawing/2014/main" xmlns="" id="{1ABBB20D-94B9-4846-9AA3-88CC1FE08F8B}"/>
               </a:ext>
             </a:extLst>
           </p:cNvPr>
@@ -3540,7 +3541,7 @@
           <p:cNvPr id="5" name="Date Placeholder 2">
             <a:extLst>
               <a:ext uri="{FF2B5EF4-FFF2-40B4-BE49-F238E27FC236}">
-                <a16:creationId xmlns="" xmlns:a16="http://schemas.microsoft.com/office/drawing/2014/main" id="{FCAD4B7D-8F57-4182-8C3E-EA5A76CCFE3C}"/>
+                <a16:creationId xmlns:a16="http://schemas.microsoft.com/office/drawing/2014/main" xmlns="" id="{FCAD4B7D-8F57-4182-8C3E-EA5A76CCFE3C}"/>
               </a:ext>
             </a:extLst>
           </p:cNvPr>
@@ -3612,7 +3613,7 @@
                 <a:tabLst/>
                 <a:defRPr/>
               </a:pPr>
-              <a:t>12/11/19</a:t>
+              <a:t>12/13/19</a:t>
             </a:fld>
             <a:endParaRPr kumimoji="0" lang="en-US" sz="1200" b="0" i="0" u="none" strike="noStrike" kern="1200" cap="none" spc="0" normalizeH="0" baseline="0" noProof="0">
               <a:ln>
@@ -3636,7 +3637,7 @@
           <p:cNvPr id="9" name="Slide Number Placeholder 12">
             <a:extLst>
               <a:ext uri="{FF2B5EF4-FFF2-40B4-BE49-F238E27FC236}">
-                <a16:creationId xmlns="" xmlns:a16="http://schemas.microsoft.com/office/drawing/2014/main" id="{0C0C2B3A-0D30-48B7-A359-EC0744537A42}"/>
+                <a16:creationId xmlns:a16="http://schemas.microsoft.com/office/drawing/2014/main" xmlns="" id="{0C0C2B3A-0D30-48B7-A359-EC0744537A42}"/>
               </a:ext>
             </a:extLst>
           </p:cNvPr>
@@ -3735,7 +3736,7 @@
           <p:cNvPr id="11" name="Slide Number Placeholder 6">
             <a:extLst>
               <a:ext uri="{FF2B5EF4-FFF2-40B4-BE49-F238E27FC236}">
-                <a16:creationId xmlns="" xmlns:a16="http://schemas.microsoft.com/office/drawing/2014/main" id="{58DC7D00-358B-4BA7-BCE0-1EAD61328D49}"/>
+                <a16:creationId xmlns:a16="http://schemas.microsoft.com/office/drawing/2014/main" xmlns="" id="{58DC7D00-358B-4BA7-BCE0-1EAD61328D49}"/>
               </a:ext>
             </a:extLst>
           </p:cNvPr>
@@ -3834,7 +3835,7 @@
           <p:cNvPr id="2" name="Slide Image Placeholder 1">
             <a:extLst>
               <a:ext uri="{FF2B5EF4-FFF2-40B4-BE49-F238E27FC236}">
-                <a16:creationId xmlns="" xmlns:a16="http://schemas.microsoft.com/office/drawing/2014/main" id="{E107043A-AE36-4364-9DFE-DFCE5815F751}"/>
+                <a16:creationId xmlns:a16="http://schemas.microsoft.com/office/drawing/2014/main" xmlns="" id="{E107043A-AE36-4364-9DFE-DFCE5815F751}"/>
               </a:ext>
             </a:extLst>
           </p:cNvPr>
@@ -3866,7 +3867,7 @@
           <p:cNvPr id="3" name="Notes Placeholder 2">
             <a:extLst>
               <a:ext uri="{FF2B5EF4-FFF2-40B4-BE49-F238E27FC236}">
-                <a16:creationId xmlns="" xmlns:a16="http://schemas.microsoft.com/office/drawing/2014/main" id="{1ABBB20D-94B9-4846-9AA3-88CC1FE08F8B}"/>
+                <a16:creationId xmlns:a16="http://schemas.microsoft.com/office/drawing/2014/main" xmlns="" id="{1ABBB20D-94B9-4846-9AA3-88CC1FE08F8B}"/>
               </a:ext>
             </a:extLst>
           </p:cNvPr>
@@ -3900,7 +3901,7 @@
     </p:spTree>
     <p:extLst>
       <p:ext uri="{BB962C8B-B14F-4D97-AF65-F5344CB8AC3E}">
-        <p14:creationId xmlns:p14="http://schemas.microsoft.com/office/powerpoint/2010/main" val="548277380"/>
+        <p14:creationId xmlns:p14="http://schemas.microsoft.com/office/powerpoint/2010/main" val="69073049"/>
       </p:ext>
     </p:extLst>
   </p:cSld>
@@ -3932,7 +3933,7 @@
           <p:cNvPr id="5" name="Date Placeholder 2">
             <a:extLst>
               <a:ext uri="{FF2B5EF4-FFF2-40B4-BE49-F238E27FC236}">
-                <a16:creationId xmlns="" xmlns:a16="http://schemas.microsoft.com/office/drawing/2014/main" id="{FCAD4B7D-8F57-4182-8C3E-EA5A76CCFE3C}"/>
+                <a16:creationId xmlns:a16="http://schemas.microsoft.com/office/drawing/2014/main" xmlns="" id="{FCAD4B7D-8F57-4182-8C3E-EA5A76CCFE3C}"/>
               </a:ext>
             </a:extLst>
           </p:cNvPr>
@@ -4004,7 +4005,7 @@
                 <a:tabLst/>
                 <a:defRPr/>
               </a:pPr>
-              <a:t>12/11/19</a:t>
+              <a:t>12/13/19</a:t>
             </a:fld>
             <a:endParaRPr kumimoji="0" lang="en-US" sz="1200" b="0" i="0" u="none" strike="noStrike" kern="1200" cap="none" spc="0" normalizeH="0" baseline="0" noProof="0">
               <a:ln>
@@ -4028,7 +4029,7 @@
           <p:cNvPr id="9" name="Slide Number Placeholder 12">
             <a:extLst>
               <a:ext uri="{FF2B5EF4-FFF2-40B4-BE49-F238E27FC236}">
-                <a16:creationId xmlns="" xmlns:a16="http://schemas.microsoft.com/office/drawing/2014/main" id="{0C0C2B3A-0D30-48B7-A359-EC0744537A42}"/>
+                <a16:creationId xmlns:a16="http://schemas.microsoft.com/office/drawing/2014/main" xmlns="" id="{0C0C2B3A-0D30-48B7-A359-EC0744537A42}"/>
               </a:ext>
             </a:extLst>
           </p:cNvPr>
@@ -4127,7 +4128,7 @@
           <p:cNvPr id="11" name="Slide Number Placeholder 6">
             <a:extLst>
               <a:ext uri="{FF2B5EF4-FFF2-40B4-BE49-F238E27FC236}">
-                <a16:creationId xmlns="" xmlns:a16="http://schemas.microsoft.com/office/drawing/2014/main" id="{58DC7D00-358B-4BA7-BCE0-1EAD61328D49}"/>
+                <a16:creationId xmlns:a16="http://schemas.microsoft.com/office/drawing/2014/main" xmlns="" id="{58DC7D00-358B-4BA7-BCE0-1EAD61328D49}"/>
               </a:ext>
             </a:extLst>
           </p:cNvPr>
@@ -4226,7 +4227,7 @@
           <p:cNvPr id="2" name="Slide Image Placeholder 1">
             <a:extLst>
               <a:ext uri="{FF2B5EF4-FFF2-40B4-BE49-F238E27FC236}">
-                <a16:creationId xmlns="" xmlns:a16="http://schemas.microsoft.com/office/drawing/2014/main" id="{E107043A-AE36-4364-9DFE-DFCE5815F751}"/>
+                <a16:creationId xmlns:a16="http://schemas.microsoft.com/office/drawing/2014/main" xmlns="" id="{E107043A-AE36-4364-9DFE-DFCE5815F751}"/>
               </a:ext>
             </a:extLst>
           </p:cNvPr>
@@ -4258,7 +4259,7 @@
           <p:cNvPr id="3" name="Notes Placeholder 2">
             <a:extLst>
               <a:ext uri="{FF2B5EF4-FFF2-40B4-BE49-F238E27FC236}">
-                <a16:creationId xmlns="" xmlns:a16="http://schemas.microsoft.com/office/drawing/2014/main" id="{1ABBB20D-94B9-4846-9AA3-88CC1FE08F8B}"/>
+                <a16:creationId xmlns:a16="http://schemas.microsoft.com/office/drawing/2014/main" xmlns="" id="{1ABBB20D-94B9-4846-9AA3-88CC1FE08F8B}"/>
               </a:ext>
             </a:extLst>
           </p:cNvPr>
@@ -4292,7 +4293,7 @@
     </p:spTree>
     <p:extLst>
       <p:ext uri="{BB962C8B-B14F-4D97-AF65-F5344CB8AC3E}">
-        <p14:creationId xmlns:p14="http://schemas.microsoft.com/office/powerpoint/2010/main" val="2082906061"/>
+        <p14:creationId xmlns:p14="http://schemas.microsoft.com/office/powerpoint/2010/main" val="548277380"/>
       </p:ext>
     </p:extLst>
   </p:cSld>
@@ -4324,7 +4325,7 @@
           <p:cNvPr id="5" name="Date Placeholder 2">
             <a:extLst>
               <a:ext uri="{FF2B5EF4-FFF2-40B4-BE49-F238E27FC236}">
-                <a16:creationId xmlns="" xmlns:a16="http://schemas.microsoft.com/office/drawing/2014/main" id="{FCAD4B7D-8F57-4182-8C3E-EA5A76CCFE3C}"/>
+                <a16:creationId xmlns:a16="http://schemas.microsoft.com/office/drawing/2014/main" xmlns="" id="{FCAD4B7D-8F57-4182-8C3E-EA5A76CCFE3C}"/>
               </a:ext>
             </a:extLst>
           </p:cNvPr>
@@ -4396,7 +4397,7 @@
                 <a:tabLst/>
                 <a:defRPr/>
               </a:pPr>
-              <a:t>12/11/19</a:t>
+              <a:t>12/13/19</a:t>
             </a:fld>
             <a:endParaRPr kumimoji="0" lang="en-US" sz="1200" b="0" i="0" u="none" strike="noStrike" kern="1200" cap="none" spc="0" normalizeH="0" baseline="0" noProof="0">
               <a:ln>
@@ -4420,7 +4421,7 @@
           <p:cNvPr id="9" name="Slide Number Placeholder 12">
             <a:extLst>
               <a:ext uri="{FF2B5EF4-FFF2-40B4-BE49-F238E27FC236}">
-                <a16:creationId xmlns="" xmlns:a16="http://schemas.microsoft.com/office/drawing/2014/main" id="{0C0C2B3A-0D30-48B7-A359-EC0744537A42}"/>
+                <a16:creationId xmlns:a16="http://schemas.microsoft.com/office/drawing/2014/main" xmlns="" id="{0C0C2B3A-0D30-48B7-A359-EC0744537A42}"/>
               </a:ext>
             </a:extLst>
           </p:cNvPr>
@@ -4519,7 +4520,7 @@
           <p:cNvPr id="11" name="Slide Number Placeholder 6">
             <a:extLst>
               <a:ext uri="{FF2B5EF4-FFF2-40B4-BE49-F238E27FC236}">
-                <a16:creationId xmlns="" xmlns:a16="http://schemas.microsoft.com/office/drawing/2014/main" id="{58DC7D00-358B-4BA7-BCE0-1EAD61328D49}"/>
+                <a16:creationId xmlns:a16="http://schemas.microsoft.com/office/drawing/2014/main" xmlns="" id="{58DC7D00-358B-4BA7-BCE0-1EAD61328D49}"/>
               </a:ext>
             </a:extLst>
           </p:cNvPr>
@@ -4618,7 +4619,7 @@
           <p:cNvPr id="2" name="Slide Image Placeholder 1">
             <a:extLst>
               <a:ext uri="{FF2B5EF4-FFF2-40B4-BE49-F238E27FC236}">
-                <a16:creationId xmlns="" xmlns:a16="http://schemas.microsoft.com/office/drawing/2014/main" id="{E107043A-AE36-4364-9DFE-DFCE5815F751}"/>
+                <a16:creationId xmlns:a16="http://schemas.microsoft.com/office/drawing/2014/main" xmlns="" id="{E107043A-AE36-4364-9DFE-DFCE5815F751}"/>
               </a:ext>
             </a:extLst>
           </p:cNvPr>
@@ -4650,7 +4651,7 @@
           <p:cNvPr id="3" name="Notes Placeholder 2">
             <a:extLst>
               <a:ext uri="{FF2B5EF4-FFF2-40B4-BE49-F238E27FC236}">
-                <a16:creationId xmlns="" xmlns:a16="http://schemas.microsoft.com/office/drawing/2014/main" id="{1ABBB20D-94B9-4846-9AA3-88CC1FE08F8B}"/>
+                <a16:creationId xmlns:a16="http://schemas.microsoft.com/office/drawing/2014/main" xmlns="" id="{1ABBB20D-94B9-4846-9AA3-88CC1FE08F8B}"/>
               </a:ext>
             </a:extLst>
           </p:cNvPr>
@@ -4684,7 +4685,7 @@
     </p:spTree>
     <p:extLst>
       <p:ext uri="{BB962C8B-B14F-4D97-AF65-F5344CB8AC3E}">
-        <p14:creationId xmlns:p14="http://schemas.microsoft.com/office/powerpoint/2010/main" val="495005492"/>
+        <p14:creationId xmlns:p14="http://schemas.microsoft.com/office/powerpoint/2010/main" val="2082906061"/>
       </p:ext>
     </p:extLst>
   </p:cSld>
@@ -4716,7 +4717,7 @@
           <p:cNvPr id="5" name="Date Placeholder 2">
             <a:extLst>
               <a:ext uri="{FF2B5EF4-FFF2-40B4-BE49-F238E27FC236}">
-                <a16:creationId xmlns="" xmlns:a16="http://schemas.microsoft.com/office/drawing/2014/main" id="{FCAD4B7D-8F57-4182-8C3E-EA5A76CCFE3C}"/>
+                <a16:creationId xmlns:a16="http://schemas.microsoft.com/office/drawing/2014/main" xmlns="" id="{FCAD4B7D-8F57-4182-8C3E-EA5A76CCFE3C}"/>
               </a:ext>
             </a:extLst>
           </p:cNvPr>
@@ -4788,7 +4789,7 @@
                 <a:tabLst/>
                 <a:defRPr/>
               </a:pPr>
-              <a:t>12/11/19</a:t>
+              <a:t>12/13/19</a:t>
             </a:fld>
             <a:endParaRPr kumimoji="0" lang="en-US" sz="1200" b="0" i="0" u="none" strike="noStrike" kern="1200" cap="none" spc="0" normalizeH="0" baseline="0" noProof="0">
               <a:ln>
@@ -4812,7 +4813,7 @@
           <p:cNvPr id="9" name="Slide Number Placeholder 12">
             <a:extLst>
               <a:ext uri="{FF2B5EF4-FFF2-40B4-BE49-F238E27FC236}">
-                <a16:creationId xmlns="" xmlns:a16="http://schemas.microsoft.com/office/drawing/2014/main" id="{0C0C2B3A-0D30-48B7-A359-EC0744537A42}"/>
+                <a16:creationId xmlns:a16="http://schemas.microsoft.com/office/drawing/2014/main" xmlns="" id="{0C0C2B3A-0D30-48B7-A359-EC0744537A42}"/>
               </a:ext>
             </a:extLst>
           </p:cNvPr>
@@ -4911,7 +4912,7 @@
           <p:cNvPr id="11" name="Slide Number Placeholder 6">
             <a:extLst>
               <a:ext uri="{FF2B5EF4-FFF2-40B4-BE49-F238E27FC236}">
-                <a16:creationId xmlns="" xmlns:a16="http://schemas.microsoft.com/office/drawing/2014/main" id="{58DC7D00-358B-4BA7-BCE0-1EAD61328D49}"/>
+                <a16:creationId xmlns:a16="http://schemas.microsoft.com/office/drawing/2014/main" xmlns="" id="{58DC7D00-358B-4BA7-BCE0-1EAD61328D49}"/>
               </a:ext>
             </a:extLst>
           </p:cNvPr>
@@ -5010,7 +5011,7 @@
           <p:cNvPr id="2" name="Slide Image Placeholder 1">
             <a:extLst>
               <a:ext uri="{FF2B5EF4-FFF2-40B4-BE49-F238E27FC236}">
-                <a16:creationId xmlns="" xmlns:a16="http://schemas.microsoft.com/office/drawing/2014/main" id="{E107043A-AE36-4364-9DFE-DFCE5815F751}"/>
+                <a16:creationId xmlns:a16="http://schemas.microsoft.com/office/drawing/2014/main" xmlns="" id="{E107043A-AE36-4364-9DFE-DFCE5815F751}"/>
               </a:ext>
             </a:extLst>
           </p:cNvPr>
@@ -5042,7 +5043,7 @@
           <p:cNvPr id="3" name="Notes Placeholder 2">
             <a:extLst>
               <a:ext uri="{FF2B5EF4-FFF2-40B4-BE49-F238E27FC236}">
-                <a16:creationId xmlns="" xmlns:a16="http://schemas.microsoft.com/office/drawing/2014/main" id="{1ABBB20D-94B9-4846-9AA3-88CC1FE08F8B}"/>
+                <a16:creationId xmlns:a16="http://schemas.microsoft.com/office/drawing/2014/main" xmlns="" id="{1ABBB20D-94B9-4846-9AA3-88CC1FE08F8B}"/>
               </a:ext>
             </a:extLst>
           </p:cNvPr>
@@ -5076,7 +5077,7 @@
     </p:spTree>
     <p:extLst>
       <p:ext uri="{BB962C8B-B14F-4D97-AF65-F5344CB8AC3E}">
-        <p14:creationId xmlns:p14="http://schemas.microsoft.com/office/powerpoint/2010/main" val="692727755"/>
+        <p14:creationId xmlns:p14="http://schemas.microsoft.com/office/powerpoint/2010/main" val="495005492"/>
       </p:ext>
     </p:extLst>
   </p:cSld>
@@ -5086,7 +5087,7 @@
 </p:notes>
 </file>
 
-<file path=ppt/notesSlides/notesSlide2.xml><?xml version="1.0" encoding="utf-8"?>
+<file path=ppt/notesSlides/notesSlide19.xml><?xml version="1.0" encoding="utf-8"?>
 <p:notes xmlns:a="http://schemas.openxmlformats.org/drawingml/2006/main" xmlns:r="http://schemas.openxmlformats.org/officeDocument/2006/relationships" xmlns:p="http://schemas.openxmlformats.org/presentationml/2006/main">
   <p:cSld>
     <p:spTree>
@@ -5108,7 +5109,7 @@
           <p:cNvPr id="5" name="Date Placeholder 2">
             <a:extLst>
               <a:ext uri="{FF2B5EF4-FFF2-40B4-BE49-F238E27FC236}">
-                <a16:creationId xmlns="" xmlns:a16="http://schemas.microsoft.com/office/drawing/2014/main" id="{4C89F0D3-170C-41EC-B4A5-4F9798889858}"/>
+                <a16:creationId xmlns:a16="http://schemas.microsoft.com/office/drawing/2014/main" xmlns="" id="{FCAD4B7D-8F57-4182-8C3E-EA5A76CCFE3C}"/>
               </a:ext>
             </a:extLst>
           </p:cNvPr>
@@ -5180,7 +5181,7 @@
                 <a:tabLst/>
                 <a:defRPr/>
               </a:pPr>
-              <a:t>12/11/19</a:t>
+              <a:t>12/13/19</a:t>
             </a:fld>
             <a:endParaRPr kumimoji="0" lang="en-US" sz="1200" b="0" i="0" u="none" strike="noStrike" kern="1200" cap="none" spc="0" normalizeH="0" baseline="0" noProof="0">
               <a:ln>
@@ -5204,7 +5205,399 @@
           <p:cNvPr id="9" name="Slide Number Placeholder 12">
             <a:extLst>
               <a:ext uri="{FF2B5EF4-FFF2-40B4-BE49-F238E27FC236}">
-                <a16:creationId xmlns="" xmlns:a16="http://schemas.microsoft.com/office/drawing/2014/main" id="{7AFEA2F1-BC4F-4D12-A0D5-902D07BC39CC}"/>
+                <a16:creationId xmlns:a16="http://schemas.microsoft.com/office/drawing/2014/main" xmlns="" id="{0C0C2B3A-0D30-48B7-A359-EC0744537A42}"/>
+              </a:ext>
+            </a:extLst>
+          </p:cNvPr>
+          <p:cNvSpPr txBox="1">
+            <a:spLocks noGrp="1"/>
+          </p:cNvSpPr>
+          <p:nvPr/>
+        </p:nvSpPr>
+        <p:spPr>
+          <a:xfrm>
+            <a:off x="4278960" y="10157400"/>
+            <a:ext cx="3280680" cy="534240"/>
+          </a:xfrm>
+          <a:prstGeom prst="rect">
+            <a:avLst/>
+          </a:prstGeom>
+          <a:noFill/>
+          <a:ln/>
+        </p:spPr>
+        <p:txBody>
+          <a:bodyPr lIns="0" tIns="0" rIns="0" bIns="0" anchor="b" anchorCtr="0">
+            <a:noAutofit/>
+          </a:bodyPr>
+          <a:lstStyle/>
+          <a:p>
+            <a:pPr marL="0" marR="0" lvl="0" indent="0" algn="r" defTabSz="914400" rtl="0" eaLnBrk="1" fontAlgn="auto" latinLnBrk="0" hangingPunct="0">
+              <a:lnSpc>
+                <a:spcPct val="100000"/>
+              </a:lnSpc>
+              <a:spcBef>
+                <a:spcPts val="0"/>
+              </a:spcBef>
+              <a:spcAft>
+                <a:spcPts val="0"/>
+              </a:spcAft>
+              <a:buClrTx/>
+              <a:buSzTx/>
+              <a:buFontTx/>
+              <a:buNone/>
+              <a:tabLst/>
+              <a:defRPr/>
+            </a:pPr>
+            <a:fld id="{CDC96B44-BAFB-4673-97CC-4185E8145F0A}" type="slidenum">
+              <a:rPr kumimoji="0" lang="en-US" sz="1400" b="0" i="0" u="none" strike="noStrike" kern="1200" cap="none" spc="0" normalizeH="0" baseline="0" noProof="0" smtClean="0">
+                <a:ln>
+                  <a:noFill/>
+                </a:ln>
+                <a:solidFill>
+                  <a:schemeClr val="tx1"/>
+                </a:solidFill>
+                <a:effectLst/>
+                <a:uLnTx/>
+                <a:uFillTx/>
+                <a:latin typeface="Liberation Serif" pitchFamily="18"/>
+                <a:ea typeface="DejaVu Sans" pitchFamily="2"/>
+                <a:cs typeface="DejaVu Sans" pitchFamily="2"/>
+              </a:rPr>
+              <a:pPr marL="0" marR="0" lvl="0" indent="0" algn="r" defTabSz="914400" rtl="0" eaLnBrk="1" fontAlgn="auto" latinLnBrk="0" hangingPunct="0">
+                <a:lnSpc>
+                  <a:spcPct val="100000"/>
+                </a:lnSpc>
+                <a:spcBef>
+                  <a:spcPts val="0"/>
+                </a:spcBef>
+                <a:spcAft>
+                  <a:spcPts val="0"/>
+                </a:spcAft>
+                <a:buClrTx/>
+                <a:buSzTx/>
+                <a:buFontTx/>
+                <a:buNone/>
+                <a:tabLst/>
+                <a:defRPr/>
+              </a:pPr>
+              <a:t>19</a:t>
+            </a:fld>
+            <a:endParaRPr kumimoji="0" lang="en-US" sz="1400" b="0" i="0" u="none" strike="noStrike" kern="1200" cap="none" spc="0" normalizeH="0" baseline="0" noProof="0">
+              <a:ln>
+                <a:noFill/>
+              </a:ln>
+              <a:solidFill>
+                <a:schemeClr val="tx1"/>
+              </a:solidFill>
+              <a:effectLst/>
+              <a:uLnTx/>
+              <a:uFillTx/>
+              <a:latin typeface="Liberation Serif" pitchFamily="18"/>
+              <a:ea typeface="DejaVu Sans" pitchFamily="2"/>
+              <a:cs typeface="DejaVu Sans" pitchFamily="2"/>
+            </a:endParaRPr>
+          </a:p>
+        </p:txBody>
+      </p:sp>
+      <p:sp>
+        <p:nvSpPr>
+          <p:cNvPr id="11" name="Slide Number Placeholder 6">
+            <a:extLst>
+              <a:ext uri="{FF2B5EF4-FFF2-40B4-BE49-F238E27FC236}">
+                <a16:creationId xmlns:a16="http://schemas.microsoft.com/office/drawing/2014/main" xmlns="" id="{58DC7D00-358B-4BA7-BCE0-1EAD61328D49}"/>
+              </a:ext>
+            </a:extLst>
+          </p:cNvPr>
+          <p:cNvSpPr txBox="1">
+            <a:spLocks noGrp="1"/>
+          </p:cNvSpPr>
+          <p:nvPr/>
+        </p:nvSpPr>
+        <p:spPr>
+          <a:xfrm>
+            <a:off x="4278960" y="10157400"/>
+            <a:ext cx="3280680" cy="534240"/>
+          </a:xfrm>
+          <a:prstGeom prst="rect">
+            <a:avLst/>
+          </a:prstGeom>
+          <a:noFill/>
+          <a:ln/>
+        </p:spPr>
+        <p:txBody>
+          <a:bodyPr vert="horz" lIns="91440" tIns="45720" rIns="91440" bIns="45720" rtlCol="0" anchor="b" anchorCtr="0">
+            <a:noAutofit/>
+          </a:bodyPr>
+          <a:lstStyle/>
+          <a:p>
+            <a:pPr marL="0" marR="0" lvl="0" indent="0" algn="r" defTabSz="914400" rtl="0" eaLnBrk="1" fontAlgn="auto" latinLnBrk="0" hangingPunct="0">
+              <a:lnSpc>
+                <a:spcPct val="100000"/>
+              </a:lnSpc>
+              <a:spcBef>
+                <a:spcPts val="0"/>
+              </a:spcBef>
+              <a:spcAft>
+                <a:spcPts val="0"/>
+              </a:spcAft>
+              <a:buClrTx/>
+              <a:buSzTx/>
+              <a:buFontTx/>
+              <a:buNone/>
+              <a:tabLst/>
+              <a:defRPr/>
+            </a:pPr>
+            <a:fld id="{63DD68CA-5614-4CA7-88E5-0CE51A6339FE}" type="slidenum">
+              <a:rPr kumimoji="0" lang="en-US" sz="1400" b="0" i="0" u="none" strike="noStrike" kern="1200" cap="none" spc="0" normalizeH="0" baseline="0" noProof="0" smtClean="0">
+                <a:ln>
+                  <a:noFill/>
+                </a:ln>
+                <a:solidFill>
+                  <a:schemeClr val="tx1"/>
+                </a:solidFill>
+                <a:effectLst/>
+                <a:uLnTx/>
+                <a:uFillTx/>
+                <a:latin typeface="Liberation Serif" pitchFamily="18"/>
+                <a:ea typeface="DejaVu Sans" pitchFamily="2"/>
+                <a:cs typeface="DejaVu Sans" pitchFamily="2"/>
+              </a:rPr>
+              <a:pPr marL="0" marR="0" lvl="0" indent="0" algn="r" defTabSz="914400" rtl="0" eaLnBrk="1" fontAlgn="auto" latinLnBrk="0" hangingPunct="0">
+                <a:lnSpc>
+                  <a:spcPct val="100000"/>
+                </a:lnSpc>
+                <a:spcBef>
+                  <a:spcPts val="0"/>
+                </a:spcBef>
+                <a:spcAft>
+                  <a:spcPts val="0"/>
+                </a:spcAft>
+                <a:buClrTx/>
+                <a:buSzTx/>
+                <a:buFontTx/>
+                <a:buNone/>
+                <a:tabLst/>
+                <a:defRPr/>
+              </a:pPr>
+              <a:t>19</a:t>
+            </a:fld>
+            <a:endParaRPr kumimoji="0" lang="en-US" sz="1400" b="0" i="0" u="none" strike="noStrike" kern="1200" cap="none" spc="0" normalizeH="0" baseline="0" noProof="0">
+              <a:ln>
+                <a:noFill/>
+              </a:ln>
+              <a:solidFill>
+                <a:schemeClr val="tx1"/>
+              </a:solidFill>
+              <a:effectLst/>
+              <a:uLnTx/>
+              <a:uFillTx/>
+              <a:latin typeface="Liberation Serif" pitchFamily="18"/>
+              <a:ea typeface="DejaVu Sans" pitchFamily="2"/>
+              <a:cs typeface="DejaVu Sans" pitchFamily="2"/>
+            </a:endParaRPr>
+          </a:p>
+        </p:txBody>
+      </p:sp>
+      <p:sp>
+        <p:nvSpPr>
+          <p:cNvPr id="2" name="Slide Image Placeholder 1">
+            <a:extLst>
+              <a:ext uri="{FF2B5EF4-FFF2-40B4-BE49-F238E27FC236}">
+                <a16:creationId xmlns:a16="http://schemas.microsoft.com/office/drawing/2014/main" xmlns="" id="{E107043A-AE36-4364-9DFE-DFCE5815F751}"/>
+              </a:ext>
+            </a:extLst>
+          </p:cNvPr>
+          <p:cNvSpPr>
+            <a:spLocks noGrp="1" noRot="1" noChangeAspect="1" noResize="1"/>
+          </p:cNvSpPr>
+          <p:nvPr>
+            <p:ph type="sldImg"/>
+          </p:nvPr>
+        </p:nvSpPr>
+        <p:spPr>
+          <a:xfrm>
+            <a:off x="1106488" y="812800"/>
+            <a:ext cx="5345112" cy="4008438"/>
+          </a:xfrm>
+          <a:solidFill>
+            <a:srgbClr val="729FCF"/>
+          </a:solidFill>
+          <a:ln w="25400">
+            <a:solidFill>
+              <a:srgbClr val="3465A4"/>
+            </a:solidFill>
+            <a:prstDash val="solid"/>
+          </a:ln>
+        </p:spPr>
+      </p:sp>
+      <p:sp>
+        <p:nvSpPr>
+          <p:cNvPr id="3" name="Notes Placeholder 2">
+            <a:extLst>
+              <a:ext uri="{FF2B5EF4-FFF2-40B4-BE49-F238E27FC236}">
+                <a16:creationId xmlns:a16="http://schemas.microsoft.com/office/drawing/2014/main" xmlns="" id="{1ABBB20D-94B9-4846-9AA3-88CC1FE08F8B}"/>
+              </a:ext>
+            </a:extLst>
+          </p:cNvPr>
+          <p:cNvSpPr txBox="1">
+            <a:spLocks noGrp="1"/>
+          </p:cNvSpPr>
+          <p:nvPr>
+            <p:ph type="body" sz="quarter" idx="1"/>
+          </p:nvPr>
+        </p:nvSpPr>
+        <p:spPr>
+          <a:xfrm>
+            <a:off x="756000" y="5078520"/>
+            <a:ext cx="6047640" cy="4811040"/>
+          </a:xfrm>
+          <a:noFill/>
+          <a:ln>
+            <a:noFill/>
+          </a:ln>
+        </p:spPr>
+        <p:txBody>
+          <a:bodyPr lIns="0" tIns="0" rIns="0" bIns="0">
+            <a:spAutoFit/>
+          </a:bodyPr>
+          <a:lstStyle/>
+          <a:p>
+            <a:endParaRPr lang="en-US"/>
+          </a:p>
+        </p:txBody>
+      </p:sp>
+    </p:spTree>
+    <p:extLst>
+      <p:ext uri="{BB962C8B-B14F-4D97-AF65-F5344CB8AC3E}">
+        <p14:creationId xmlns:p14="http://schemas.microsoft.com/office/powerpoint/2010/main" val="692727755"/>
+      </p:ext>
+    </p:extLst>
+  </p:cSld>
+  <p:clrMapOvr>
+    <a:masterClrMapping/>
+  </p:clrMapOvr>
+</p:notes>
+</file>
+
+<file path=ppt/notesSlides/notesSlide2.xml><?xml version="1.0" encoding="utf-8"?>
+<p:notes xmlns:a="http://schemas.openxmlformats.org/drawingml/2006/main" xmlns:r="http://schemas.openxmlformats.org/officeDocument/2006/relationships" xmlns:p="http://schemas.openxmlformats.org/presentationml/2006/main">
+  <p:cSld>
+    <p:spTree>
+      <p:nvGrpSpPr>
+        <p:cNvPr id="1" name=""/>
+        <p:cNvGrpSpPr/>
+        <p:nvPr/>
+      </p:nvGrpSpPr>
+      <p:grpSpPr>
+        <a:xfrm>
+          <a:off x="0" y="0"/>
+          <a:ext cx="0" cy="0"/>
+          <a:chOff x="0" y="0"/>
+          <a:chExt cx="0" cy="0"/>
+        </a:xfrm>
+      </p:grpSpPr>
+      <p:sp>
+        <p:nvSpPr>
+          <p:cNvPr id="5" name="Date Placeholder 2">
+            <a:extLst>
+              <a:ext uri="{FF2B5EF4-FFF2-40B4-BE49-F238E27FC236}">
+                <a16:creationId xmlns:a16="http://schemas.microsoft.com/office/drawing/2014/main" xmlns="" id="{4C89F0D3-170C-41EC-B4A5-4F9798889858}"/>
+              </a:ext>
+            </a:extLst>
+          </p:cNvPr>
+          <p:cNvSpPr txBox="1">
+            <a:spLocks noGrp="1"/>
+          </p:cNvSpPr>
+          <p:nvPr/>
+        </p:nvSpPr>
+        <p:spPr>
+          <a:xfrm>
+            <a:off x="4281488" y="0"/>
+            <a:ext cx="3276600" cy="536575"/>
+          </a:xfrm>
+          <a:prstGeom prst="rect">
+            <a:avLst/>
+          </a:prstGeom>
+          <a:noFill/>
+        </p:spPr>
+        <p:txBody>
+          <a:bodyPr vert="horz" lIns="91440" tIns="45720" rIns="91440" bIns="45720" rtlCol="0"/>
+          <a:lstStyle/>
+          <a:p>
+            <a:pPr marL="0" marR="0" lvl="0" indent="0" algn="r" defTabSz="914400" rtl="0" eaLnBrk="1" fontAlgn="auto" latinLnBrk="0" hangingPunct="1">
+              <a:lnSpc>
+                <a:spcPct val="100000"/>
+              </a:lnSpc>
+              <a:spcBef>
+                <a:spcPts val="0"/>
+              </a:spcBef>
+              <a:spcAft>
+                <a:spcPts val="0"/>
+              </a:spcAft>
+              <a:buClrTx/>
+              <a:buSzTx/>
+              <a:buFontTx/>
+              <a:buNone/>
+              <a:tabLst/>
+              <a:defRPr/>
+            </a:pPr>
+            <a:fld id="{778E27A1-EDF5-42B3-8325-D462CEDBA2AF}" type="datetimeFigureOut">
+              <a:rPr kumimoji="0" lang="en-US" sz="1200" b="0" i="0" u="none" strike="noStrike" kern="1200" cap="none" spc="0" normalizeH="0" baseline="0" noProof="0" smtClean="0">
+                <a:ln>
+                  <a:noFill/>
+                </a:ln>
+                <a:solidFill>
+                  <a:schemeClr val="tx1"/>
+                </a:solidFill>
+                <a:effectLst/>
+                <a:uLnTx/>
+                <a:uFillTx/>
+                <a:latin typeface="+mn-lt"/>
+                <a:ea typeface="+mn-ea"/>
+                <a:cs typeface="+mn-cs"/>
+              </a:rPr>
+              <a:pPr marL="0" marR="0" lvl="0" indent="0" algn="r" defTabSz="914400" rtl="0" eaLnBrk="1" fontAlgn="auto" latinLnBrk="0" hangingPunct="1">
+                <a:lnSpc>
+                  <a:spcPct val="100000"/>
+                </a:lnSpc>
+                <a:spcBef>
+                  <a:spcPts val="0"/>
+                </a:spcBef>
+                <a:spcAft>
+                  <a:spcPts val="0"/>
+                </a:spcAft>
+                <a:buClrTx/>
+                <a:buSzTx/>
+                <a:buFontTx/>
+                <a:buNone/>
+                <a:tabLst/>
+                <a:defRPr/>
+              </a:pPr>
+              <a:t>12/13/19</a:t>
+            </a:fld>
+            <a:endParaRPr kumimoji="0" lang="en-US" sz="1200" b="0" i="0" u="none" strike="noStrike" kern="1200" cap="none" spc="0" normalizeH="0" baseline="0" noProof="0">
+              <a:ln>
+                <a:noFill/>
+              </a:ln>
+              <a:solidFill>
+                <a:schemeClr val="tx1"/>
+              </a:solidFill>
+              <a:effectLst/>
+              <a:uLnTx/>
+              <a:uFillTx/>
+              <a:latin typeface="+mn-lt"/>
+              <a:ea typeface="+mn-ea"/>
+              <a:cs typeface="+mn-cs"/>
+            </a:endParaRPr>
+          </a:p>
+        </p:txBody>
+      </p:sp>
+      <p:sp>
+        <p:nvSpPr>
+          <p:cNvPr id="9" name="Slide Number Placeholder 12">
+            <a:extLst>
+              <a:ext uri="{FF2B5EF4-FFF2-40B4-BE49-F238E27FC236}">
+                <a16:creationId xmlns:a16="http://schemas.microsoft.com/office/drawing/2014/main" xmlns="" id="{7AFEA2F1-BC4F-4D12-A0D5-902D07BC39CC}"/>
               </a:ext>
             </a:extLst>
           </p:cNvPr>
@@ -5303,7 +5696,7 @@
           <p:cNvPr id="11" name="Slide Number Placeholder 6">
             <a:extLst>
               <a:ext uri="{FF2B5EF4-FFF2-40B4-BE49-F238E27FC236}">
-                <a16:creationId xmlns="" xmlns:a16="http://schemas.microsoft.com/office/drawing/2014/main" id="{813B2168-2F93-4A31-B5D4-793C0F15020E}"/>
+                <a16:creationId xmlns:a16="http://schemas.microsoft.com/office/drawing/2014/main" xmlns="" id="{813B2168-2F93-4A31-B5D4-793C0F15020E}"/>
               </a:ext>
             </a:extLst>
           </p:cNvPr>
@@ -5402,7 +5795,7 @@
           <p:cNvPr id="2" name="Slide Image Placeholder 1">
             <a:extLst>
               <a:ext uri="{FF2B5EF4-FFF2-40B4-BE49-F238E27FC236}">
-                <a16:creationId xmlns="" xmlns:a16="http://schemas.microsoft.com/office/drawing/2014/main" id="{0B6457EA-1950-452C-AB95-1BAE9644F24F}"/>
+                <a16:creationId xmlns:a16="http://schemas.microsoft.com/office/drawing/2014/main" xmlns="" id="{0B6457EA-1950-452C-AB95-1BAE9644F24F}"/>
               </a:ext>
             </a:extLst>
           </p:cNvPr>
@@ -5434,7 +5827,7 @@
           <p:cNvPr id="3" name="Notes Placeholder 2">
             <a:extLst>
               <a:ext uri="{FF2B5EF4-FFF2-40B4-BE49-F238E27FC236}">
-                <a16:creationId xmlns="" xmlns:a16="http://schemas.microsoft.com/office/drawing/2014/main" id="{B3B3DE09-5D42-40DD-A0A0-03649E2EC5C2}"/>
+                <a16:creationId xmlns:a16="http://schemas.microsoft.com/office/drawing/2014/main" xmlns="" id="{B3B3DE09-5D42-40DD-A0A0-03649E2EC5C2}"/>
               </a:ext>
             </a:extLst>
           </p:cNvPr>
@@ -5473,7 +5866,7 @@
 </p:notes>
 </file>
 
-<file path=ppt/notesSlides/notesSlide3.xml><?xml version="1.0" encoding="utf-8"?>
+<file path=ppt/notesSlides/notesSlide20.xml><?xml version="1.0" encoding="utf-8"?>
 <p:notes xmlns:a="http://schemas.openxmlformats.org/drawingml/2006/main" xmlns:r="http://schemas.openxmlformats.org/officeDocument/2006/relationships" xmlns:p="http://schemas.openxmlformats.org/presentationml/2006/main">
   <p:cSld>
     <p:spTree>
@@ -5495,7 +5888,7 @@
           <p:cNvPr id="5" name="Date Placeholder 2">
             <a:extLst>
               <a:ext uri="{FF2B5EF4-FFF2-40B4-BE49-F238E27FC236}">
-                <a16:creationId xmlns="" xmlns:a16="http://schemas.microsoft.com/office/drawing/2014/main" id="{21B35768-9CFB-4010-8402-F4D7D0F66B33}"/>
+                <a16:creationId xmlns:a16="http://schemas.microsoft.com/office/drawing/2014/main" xmlns="" id="{FCAD4B7D-8F57-4182-8C3E-EA5A76CCFE3C}"/>
               </a:ext>
             </a:extLst>
           </p:cNvPr>
@@ -5567,7 +5960,7 @@
                 <a:tabLst/>
                 <a:defRPr/>
               </a:pPr>
-              <a:t>12/11/19</a:t>
+              <a:t>12/13/19</a:t>
             </a:fld>
             <a:endParaRPr kumimoji="0" lang="en-US" sz="1200" b="0" i="0" u="none" strike="noStrike" kern="1200" cap="none" spc="0" normalizeH="0" baseline="0" noProof="0">
               <a:ln>
@@ -5591,7 +5984,399 @@
           <p:cNvPr id="9" name="Slide Number Placeholder 12">
             <a:extLst>
               <a:ext uri="{FF2B5EF4-FFF2-40B4-BE49-F238E27FC236}">
-                <a16:creationId xmlns="" xmlns:a16="http://schemas.microsoft.com/office/drawing/2014/main" id="{4D1B66E0-F47C-45DF-8488-333D629E2BA5}"/>
+                <a16:creationId xmlns:a16="http://schemas.microsoft.com/office/drawing/2014/main" xmlns="" id="{0C0C2B3A-0D30-48B7-A359-EC0744537A42}"/>
+              </a:ext>
+            </a:extLst>
+          </p:cNvPr>
+          <p:cNvSpPr txBox="1">
+            <a:spLocks noGrp="1"/>
+          </p:cNvSpPr>
+          <p:nvPr/>
+        </p:nvSpPr>
+        <p:spPr>
+          <a:xfrm>
+            <a:off x="4278960" y="10157400"/>
+            <a:ext cx="3280680" cy="534240"/>
+          </a:xfrm>
+          <a:prstGeom prst="rect">
+            <a:avLst/>
+          </a:prstGeom>
+          <a:noFill/>
+          <a:ln/>
+        </p:spPr>
+        <p:txBody>
+          <a:bodyPr lIns="0" tIns="0" rIns="0" bIns="0" anchor="b" anchorCtr="0">
+            <a:noAutofit/>
+          </a:bodyPr>
+          <a:lstStyle/>
+          <a:p>
+            <a:pPr marL="0" marR="0" lvl="0" indent="0" algn="r" defTabSz="914400" rtl="0" eaLnBrk="1" fontAlgn="auto" latinLnBrk="0" hangingPunct="0">
+              <a:lnSpc>
+                <a:spcPct val="100000"/>
+              </a:lnSpc>
+              <a:spcBef>
+                <a:spcPts val="0"/>
+              </a:spcBef>
+              <a:spcAft>
+                <a:spcPts val="0"/>
+              </a:spcAft>
+              <a:buClrTx/>
+              <a:buSzTx/>
+              <a:buFontTx/>
+              <a:buNone/>
+              <a:tabLst/>
+              <a:defRPr/>
+            </a:pPr>
+            <a:fld id="{CDC96B44-BAFB-4673-97CC-4185E8145F0A}" type="slidenum">
+              <a:rPr kumimoji="0" lang="en-US" sz="1400" b="0" i="0" u="none" strike="noStrike" kern="1200" cap="none" spc="0" normalizeH="0" baseline="0" noProof="0" smtClean="0">
+                <a:ln>
+                  <a:noFill/>
+                </a:ln>
+                <a:solidFill>
+                  <a:schemeClr val="tx1"/>
+                </a:solidFill>
+                <a:effectLst/>
+                <a:uLnTx/>
+                <a:uFillTx/>
+                <a:latin typeface="Liberation Serif" pitchFamily="18"/>
+                <a:ea typeface="DejaVu Sans" pitchFamily="2"/>
+                <a:cs typeface="DejaVu Sans" pitchFamily="2"/>
+              </a:rPr>
+              <a:pPr marL="0" marR="0" lvl="0" indent="0" algn="r" defTabSz="914400" rtl="0" eaLnBrk="1" fontAlgn="auto" latinLnBrk="0" hangingPunct="0">
+                <a:lnSpc>
+                  <a:spcPct val="100000"/>
+                </a:lnSpc>
+                <a:spcBef>
+                  <a:spcPts val="0"/>
+                </a:spcBef>
+                <a:spcAft>
+                  <a:spcPts val="0"/>
+                </a:spcAft>
+                <a:buClrTx/>
+                <a:buSzTx/>
+                <a:buFontTx/>
+                <a:buNone/>
+                <a:tabLst/>
+                <a:defRPr/>
+              </a:pPr>
+              <a:t>20</a:t>
+            </a:fld>
+            <a:endParaRPr kumimoji="0" lang="en-US" sz="1400" b="0" i="0" u="none" strike="noStrike" kern="1200" cap="none" spc="0" normalizeH="0" baseline="0" noProof="0">
+              <a:ln>
+                <a:noFill/>
+              </a:ln>
+              <a:solidFill>
+                <a:schemeClr val="tx1"/>
+              </a:solidFill>
+              <a:effectLst/>
+              <a:uLnTx/>
+              <a:uFillTx/>
+              <a:latin typeface="Liberation Serif" pitchFamily="18"/>
+              <a:ea typeface="DejaVu Sans" pitchFamily="2"/>
+              <a:cs typeface="DejaVu Sans" pitchFamily="2"/>
+            </a:endParaRPr>
+          </a:p>
+        </p:txBody>
+      </p:sp>
+      <p:sp>
+        <p:nvSpPr>
+          <p:cNvPr id="11" name="Slide Number Placeholder 6">
+            <a:extLst>
+              <a:ext uri="{FF2B5EF4-FFF2-40B4-BE49-F238E27FC236}">
+                <a16:creationId xmlns:a16="http://schemas.microsoft.com/office/drawing/2014/main" xmlns="" id="{58DC7D00-358B-4BA7-BCE0-1EAD61328D49}"/>
+              </a:ext>
+            </a:extLst>
+          </p:cNvPr>
+          <p:cNvSpPr txBox="1">
+            <a:spLocks noGrp="1"/>
+          </p:cNvSpPr>
+          <p:nvPr/>
+        </p:nvSpPr>
+        <p:spPr>
+          <a:xfrm>
+            <a:off x="4278960" y="10157400"/>
+            <a:ext cx="3280680" cy="534240"/>
+          </a:xfrm>
+          <a:prstGeom prst="rect">
+            <a:avLst/>
+          </a:prstGeom>
+          <a:noFill/>
+          <a:ln/>
+        </p:spPr>
+        <p:txBody>
+          <a:bodyPr vert="horz" lIns="91440" tIns="45720" rIns="91440" bIns="45720" rtlCol="0" anchor="b" anchorCtr="0">
+            <a:noAutofit/>
+          </a:bodyPr>
+          <a:lstStyle/>
+          <a:p>
+            <a:pPr marL="0" marR="0" lvl="0" indent="0" algn="r" defTabSz="914400" rtl="0" eaLnBrk="1" fontAlgn="auto" latinLnBrk="0" hangingPunct="0">
+              <a:lnSpc>
+                <a:spcPct val="100000"/>
+              </a:lnSpc>
+              <a:spcBef>
+                <a:spcPts val="0"/>
+              </a:spcBef>
+              <a:spcAft>
+                <a:spcPts val="0"/>
+              </a:spcAft>
+              <a:buClrTx/>
+              <a:buSzTx/>
+              <a:buFontTx/>
+              <a:buNone/>
+              <a:tabLst/>
+              <a:defRPr/>
+            </a:pPr>
+            <a:fld id="{63DD68CA-5614-4CA7-88E5-0CE51A6339FE}" type="slidenum">
+              <a:rPr kumimoji="0" lang="en-US" sz="1400" b="0" i="0" u="none" strike="noStrike" kern="1200" cap="none" spc="0" normalizeH="0" baseline="0" noProof="0" smtClean="0">
+                <a:ln>
+                  <a:noFill/>
+                </a:ln>
+                <a:solidFill>
+                  <a:schemeClr val="tx1"/>
+                </a:solidFill>
+                <a:effectLst/>
+                <a:uLnTx/>
+                <a:uFillTx/>
+                <a:latin typeface="Liberation Serif" pitchFamily="18"/>
+                <a:ea typeface="DejaVu Sans" pitchFamily="2"/>
+                <a:cs typeface="DejaVu Sans" pitchFamily="2"/>
+              </a:rPr>
+              <a:pPr marL="0" marR="0" lvl="0" indent="0" algn="r" defTabSz="914400" rtl="0" eaLnBrk="1" fontAlgn="auto" latinLnBrk="0" hangingPunct="0">
+                <a:lnSpc>
+                  <a:spcPct val="100000"/>
+                </a:lnSpc>
+                <a:spcBef>
+                  <a:spcPts val="0"/>
+                </a:spcBef>
+                <a:spcAft>
+                  <a:spcPts val="0"/>
+                </a:spcAft>
+                <a:buClrTx/>
+                <a:buSzTx/>
+                <a:buFontTx/>
+                <a:buNone/>
+                <a:tabLst/>
+                <a:defRPr/>
+              </a:pPr>
+              <a:t>20</a:t>
+            </a:fld>
+            <a:endParaRPr kumimoji="0" lang="en-US" sz="1400" b="0" i="0" u="none" strike="noStrike" kern="1200" cap="none" spc="0" normalizeH="0" baseline="0" noProof="0">
+              <a:ln>
+                <a:noFill/>
+              </a:ln>
+              <a:solidFill>
+                <a:schemeClr val="tx1"/>
+              </a:solidFill>
+              <a:effectLst/>
+              <a:uLnTx/>
+              <a:uFillTx/>
+              <a:latin typeface="Liberation Serif" pitchFamily="18"/>
+              <a:ea typeface="DejaVu Sans" pitchFamily="2"/>
+              <a:cs typeface="DejaVu Sans" pitchFamily="2"/>
+            </a:endParaRPr>
+          </a:p>
+        </p:txBody>
+      </p:sp>
+      <p:sp>
+        <p:nvSpPr>
+          <p:cNvPr id="2" name="Slide Image Placeholder 1">
+            <a:extLst>
+              <a:ext uri="{FF2B5EF4-FFF2-40B4-BE49-F238E27FC236}">
+                <a16:creationId xmlns:a16="http://schemas.microsoft.com/office/drawing/2014/main" xmlns="" id="{E107043A-AE36-4364-9DFE-DFCE5815F751}"/>
+              </a:ext>
+            </a:extLst>
+          </p:cNvPr>
+          <p:cNvSpPr>
+            <a:spLocks noGrp="1" noRot="1" noChangeAspect="1" noResize="1"/>
+          </p:cNvSpPr>
+          <p:nvPr>
+            <p:ph type="sldImg"/>
+          </p:nvPr>
+        </p:nvSpPr>
+        <p:spPr>
+          <a:xfrm>
+            <a:off x="1106488" y="812800"/>
+            <a:ext cx="5345112" cy="4008438"/>
+          </a:xfrm>
+          <a:solidFill>
+            <a:srgbClr val="729FCF"/>
+          </a:solidFill>
+          <a:ln w="25400">
+            <a:solidFill>
+              <a:srgbClr val="3465A4"/>
+            </a:solidFill>
+            <a:prstDash val="solid"/>
+          </a:ln>
+        </p:spPr>
+      </p:sp>
+      <p:sp>
+        <p:nvSpPr>
+          <p:cNvPr id="3" name="Notes Placeholder 2">
+            <a:extLst>
+              <a:ext uri="{FF2B5EF4-FFF2-40B4-BE49-F238E27FC236}">
+                <a16:creationId xmlns:a16="http://schemas.microsoft.com/office/drawing/2014/main" xmlns="" id="{1ABBB20D-94B9-4846-9AA3-88CC1FE08F8B}"/>
+              </a:ext>
+            </a:extLst>
+          </p:cNvPr>
+          <p:cNvSpPr txBox="1">
+            <a:spLocks noGrp="1"/>
+          </p:cNvSpPr>
+          <p:nvPr>
+            <p:ph type="body" sz="quarter" idx="1"/>
+          </p:nvPr>
+        </p:nvSpPr>
+        <p:spPr>
+          <a:xfrm>
+            <a:off x="756000" y="5078520"/>
+            <a:ext cx="6047640" cy="4811040"/>
+          </a:xfrm>
+          <a:noFill/>
+          <a:ln>
+            <a:noFill/>
+          </a:ln>
+        </p:spPr>
+        <p:txBody>
+          <a:bodyPr lIns="0" tIns="0" rIns="0" bIns="0">
+            <a:spAutoFit/>
+          </a:bodyPr>
+          <a:lstStyle/>
+          <a:p>
+            <a:endParaRPr lang="en-US"/>
+          </a:p>
+        </p:txBody>
+      </p:sp>
+    </p:spTree>
+    <p:extLst>
+      <p:ext uri="{BB962C8B-B14F-4D97-AF65-F5344CB8AC3E}">
+        <p14:creationId xmlns:p14="http://schemas.microsoft.com/office/powerpoint/2010/main" val="328803850"/>
+      </p:ext>
+    </p:extLst>
+  </p:cSld>
+  <p:clrMapOvr>
+    <a:masterClrMapping/>
+  </p:clrMapOvr>
+</p:notes>
+</file>
+
+<file path=ppt/notesSlides/notesSlide3.xml><?xml version="1.0" encoding="utf-8"?>
+<p:notes xmlns:a="http://schemas.openxmlformats.org/drawingml/2006/main" xmlns:r="http://schemas.openxmlformats.org/officeDocument/2006/relationships" xmlns:p="http://schemas.openxmlformats.org/presentationml/2006/main">
+  <p:cSld>
+    <p:spTree>
+      <p:nvGrpSpPr>
+        <p:cNvPr id="1" name=""/>
+        <p:cNvGrpSpPr/>
+        <p:nvPr/>
+      </p:nvGrpSpPr>
+      <p:grpSpPr>
+        <a:xfrm>
+          <a:off x="0" y="0"/>
+          <a:ext cx="0" cy="0"/>
+          <a:chOff x="0" y="0"/>
+          <a:chExt cx="0" cy="0"/>
+        </a:xfrm>
+      </p:grpSpPr>
+      <p:sp>
+        <p:nvSpPr>
+          <p:cNvPr id="5" name="Date Placeholder 2">
+            <a:extLst>
+              <a:ext uri="{FF2B5EF4-FFF2-40B4-BE49-F238E27FC236}">
+                <a16:creationId xmlns:a16="http://schemas.microsoft.com/office/drawing/2014/main" xmlns="" id="{21B35768-9CFB-4010-8402-F4D7D0F66B33}"/>
+              </a:ext>
+            </a:extLst>
+          </p:cNvPr>
+          <p:cNvSpPr txBox="1">
+            <a:spLocks noGrp="1"/>
+          </p:cNvSpPr>
+          <p:nvPr/>
+        </p:nvSpPr>
+        <p:spPr>
+          <a:xfrm>
+            <a:off x="4281488" y="0"/>
+            <a:ext cx="3276600" cy="536575"/>
+          </a:xfrm>
+          <a:prstGeom prst="rect">
+            <a:avLst/>
+          </a:prstGeom>
+          <a:noFill/>
+        </p:spPr>
+        <p:txBody>
+          <a:bodyPr vert="horz" lIns="91440" tIns="45720" rIns="91440" bIns="45720" rtlCol="0"/>
+          <a:lstStyle/>
+          <a:p>
+            <a:pPr marL="0" marR="0" lvl="0" indent="0" algn="r" defTabSz="914400" rtl="0" eaLnBrk="1" fontAlgn="auto" latinLnBrk="0" hangingPunct="1">
+              <a:lnSpc>
+                <a:spcPct val="100000"/>
+              </a:lnSpc>
+              <a:spcBef>
+                <a:spcPts val="0"/>
+              </a:spcBef>
+              <a:spcAft>
+                <a:spcPts val="0"/>
+              </a:spcAft>
+              <a:buClrTx/>
+              <a:buSzTx/>
+              <a:buFontTx/>
+              <a:buNone/>
+              <a:tabLst/>
+              <a:defRPr/>
+            </a:pPr>
+            <a:fld id="{778E27A1-EDF5-42B3-8325-D462CEDBA2AF}" type="datetimeFigureOut">
+              <a:rPr kumimoji="0" lang="en-US" sz="1200" b="0" i="0" u="none" strike="noStrike" kern="1200" cap="none" spc="0" normalizeH="0" baseline="0" noProof="0" smtClean="0">
+                <a:ln>
+                  <a:noFill/>
+                </a:ln>
+                <a:solidFill>
+                  <a:schemeClr val="tx1"/>
+                </a:solidFill>
+                <a:effectLst/>
+                <a:uLnTx/>
+                <a:uFillTx/>
+                <a:latin typeface="+mn-lt"/>
+                <a:ea typeface="+mn-ea"/>
+                <a:cs typeface="+mn-cs"/>
+              </a:rPr>
+              <a:pPr marL="0" marR="0" lvl="0" indent="0" algn="r" defTabSz="914400" rtl="0" eaLnBrk="1" fontAlgn="auto" latinLnBrk="0" hangingPunct="1">
+                <a:lnSpc>
+                  <a:spcPct val="100000"/>
+                </a:lnSpc>
+                <a:spcBef>
+                  <a:spcPts val="0"/>
+                </a:spcBef>
+                <a:spcAft>
+                  <a:spcPts val="0"/>
+                </a:spcAft>
+                <a:buClrTx/>
+                <a:buSzTx/>
+                <a:buFontTx/>
+                <a:buNone/>
+                <a:tabLst/>
+                <a:defRPr/>
+              </a:pPr>
+              <a:t>12/13/19</a:t>
+            </a:fld>
+            <a:endParaRPr kumimoji="0" lang="en-US" sz="1200" b="0" i="0" u="none" strike="noStrike" kern="1200" cap="none" spc="0" normalizeH="0" baseline="0" noProof="0">
+              <a:ln>
+                <a:noFill/>
+              </a:ln>
+              <a:solidFill>
+                <a:schemeClr val="tx1"/>
+              </a:solidFill>
+              <a:effectLst/>
+              <a:uLnTx/>
+              <a:uFillTx/>
+              <a:latin typeface="+mn-lt"/>
+              <a:ea typeface="+mn-ea"/>
+              <a:cs typeface="+mn-cs"/>
+            </a:endParaRPr>
+          </a:p>
+        </p:txBody>
+      </p:sp>
+      <p:sp>
+        <p:nvSpPr>
+          <p:cNvPr id="9" name="Slide Number Placeholder 12">
+            <a:extLst>
+              <a:ext uri="{FF2B5EF4-FFF2-40B4-BE49-F238E27FC236}">
+                <a16:creationId xmlns:a16="http://schemas.microsoft.com/office/drawing/2014/main" xmlns="" id="{4D1B66E0-F47C-45DF-8488-333D629E2BA5}"/>
               </a:ext>
             </a:extLst>
           </p:cNvPr>
@@ -5690,7 +6475,7 @@
           <p:cNvPr id="11" name="Slide Number Placeholder 6">
             <a:extLst>
               <a:ext uri="{FF2B5EF4-FFF2-40B4-BE49-F238E27FC236}">
-                <a16:creationId xmlns="" xmlns:a16="http://schemas.microsoft.com/office/drawing/2014/main" id="{2CFF18B8-CFBB-4499-9CBA-E10A30E79CCC}"/>
+                <a16:creationId xmlns:a16="http://schemas.microsoft.com/office/drawing/2014/main" xmlns="" id="{2CFF18B8-CFBB-4499-9CBA-E10A30E79CCC}"/>
               </a:ext>
             </a:extLst>
           </p:cNvPr>
@@ -5789,7 +6574,7 @@
           <p:cNvPr id="2" name="Slide Image Placeholder 1">
             <a:extLst>
               <a:ext uri="{FF2B5EF4-FFF2-40B4-BE49-F238E27FC236}">
-                <a16:creationId xmlns="" xmlns:a16="http://schemas.microsoft.com/office/drawing/2014/main" id="{977BF92D-FA36-4094-80CF-6CC417149A1E}"/>
+                <a16:creationId xmlns:a16="http://schemas.microsoft.com/office/drawing/2014/main" xmlns="" id="{977BF92D-FA36-4094-80CF-6CC417149A1E}"/>
               </a:ext>
             </a:extLst>
           </p:cNvPr>
@@ -5821,7 +6606,7 @@
           <p:cNvPr id="3" name="Notes Placeholder 2">
             <a:extLst>
               <a:ext uri="{FF2B5EF4-FFF2-40B4-BE49-F238E27FC236}">
-                <a16:creationId xmlns="" xmlns:a16="http://schemas.microsoft.com/office/drawing/2014/main" id="{27A047B8-741E-427B-A43C-E9CA3E873813}"/>
+                <a16:creationId xmlns:a16="http://schemas.microsoft.com/office/drawing/2014/main" xmlns="" id="{27A047B8-741E-427B-A43C-E9CA3E873813}"/>
               </a:ext>
             </a:extLst>
           </p:cNvPr>
@@ -5882,7 +6667,7 @@
           <p:cNvPr id="5" name="Date Placeholder 2">
             <a:extLst>
               <a:ext uri="{FF2B5EF4-FFF2-40B4-BE49-F238E27FC236}">
-                <a16:creationId xmlns="" xmlns:a16="http://schemas.microsoft.com/office/drawing/2014/main" id="{64F889EE-8EF4-498B-9EA6-D03136D267A1}"/>
+                <a16:creationId xmlns:a16="http://schemas.microsoft.com/office/drawing/2014/main" xmlns="" id="{64F889EE-8EF4-498B-9EA6-D03136D267A1}"/>
               </a:ext>
             </a:extLst>
           </p:cNvPr>
@@ -5954,7 +6739,7 @@
                 <a:tabLst/>
                 <a:defRPr/>
               </a:pPr>
-              <a:t>12/11/19</a:t>
+              <a:t>12/13/19</a:t>
             </a:fld>
             <a:endParaRPr kumimoji="0" lang="en-US" sz="1200" b="0" i="0" u="none" strike="noStrike" kern="1200" cap="none" spc="0" normalizeH="0" baseline="0" noProof="0">
               <a:ln>
@@ -5978,7 +6763,7 @@
           <p:cNvPr id="9" name="Slide Number Placeholder 12">
             <a:extLst>
               <a:ext uri="{FF2B5EF4-FFF2-40B4-BE49-F238E27FC236}">
-                <a16:creationId xmlns="" xmlns:a16="http://schemas.microsoft.com/office/drawing/2014/main" id="{74CFED1F-581D-4F32-B38A-2919176E1A2F}"/>
+                <a16:creationId xmlns:a16="http://schemas.microsoft.com/office/drawing/2014/main" xmlns="" id="{74CFED1F-581D-4F32-B38A-2919176E1A2F}"/>
               </a:ext>
             </a:extLst>
           </p:cNvPr>
@@ -6077,7 +6862,7 @@
           <p:cNvPr id="11" name="Slide Number Placeholder 6">
             <a:extLst>
               <a:ext uri="{FF2B5EF4-FFF2-40B4-BE49-F238E27FC236}">
-                <a16:creationId xmlns="" xmlns:a16="http://schemas.microsoft.com/office/drawing/2014/main" id="{0514B2AA-9B69-4CAA-9C5D-71198F2564D6}"/>
+                <a16:creationId xmlns:a16="http://schemas.microsoft.com/office/drawing/2014/main" xmlns="" id="{0514B2AA-9B69-4CAA-9C5D-71198F2564D6}"/>
               </a:ext>
             </a:extLst>
           </p:cNvPr>
@@ -6176,7 +6961,7 @@
           <p:cNvPr id="2" name="Slide Image Placeholder 1">
             <a:extLst>
               <a:ext uri="{FF2B5EF4-FFF2-40B4-BE49-F238E27FC236}">
-                <a16:creationId xmlns="" xmlns:a16="http://schemas.microsoft.com/office/drawing/2014/main" id="{D753A8A2-4EAF-4F8D-BCBD-E81161903327}"/>
+                <a16:creationId xmlns:a16="http://schemas.microsoft.com/office/drawing/2014/main" xmlns="" id="{D753A8A2-4EAF-4F8D-BCBD-E81161903327}"/>
               </a:ext>
             </a:extLst>
           </p:cNvPr>
@@ -6208,7 +6993,7 @@
           <p:cNvPr id="3" name="Notes Placeholder 2">
             <a:extLst>
               <a:ext uri="{FF2B5EF4-FFF2-40B4-BE49-F238E27FC236}">
-                <a16:creationId xmlns="" xmlns:a16="http://schemas.microsoft.com/office/drawing/2014/main" id="{1C62F619-50F1-4178-AF99-FB7FE0D748DD}"/>
+                <a16:creationId xmlns:a16="http://schemas.microsoft.com/office/drawing/2014/main" xmlns="" id="{1C62F619-50F1-4178-AF99-FB7FE0D748DD}"/>
               </a:ext>
             </a:extLst>
           </p:cNvPr>
@@ -6269,7 +7054,7 @@
           <p:cNvPr id="5" name="Date Placeholder 2">
             <a:extLst>
               <a:ext uri="{FF2B5EF4-FFF2-40B4-BE49-F238E27FC236}">
-                <a16:creationId xmlns="" xmlns:a16="http://schemas.microsoft.com/office/drawing/2014/main" id="{FCAD4B7D-8F57-4182-8C3E-EA5A76CCFE3C}"/>
+                <a16:creationId xmlns:a16="http://schemas.microsoft.com/office/drawing/2014/main" xmlns="" id="{FCAD4B7D-8F57-4182-8C3E-EA5A76CCFE3C}"/>
               </a:ext>
             </a:extLst>
           </p:cNvPr>
@@ -6341,7 +7126,7 @@
                 <a:tabLst/>
                 <a:defRPr/>
               </a:pPr>
-              <a:t>12/11/19</a:t>
+              <a:t>12/13/19</a:t>
             </a:fld>
             <a:endParaRPr kumimoji="0" lang="en-US" sz="1200" b="0" i="0" u="none" strike="noStrike" kern="1200" cap="none" spc="0" normalizeH="0" baseline="0" noProof="0">
               <a:ln>
@@ -6365,7 +7150,7 @@
           <p:cNvPr id="9" name="Slide Number Placeholder 12">
             <a:extLst>
               <a:ext uri="{FF2B5EF4-FFF2-40B4-BE49-F238E27FC236}">
-                <a16:creationId xmlns="" xmlns:a16="http://schemas.microsoft.com/office/drawing/2014/main" id="{0C0C2B3A-0D30-48B7-A359-EC0744537A42}"/>
+                <a16:creationId xmlns:a16="http://schemas.microsoft.com/office/drawing/2014/main" xmlns="" id="{0C0C2B3A-0D30-48B7-A359-EC0744537A42}"/>
               </a:ext>
             </a:extLst>
           </p:cNvPr>
@@ -6464,7 +7249,7 @@
           <p:cNvPr id="11" name="Slide Number Placeholder 6">
             <a:extLst>
               <a:ext uri="{FF2B5EF4-FFF2-40B4-BE49-F238E27FC236}">
-                <a16:creationId xmlns="" xmlns:a16="http://schemas.microsoft.com/office/drawing/2014/main" id="{58DC7D00-358B-4BA7-BCE0-1EAD61328D49}"/>
+                <a16:creationId xmlns:a16="http://schemas.microsoft.com/office/drawing/2014/main" xmlns="" id="{58DC7D00-358B-4BA7-BCE0-1EAD61328D49}"/>
               </a:ext>
             </a:extLst>
           </p:cNvPr>
@@ -6563,7 +7348,7 @@
           <p:cNvPr id="2" name="Slide Image Placeholder 1">
             <a:extLst>
               <a:ext uri="{FF2B5EF4-FFF2-40B4-BE49-F238E27FC236}">
-                <a16:creationId xmlns="" xmlns:a16="http://schemas.microsoft.com/office/drawing/2014/main" id="{E107043A-AE36-4364-9DFE-DFCE5815F751}"/>
+                <a16:creationId xmlns:a16="http://schemas.microsoft.com/office/drawing/2014/main" xmlns="" id="{E107043A-AE36-4364-9DFE-DFCE5815F751}"/>
               </a:ext>
             </a:extLst>
           </p:cNvPr>
@@ -6595,7 +7380,7 @@
           <p:cNvPr id="3" name="Notes Placeholder 2">
             <a:extLst>
               <a:ext uri="{FF2B5EF4-FFF2-40B4-BE49-F238E27FC236}">
-                <a16:creationId xmlns="" xmlns:a16="http://schemas.microsoft.com/office/drawing/2014/main" id="{1ABBB20D-94B9-4846-9AA3-88CC1FE08F8B}"/>
+                <a16:creationId xmlns:a16="http://schemas.microsoft.com/office/drawing/2014/main" xmlns="" id="{1ABBB20D-94B9-4846-9AA3-88CC1FE08F8B}"/>
               </a:ext>
             </a:extLst>
           </p:cNvPr>
@@ -6656,7 +7441,7 @@
           <p:cNvPr id="5" name="Date Placeholder 2">
             <a:extLst>
               <a:ext uri="{FF2B5EF4-FFF2-40B4-BE49-F238E27FC236}">
-                <a16:creationId xmlns="" xmlns:a16="http://schemas.microsoft.com/office/drawing/2014/main" id="{E73E0B20-C224-4528-9EC0-8EFA8699BEA2}"/>
+                <a16:creationId xmlns:a16="http://schemas.microsoft.com/office/drawing/2014/main" xmlns="" id="{E73E0B20-C224-4528-9EC0-8EFA8699BEA2}"/>
               </a:ext>
             </a:extLst>
           </p:cNvPr>
@@ -6728,7 +7513,7 @@
                 <a:tabLst/>
                 <a:defRPr/>
               </a:pPr>
-              <a:t>12/11/19</a:t>
+              <a:t>12/13/19</a:t>
             </a:fld>
             <a:endParaRPr kumimoji="0" lang="en-US" sz="1200" b="0" i="0" u="none" strike="noStrike" kern="1200" cap="none" spc="0" normalizeH="0" baseline="0" noProof="0">
               <a:ln>
@@ -6752,7 +7537,7 @@
           <p:cNvPr id="9" name="Slide Number Placeholder 12">
             <a:extLst>
               <a:ext uri="{FF2B5EF4-FFF2-40B4-BE49-F238E27FC236}">
-                <a16:creationId xmlns="" xmlns:a16="http://schemas.microsoft.com/office/drawing/2014/main" id="{03FB640E-1FDC-4F1D-AECF-E19D03FB8B2F}"/>
+                <a16:creationId xmlns:a16="http://schemas.microsoft.com/office/drawing/2014/main" xmlns="" id="{03FB640E-1FDC-4F1D-AECF-E19D03FB8B2F}"/>
               </a:ext>
             </a:extLst>
           </p:cNvPr>
@@ -6851,7 +7636,7 @@
           <p:cNvPr id="11" name="Slide Number Placeholder 6">
             <a:extLst>
               <a:ext uri="{FF2B5EF4-FFF2-40B4-BE49-F238E27FC236}">
-                <a16:creationId xmlns="" xmlns:a16="http://schemas.microsoft.com/office/drawing/2014/main" id="{BB700910-264B-470C-96E6-D39E39E55AB2}"/>
+                <a16:creationId xmlns:a16="http://schemas.microsoft.com/office/drawing/2014/main" xmlns="" id="{BB700910-264B-470C-96E6-D39E39E55AB2}"/>
               </a:ext>
             </a:extLst>
           </p:cNvPr>
@@ -6950,7 +7735,7 @@
           <p:cNvPr id="2" name="Slide Image Placeholder 1">
             <a:extLst>
               <a:ext uri="{FF2B5EF4-FFF2-40B4-BE49-F238E27FC236}">
-                <a16:creationId xmlns="" xmlns:a16="http://schemas.microsoft.com/office/drawing/2014/main" id="{0D0C8512-FC80-44D3-A570-BF2E9BDE78A7}"/>
+                <a16:creationId xmlns:a16="http://schemas.microsoft.com/office/drawing/2014/main" xmlns="" id="{0D0C8512-FC80-44D3-A570-BF2E9BDE78A7}"/>
               </a:ext>
             </a:extLst>
           </p:cNvPr>
@@ -6982,7 +7767,7 @@
           <p:cNvPr id="3" name="Notes Placeholder 2">
             <a:extLst>
               <a:ext uri="{FF2B5EF4-FFF2-40B4-BE49-F238E27FC236}">
-                <a16:creationId xmlns="" xmlns:a16="http://schemas.microsoft.com/office/drawing/2014/main" id="{54943FFF-5AC2-42E3-BDA6-7997A6B452AF}"/>
+                <a16:creationId xmlns:a16="http://schemas.microsoft.com/office/drawing/2014/main" xmlns="" id="{54943FFF-5AC2-42E3-BDA6-7997A6B452AF}"/>
               </a:ext>
             </a:extLst>
           </p:cNvPr>
@@ -7043,7 +7828,7 @@
           <p:cNvPr id="5" name="Date Placeholder 2">
             <a:extLst>
               <a:ext uri="{FF2B5EF4-FFF2-40B4-BE49-F238E27FC236}">
-                <a16:creationId xmlns="" xmlns:a16="http://schemas.microsoft.com/office/drawing/2014/main" id="{AAB08A62-20BB-4267-A4C4-1B2F6BF1D776}"/>
+                <a16:creationId xmlns:a16="http://schemas.microsoft.com/office/drawing/2014/main" xmlns="" id="{AAB08A62-20BB-4267-A4C4-1B2F6BF1D776}"/>
               </a:ext>
             </a:extLst>
           </p:cNvPr>
@@ -7115,7 +7900,7 @@
                 <a:tabLst/>
                 <a:defRPr/>
               </a:pPr>
-              <a:t>12/11/19</a:t>
+              <a:t>12/13/19</a:t>
             </a:fld>
             <a:endParaRPr kumimoji="0" lang="en-US" sz="1200" b="0" i="0" u="none" strike="noStrike" kern="1200" cap="none" spc="0" normalizeH="0" baseline="0" noProof="0">
               <a:ln>
@@ -7139,7 +7924,7 @@
           <p:cNvPr id="9" name="Slide Number Placeholder 12">
             <a:extLst>
               <a:ext uri="{FF2B5EF4-FFF2-40B4-BE49-F238E27FC236}">
-                <a16:creationId xmlns="" xmlns:a16="http://schemas.microsoft.com/office/drawing/2014/main" id="{B781BC72-9800-43FD-A62B-AE2BD26A1DF0}"/>
+                <a16:creationId xmlns:a16="http://schemas.microsoft.com/office/drawing/2014/main" xmlns="" id="{B781BC72-9800-43FD-A62B-AE2BD26A1DF0}"/>
               </a:ext>
             </a:extLst>
           </p:cNvPr>
@@ -7238,7 +8023,7 @@
           <p:cNvPr id="11" name="Slide Number Placeholder 6">
             <a:extLst>
               <a:ext uri="{FF2B5EF4-FFF2-40B4-BE49-F238E27FC236}">
-                <a16:creationId xmlns="" xmlns:a16="http://schemas.microsoft.com/office/drawing/2014/main" id="{4B1BAA5E-6F78-4FDD-A64A-3DF1FC740091}"/>
+                <a16:creationId xmlns:a16="http://schemas.microsoft.com/office/drawing/2014/main" xmlns="" id="{4B1BAA5E-6F78-4FDD-A64A-3DF1FC740091}"/>
               </a:ext>
             </a:extLst>
           </p:cNvPr>
@@ -7337,7 +8122,7 @@
           <p:cNvPr id="2" name="Slide Image Placeholder 1">
             <a:extLst>
               <a:ext uri="{FF2B5EF4-FFF2-40B4-BE49-F238E27FC236}">
-                <a16:creationId xmlns="" xmlns:a16="http://schemas.microsoft.com/office/drawing/2014/main" id="{964E9224-7BF9-4B19-9513-A89A16D77AAA}"/>
+                <a16:creationId xmlns:a16="http://schemas.microsoft.com/office/drawing/2014/main" xmlns="" id="{964E9224-7BF9-4B19-9513-A89A16D77AAA}"/>
               </a:ext>
             </a:extLst>
           </p:cNvPr>
@@ -7369,7 +8154,7 @@
           <p:cNvPr id="3" name="Notes Placeholder 2">
             <a:extLst>
               <a:ext uri="{FF2B5EF4-FFF2-40B4-BE49-F238E27FC236}">
-                <a16:creationId xmlns="" xmlns:a16="http://schemas.microsoft.com/office/drawing/2014/main" id="{384E3A30-6EF1-493B-94BF-E0E7D3F3F30C}"/>
+                <a16:creationId xmlns:a16="http://schemas.microsoft.com/office/drawing/2014/main" xmlns="" id="{384E3A30-6EF1-493B-94BF-E0E7D3F3F30C}"/>
               </a:ext>
             </a:extLst>
           </p:cNvPr>
@@ -7430,7 +8215,7 @@
           <p:cNvPr id="5" name="Date Placeholder 2">
             <a:extLst>
               <a:ext uri="{FF2B5EF4-FFF2-40B4-BE49-F238E27FC236}">
-                <a16:creationId xmlns="" xmlns:a16="http://schemas.microsoft.com/office/drawing/2014/main" id="{33051735-6A6C-43BB-9E50-CB73B1BD24BE}"/>
+                <a16:creationId xmlns:a16="http://schemas.microsoft.com/office/drawing/2014/main" xmlns="" id="{33051735-6A6C-43BB-9E50-CB73B1BD24BE}"/>
               </a:ext>
             </a:extLst>
           </p:cNvPr>
@@ -7502,7 +8287,7 @@
                 <a:tabLst/>
                 <a:defRPr/>
               </a:pPr>
-              <a:t>12/11/19</a:t>
+              <a:t>12/13/19</a:t>
             </a:fld>
             <a:endParaRPr kumimoji="0" lang="en-US" sz="1200" b="0" i="0" u="none" strike="noStrike" kern="1200" cap="none" spc="0" normalizeH="0" baseline="0" noProof="0">
               <a:ln>
@@ -7526,7 +8311,7 @@
           <p:cNvPr id="9" name="Slide Number Placeholder 12">
             <a:extLst>
               <a:ext uri="{FF2B5EF4-FFF2-40B4-BE49-F238E27FC236}">
-                <a16:creationId xmlns="" xmlns:a16="http://schemas.microsoft.com/office/drawing/2014/main" id="{E501AB95-A878-4757-82DE-41AB9B20E379}"/>
+                <a16:creationId xmlns:a16="http://schemas.microsoft.com/office/drawing/2014/main" xmlns="" id="{E501AB95-A878-4757-82DE-41AB9B20E379}"/>
               </a:ext>
             </a:extLst>
           </p:cNvPr>
@@ -7625,7 +8410,7 @@
           <p:cNvPr id="11" name="Slide Number Placeholder 6">
             <a:extLst>
               <a:ext uri="{FF2B5EF4-FFF2-40B4-BE49-F238E27FC236}">
-                <a16:creationId xmlns="" xmlns:a16="http://schemas.microsoft.com/office/drawing/2014/main" id="{A986FE35-178B-43C5-91B6-512E072AC514}"/>
+                <a16:creationId xmlns:a16="http://schemas.microsoft.com/office/drawing/2014/main" xmlns="" id="{A986FE35-178B-43C5-91B6-512E072AC514}"/>
               </a:ext>
             </a:extLst>
           </p:cNvPr>
@@ -7724,7 +8509,7 @@
           <p:cNvPr id="2" name="Slide Image Placeholder 1">
             <a:extLst>
               <a:ext uri="{FF2B5EF4-FFF2-40B4-BE49-F238E27FC236}">
-                <a16:creationId xmlns="" xmlns:a16="http://schemas.microsoft.com/office/drawing/2014/main" id="{5B86EF82-6BB3-4AFC-A52B-78C1EDE35A62}"/>
+                <a16:creationId xmlns:a16="http://schemas.microsoft.com/office/drawing/2014/main" xmlns="" id="{5B86EF82-6BB3-4AFC-A52B-78C1EDE35A62}"/>
               </a:ext>
             </a:extLst>
           </p:cNvPr>
@@ -7756,7 +8541,7 @@
           <p:cNvPr id="3" name="Notes Placeholder 2">
             <a:extLst>
               <a:ext uri="{FF2B5EF4-FFF2-40B4-BE49-F238E27FC236}">
-                <a16:creationId xmlns="" xmlns:a16="http://schemas.microsoft.com/office/drawing/2014/main" id="{B47C97DC-BE44-4C5B-BD15-0A7F1F530B54}"/>
+                <a16:creationId xmlns:a16="http://schemas.microsoft.com/office/drawing/2014/main" xmlns="" id="{B47C97DC-BE44-4C5B-BD15-0A7F1F530B54}"/>
               </a:ext>
             </a:extLst>
           </p:cNvPr>
@@ -7817,7 +8602,7 @@
           <p:cNvPr id="5" name="Date Placeholder 2">
             <a:extLst>
               <a:ext uri="{FF2B5EF4-FFF2-40B4-BE49-F238E27FC236}">
-                <a16:creationId xmlns="" xmlns:a16="http://schemas.microsoft.com/office/drawing/2014/main" id="{09D79467-F884-455D-A5A2-26A17916ED93}"/>
+                <a16:creationId xmlns:a16="http://schemas.microsoft.com/office/drawing/2014/main" xmlns="" id="{09D79467-F884-455D-A5A2-26A17916ED93}"/>
               </a:ext>
             </a:extLst>
           </p:cNvPr>
@@ -7889,7 +8674,7 @@
                 <a:tabLst/>
                 <a:defRPr/>
               </a:pPr>
-              <a:t>12/11/19</a:t>
+              <a:t>12/13/19</a:t>
             </a:fld>
             <a:endParaRPr kumimoji="0" lang="en-US" sz="1200" b="0" i="0" u="none" strike="noStrike" kern="1200" cap="none" spc="0" normalizeH="0" baseline="0" noProof="0">
               <a:ln>
@@ -7913,7 +8698,7 @@
           <p:cNvPr id="9" name="Slide Number Placeholder 12">
             <a:extLst>
               <a:ext uri="{FF2B5EF4-FFF2-40B4-BE49-F238E27FC236}">
-                <a16:creationId xmlns="" xmlns:a16="http://schemas.microsoft.com/office/drawing/2014/main" id="{5F6CBED5-6822-46FC-96D6-9539DE46ABF0}"/>
+                <a16:creationId xmlns:a16="http://schemas.microsoft.com/office/drawing/2014/main" xmlns="" id="{5F6CBED5-6822-46FC-96D6-9539DE46ABF0}"/>
               </a:ext>
             </a:extLst>
           </p:cNvPr>
@@ -8012,7 +8797,7 @@
           <p:cNvPr id="11" name="Slide Number Placeholder 6">
             <a:extLst>
               <a:ext uri="{FF2B5EF4-FFF2-40B4-BE49-F238E27FC236}">
-                <a16:creationId xmlns="" xmlns:a16="http://schemas.microsoft.com/office/drawing/2014/main" id="{3399490F-E323-40E7-B91E-4BD463C3AD33}"/>
+                <a16:creationId xmlns:a16="http://schemas.microsoft.com/office/drawing/2014/main" xmlns="" id="{3399490F-E323-40E7-B91E-4BD463C3AD33}"/>
               </a:ext>
             </a:extLst>
           </p:cNvPr>
@@ -8111,7 +8896,7 @@
           <p:cNvPr id="2" name="Slide Image Placeholder 1">
             <a:extLst>
               <a:ext uri="{FF2B5EF4-FFF2-40B4-BE49-F238E27FC236}">
-                <a16:creationId xmlns="" xmlns:a16="http://schemas.microsoft.com/office/drawing/2014/main" id="{55949A6F-DCA1-4EF6-B2CC-FB4619F9C3E6}"/>
+                <a16:creationId xmlns:a16="http://schemas.microsoft.com/office/drawing/2014/main" xmlns="" id="{55949A6F-DCA1-4EF6-B2CC-FB4619F9C3E6}"/>
               </a:ext>
             </a:extLst>
           </p:cNvPr>
@@ -8143,7 +8928,7 @@
           <p:cNvPr id="3" name="Notes Placeholder 2">
             <a:extLst>
               <a:ext uri="{FF2B5EF4-FFF2-40B4-BE49-F238E27FC236}">
-                <a16:creationId xmlns="" xmlns:a16="http://schemas.microsoft.com/office/drawing/2014/main" id="{11717F50-FF0C-4AFB-8341-BA7DA3FF98AA}"/>
+                <a16:creationId xmlns:a16="http://schemas.microsoft.com/office/drawing/2014/main" xmlns="" id="{11717F50-FF0C-4AFB-8341-BA7DA3FF98AA}"/>
               </a:ext>
             </a:extLst>
           </p:cNvPr>
@@ -8204,7 +8989,7 @@
           <p:cNvPr id="2" name="Title 1">
             <a:extLst>
               <a:ext uri="{FF2B5EF4-FFF2-40B4-BE49-F238E27FC236}">
-                <a16:creationId xmlns="" xmlns:a16="http://schemas.microsoft.com/office/drawing/2014/main" id="{08F7BB27-A540-4396-AC67-2AF290D47C3A}"/>
+                <a16:creationId xmlns:a16="http://schemas.microsoft.com/office/drawing/2014/main" xmlns="" id="{08F7BB27-A540-4396-AC67-2AF290D47C3A}"/>
               </a:ext>
             </a:extLst>
           </p:cNvPr>
@@ -8241,7 +9026,7 @@
           <p:cNvPr id="3" name="Subtitle 2">
             <a:extLst>
               <a:ext uri="{FF2B5EF4-FFF2-40B4-BE49-F238E27FC236}">
-                <a16:creationId xmlns="" xmlns:a16="http://schemas.microsoft.com/office/drawing/2014/main" id="{F797445E-E911-47FC-BDE5-A9DEC9740FFD}"/>
+                <a16:creationId xmlns:a16="http://schemas.microsoft.com/office/drawing/2014/main" xmlns="" id="{F797445E-E911-47FC-BDE5-A9DEC9740FFD}"/>
               </a:ext>
             </a:extLst>
           </p:cNvPr>
@@ -8311,7 +9096,7 @@
           <p:cNvPr id="4" name="Date Placeholder 3">
             <a:extLst>
               <a:ext uri="{FF2B5EF4-FFF2-40B4-BE49-F238E27FC236}">
-                <a16:creationId xmlns="" xmlns:a16="http://schemas.microsoft.com/office/drawing/2014/main" id="{35577446-F0DB-4089-9168-F7D8622449B4}"/>
+                <a16:creationId xmlns:a16="http://schemas.microsoft.com/office/drawing/2014/main" xmlns="" id="{35577446-F0DB-4089-9168-F7D8622449B4}"/>
               </a:ext>
             </a:extLst>
           </p:cNvPr>
@@ -8342,7 +9127,7 @@
           <p:cNvPr id="5" name="Footer Placeholder 4">
             <a:extLst>
               <a:ext uri="{FF2B5EF4-FFF2-40B4-BE49-F238E27FC236}">
-                <a16:creationId xmlns="" xmlns:a16="http://schemas.microsoft.com/office/drawing/2014/main" id="{34BBA8F5-7614-4FED-8286-48B318CC8A6C}"/>
+                <a16:creationId xmlns:a16="http://schemas.microsoft.com/office/drawing/2014/main" xmlns="" id="{34BBA8F5-7614-4FED-8286-48B318CC8A6C}"/>
               </a:ext>
             </a:extLst>
           </p:cNvPr>
@@ -8373,7 +9158,7 @@
           <p:cNvPr id="6" name="Slide Number Placeholder 5">
             <a:extLst>
               <a:ext uri="{FF2B5EF4-FFF2-40B4-BE49-F238E27FC236}">
-                <a16:creationId xmlns="" xmlns:a16="http://schemas.microsoft.com/office/drawing/2014/main" id="{802EB4C6-6F62-4A20-9061-A838BE234E23}"/>
+                <a16:creationId xmlns:a16="http://schemas.microsoft.com/office/drawing/2014/main" xmlns="" id="{802EB4C6-6F62-4A20-9061-A838BE234E23}"/>
               </a:ext>
             </a:extLst>
           </p:cNvPr>
@@ -8437,7 +9222,7 @@
           <p:cNvPr id="2" name="Title 1">
             <a:extLst>
               <a:ext uri="{FF2B5EF4-FFF2-40B4-BE49-F238E27FC236}">
-                <a16:creationId xmlns="" xmlns:a16="http://schemas.microsoft.com/office/drawing/2014/main" id="{A11BB413-8FFC-4DE7-B152-7ADEB3E3471E}"/>
+                <a16:creationId xmlns:a16="http://schemas.microsoft.com/office/drawing/2014/main" xmlns="" id="{A11BB413-8FFC-4DE7-B152-7ADEB3E3471E}"/>
               </a:ext>
             </a:extLst>
           </p:cNvPr>
@@ -8470,7 +9255,7 @@
           <p:cNvPr id="3" name="Vertical Text Placeholder 2">
             <a:extLst>
               <a:ext uri="{FF2B5EF4-FFF2-40B4-BE49-F238E27FC236}">
-                <a16:creationId xmlns="" xmlns:a16="http://schemas.microsoft.com/office/drawing/2014/main" id="{3ABBD816-0B03-46DE-96F8-B5F9222525A2}"/>
+                <a16:creationId xmlns:a16="http://schemas.microsoft.com/office/drawing/2014/main" xmlns="" id="{3ABBD816-0B03-46DE-96F8-B5F9222525A2}"/>
               </a:ext>
             </a:extLst>
           </p:cNvPr>
@@ -8532,7 +9317,7 @@
           <p:cNvPr id="4" name="Date Placeholder 3">
             <a:extLst>
               <a:ext uri="{FF2B5EF4-FFF2-40B4-BE49-F238E27FC236}">
-                <a16:creationId xmlns="" xmlns:a16="http://schemas.microsoft.com/office/drawing/2014/main" id="{A42DCF20-D8F7-4E1B-956D-D83B19DDBB0D}"/>
+                <a16:creationId xmlns:a16="http://schemas.microsoft.com/office/drawing/2014/main" xmlns="" id="{A42DCF20-D8F7-4E1B-956D-D83B19DDBB0D}"/>
               </a:ext>
             </a:extLst>
           </p:cNvPr>
@@ -8563,7 +9348,7 @@
           <p:cNvPr id="5" name="Footer Placeholder 4">
             <a:extLst>
               <a:ext uri="{FF2B5EF4-FFF2-40B4-BE49-F238E27FC236}">
-                <a16:creationId xmlns="" xmlns:a16="http://schemas.microsoft.com/office/drawing/2014/main" id="{BA011C30-8543-49A7-97C1-74A05600E2E4}"/>
+                <a16:creationId xmlns:a16="http://schemas.microsoft.com/office/drawing/2014/main" xmlns="" id="{BA011C30-8543-49A7-97C1-74A05600E2E4}"/>
               </a:ext>
             </a:extLst>
           </p:cNvPr>
@@ -8594,7 +9379,7 @@
           <p:cNvPr id="6" name="Slide Number Placeholder 5">
             <a:extLst>
               <a:ext uri="{FF2B5EF4-FFF2-40B4-BE49-F238E27FC236}">
-                <a16:creationId xmlns="" xmlns:a16="http://schemas.microsoft.com/office/drawing/2014/main" id="{2E32C967-1277-4BB4-9BF5-59CE59EB8C4D}"/>
+                <a16:creationId xmlns:a16="http://schemas.microsoft.com/office/drawing/2014/main" xmlns="" id="{2E32C967-1277-4BB4-9BF5-59CE59EB8C4D}"/>
               </a:ext>
             </a:extLst>
           </p:cNvPr>
@@ -8658,7 +9443,7 @@
           <p:cNvPr id="2" name="Vertical Title 1">
             <a:extLst>
               <a:ext uri="{FF2B5EF4-FFF2-40B4-BE49-F238E27FC236}">
-                <a16:creationId xmlns="" xmlns:a16="http://schemas.microsoft.com/office/drawing/2014/main" id="{6B928069-3AF2-4687-9BBF-403C74F1C294}"/>
+                <a16:creationId xmlns:a16="http://schemas.microsoft.com/office/drawing/2014/main" xmlns="" id="{6B928069-3AF2-4687-9BBF-403C74F1C294}"/>
               </a:ext>
             </a:extLst>
           </p:cNvPr>
@@ -8691,7 +9476,7 @@
           <p:cNvPr id="3" name="Vertical Text Placeholder 2">
             <a:extLst>
               <a:ext uri="{FF2B5EF4-FFF2-40B4-BE49-F238E27FC236}">
-                <a16:creationId xmlns="" xmlns:a16="http://schemas.microsoft.com/office/drawing/2014/main" id="{9ABC4A56-E9AC-4D59-950A-CF1DABC4D438}"/>
+                <a16:creationId xmlns:a16="http://schemas.microsoft.com/office/drawing/2014/main" xmlns="" id="{9ABC4A56-E9AC-4D59-950A-CF1DABC4D438}"/>
               </a:ext>
             </a:extLst>
           </p:cNvPr>
@@ -8753,7 +9538,7 @@
           <p:cNvPr id="4" name="Date Placeholder 3">
             <a:extLst>
               <a:ext uri="{FF2B5EF4-FFF2-40B4-BE49-F238E27FC236}">
-                <a16:creationId xmlns="" xmlns:a16="http://schemas.microsoft.com/office/drawing/2014/main" id="{208C233C-25BF-4023-9767-CB93C1274532}"/>
+                <a16:creationId xmlns:a16="http://schemas.microsoft.com/office/drawing/2014/main" xmlns="" id="{208C233C-25BF-4023-9767-CB93C1274532}"/>
               </a:ext>
             </a:extLst>
           </p:cNvPr>
@@ -8784,7 +9569,7 @@
           <p:cNvPr id="5" name="Footer Placeholder 4">
             <a:extLst>
               <a:ext uri="{FF2B5EF4-FFF2-40B4-BE49-F238E27FC236}">
-                <a16:creationId xmlns="" xmlns:a16="http://schemas.microsoft.com/office/drawing/2014/main" id="{20893EFF-9591-406A-864A-64E4A14E9BCF}"/>
+                <a16:creationId xmlns:a16="http://schemas.microsoft.com/office/drawing/2014/main" xmlns="" id="{20893EFF-9591-406A-864A-64E4A14E9BCF}"/>
               </a:ext>
             </a:extLst>
           </p:cNvPr>
@@ -8815,7 +9600,7 @@
           <p:cNvPr id="6" name="Slide Number Placeholder 5">
             <a:extLst>
               <a:ext uri="{FF2B5EF4-FFF2-40B4-BE49-F238E27FC236}">
-                <a16:creationId xmlns="" xmlns:a16="http://schemas.microsoft.com/office/drawing/2014/main" id="{E1F9BEF8-6CF9-4B6B-925A-CD9276B7FC46}"/>
+                <a16:creationId xmlns:a16="http://schemas.microsoft.com/office/drawing/2014/main" xmlns="" id="{E1F9BEF8-6CF9-4B6B-925A-CD9276B7FC46}"/>
               </a:ext>
             </a:extLst>
           </p:cNvPr>
@@ -8879,7 +9664,7 @@
           <p:cNvPr id="2" name="Title 1">
             <a:extLst>
               <a:ext uri="{FF2B5EF4-FFF2-40B4-BE49-F238E27FC236}">
-                <a16:creationId xmlns="" xmlns:a16="http://schemas.microsoft.com/office/drawing/2014/main" id="{3A9C8290-16B1-4088-80B1-A8C75312F38B}"/>
+                <a16:creationId xmlns:a16="http://schemas.microsoft.com/office/drawing/2014/main" xmlns="" id="{3A9C8290-16B1-4088-80B1-A8C75312F38B}"/>
               </a:ext>
             </a:extLst>
           </p:cNvPr>
@@ -8916,7 +9701,7 @@
           <p:cNvPr id="3" name="Subtitle 2">
             <a:extLst>
               <a:ext uri="{FF2B5EF4-FFF2-40B4-BE49-F238E27FC236}">
-                <a16:creationId xmlns="" xmlns:a16="http://schemas.microsoft.com/office/drawing/2014/main" id="{552F6DA1-00CE-4639-B9F4-E82E0720774F}"/>
+                <a16:creationId xmlns:a16="http://schemas.microsoft.com/office/drawing/2014/main" xmlns="" id="{552F6DA1-00CE-4639-B9F4-E82E0720774F}"/>
               </a:ext>
             </a:extLst>
           </p:cNvPr>
@@ -8986,7 +9771,7 @@
           <p:cNvPr id="4" name="Date Placeholder 3">
             <a:extLst>
               <a:ext uri="{FF2B5EF4-FFF2-40B4-BE49-F238E27FC236}">
-                <a16:creationId xmlns="" xmlns:a16="http://schemas.microsoft.com/office/drawing/2014/main" id="{191D60B1-AA21-4E6A-A162-555849B66816}"/>
+                <a16:creationId xmlns:a16="http://schemas.microsoft.com/office/drawing/2014/main" xmlns="" id="{191D60B1-AA21-4E6A-A162-555849B66816}"/>
               </a:ext>
             </a:extLst>
           </p:cNvPr>
@@ -9017,7 +9802,7 @@
           <p:cNvPr id="5" name="Footer Placeholder 4">
             <a:extLst>
               <a:ext uri="{FF2B5EF4-FFF2-40B4-BE49-F238E27FC236}">
-                <a16:creationId xmlns="" xmlns:a16="http://schemas.microsoft.com/office/drawing/2014/main" id="{939B23AD-184A-4FAE-B6AB-CBDB50363841}"/>
+                <a16:creationId xmlns:a16="http://schemas.microsoft.com/office/drawing/2014/main" xmlns="" id="{939B23AD-184A-4FAE-B6AB-CBDB50363841}"/>
               </a:ext>
             </a:extLst>
           </p:cNvPr>
@@ -9048,7 +9833,7 @@
           <p:cNvPr id="6" name="Slide Number Placeholder 5">
             <a:extLst>
               <a:ext uri="{FF2B5EF4-FFF2-40B4-BE49-F238E27FC236}">
-                <a16:creationId xmlns="" xmlns:a16="http://schemas.microsoft.com/office/drawing/2014/main" id="{84329FF4-C3AF-40DB-9D73-244512A73386}"/>
+                <a16:creationId xmlns:a16="http://schemas.microsoft.com/office/drawing/2014/main" xmlns="" id="{84329FF4-C3AF-40DB-9D73-244512A73386}"/>
               </a:ext>
             </a:extLst>
           </p:cNvPr>
@@ -9112,7 +9897,7 @@
           <p:cNvPr id="2" name="Title 1">
             <a:extLst>
               <a:ext uri="{FF2B5EF4-FFF2-40B4-BE49-F238E27FC236}">
-                <a16:creationId xmlns="" xmlns:a16="http://schemas.microsoft.com/office/drawing/2014/main" id="{B925BBD7-79AB-4AC9-ADC1-C09B72C094C8}"/>
+                <a16:creationId xmlns:a16="http://schemas.microsoft.com/office/drawing/2014/main" xmlns="" id="{B925BBD7-79AB-4AC9-ADC1-C09B72C094C8}"/>
               </a:ext>
             </a:extLst>
           </p:cNvPr>
@@ -9145,7 +9930,7 @@
           <p:cNvPr id="3" name="Content Placeholder 2">
             <a:extLst>
               <a:ext uri="{FF2B5EF4-FFF2-40B4-BE49-F238E27FC236}">
-                <a16:creationId xmlns="" xmlns:a16="http://schemas.microsoft.com/office/drawing/2014/main" id="{890D0583-E906-405E-9DEF-4AEAA56E552A}"/>
+                <a16:creationId xmlns:a16="http://schemas.microsoft.com/office/drawing/2014/main" xmlns="" id="{890D0583-E906-405E-9DEF-4AEAA56E552A}"/>
               </a:ext>
             </a:extLst>
           </p:cNvPr>
@@ -9207,7 +9992,7 @@
           <p:cNvPr id="4" name="Date Placeholder 3">
             <a:extLst>
               <a:ext uri="{FF2B5EF4-FFF2-40B4-BE49-F238E27FC236}">
-                <a16:creationId xmlns="" xmlns:a16="http://schemas.microsoft.com/office/drawing/2014/main" id="{0931827C-03D4-45C5-B4BE-E98574829B3B}"/>
+                <a16:creationId xmlns:a16="http://schemas.microsoft.com/office/drawing/2014/main" xmlns="" id="{0931827C-03D4-45C5-B4BE-E98574829B3B}"/>
               </a:ext>
             </a:extLst>
           </p:cNvPr>
@@ -9238,7 +10023,7 @@
           <p:cNvPr id="5" name="Footer Placeholder 4">
             <a:extLst>
               <a:ext uri="{FF2B5EF4-FFF2-40B4-BE49-F238E27FC236}">
-                <a16:creationId xmlns="" xmlns:a16="http://schemas.microsoft.com/office/drawing/2014/main" id="{5BE6EB15-612F-4EEF-8975-4F8F6831F94B}"/>
+                <a16:creationId xmlns:a16="http://schemas.microsoft.com/office/drawing/2014/main" xmlns="" id="{5BE6EB15-612F-4EEF-8975-4F8F6831F94B}"/>
               </a:ext>
             </a:extLst>
           </p:cNvPr>
@@ -9269,7 +10054,7 @@
           <p:cNvPr id="6" name="Slide Number Placeholder 5">
             <a:extLst>
               <a:ext uri="{FF2B5EF4-FFF2-40B4-BE49-F238E27FC236}">
-                <a16:creationId xmlns="" xmlns:a16="http://schemas.microsoft.com/office/drawing/2014/main" id="{6DC6D8BD-90FA-4DAE-9095-19CDB0CCB3F6}"/>
+                <a16:creationId xmlns:a16="http://schemas.microsoft.com/office/drawing/2014/main" xmlns="" id="{6DC6D8BD-90FA-4DAE-9095-19CDB0CCB3F6}"/>
               </a:ext>
             </a:extLst>
           </p:cNvPr>
@@ -9333,7 +10118,7 @@
           <p:cNvPr id="2" name="Title 1">
             <a:extLst>
               <a:ext uri="{FF2B5EF4-FFF2-40B4-BE49-F238E27FC236}">
-                <a16:creationId xmlns="" xmlns:a16="http://schemas.microsoft.com/office/drawing/2014/main" id="{A9F50124-A090-4DE9-B721-3839BFFE5572}"/>
+                <a16:creationId xmlns:a16="http://schemas.microsoft.com/office/drawing/2014/main" xmlns="" id="{A9F50124-A090-4DE9-B721-3839BFFE5572}"/>
               </a:ext>
             </a:extLst>
           </p:cNvPr>
@@ -9370,7 +10155,7 @@
           <p:cNvPr id="3" name="Text Placeholder 2">
             <a:extLst>
               <a:ext uri="{FF2B5EF4-FFF2-40B4-BE49-F238E27FC236}">
-                <a16:creationId xmlns="" xmlns:a16="http://schemas.microsoft.com/office/drawing/2014/main" id="{1B7F7DAC-F4C6-4E48-A58B-4D6CE65EFEDD}"/>
+                <a16:creationId xmlns:a16="http://schemas.microsoft.com/office/drawing/2014/main" xmlns="" id="{1B7F7DAC-F4C6-4E48-A58B-4D6CE65EFEDD}"/>
               </a:ext>
             </a:extLst>
           </p:cNvPr>
@@ -9495,7 +10280,7 @@
           <p:cNvPr id="4" name="Date Placeholder 3">
             <a:extLst>
               <a:ext uri="{FF2B5EF4-FFF2-40B4-BE49-F238E27FC236}">
-                <a16:creationId xmlns="" xmlns:a16="http://schemas.microsoft.com/office/drawing/2014/main" id="{4E997C40-1E43-4EEE-96DD-90FA8C4D917E}"/>
+                <a16:creationId xmlns:a16="http://schemas.microsoft.com/office/drawing/2014/main" xmlns="" id="{4E997C40-1E43-4EEE-96DD-90FA8C4D917E}"/>
               </a:ext>
             </a:extLst>
           </p:cNvPr>
@@ -9526,7 +10311,7 @@
           <p:cNvPr id="5" name="Footer Placeholder 4">
             <a:extLst>
               <a:ext uri="{FF2B5EF4-FFF2-40B4-BE49-F238E27FC236}">
-                <a16:creationId xmlns="" xmlns:a16="http://schemas.microsoft.com/office/drawing/2014/main" id="{EF128141-A0BD-4D28-B7C6-4E34EC944AC7}"/>
+                <a16:creationId xmlns:a16="http://schemas.microsoft.com/office/drawing/2014/main" xmlns="" id="{EF128141-A0BD-4D28-B7C6-4E34EC944AC7}"/>
               </a:ext>
             </a:extLst>
           </p:cNvPr>
@@ -9557,7 +10342,7 @@
           <p:cNvPr id="6" name="Slide Number Placeholder 5">
             <a:extLst>
               <a:ext uri="{FF2B5EF4-FFF2-40B4-BE49-F238E27FC236}">
-                <a16:creationId xmlns="" xmlns:a16="http://schemas.microsoft.com/office/drawing/2014/main" id="{E4857533-BC70-4884-87F1-749B63A244CE}"/>
+                <a16:creationId xmlns:a16="http://schemas.microsoft.com/office/drawing/2014/main" xmlns="" id="{E4857533-BC70-4884-87F1-749B63A244CE}"/>
               </a:ext>
             </a:extLst>
           </p:cNvPr>
@@ -9621,7 +10406,7 @@
           <p:cNvPr id="2" name="Title 1">
             <a:extLst>
               <a:ext uri="{FF2B5EF4-FFF2-40B4-BE49-F238E27FC236}">
-                <a16:creationId xmlns="" xmlns:a16="http://schemas.microsoft.com/office/drawing/2014/main" id="{E7C4F183-26BB-456B-9AC0-ED75899182DE}"/>
+                <a16:creationId xmlns:a16="http://schemas.microsoft.com/office/drawing/2014/main" xmlns="" id="{E7C4F183-26BB-456B-9AC0-ED75899182DE}"/>
               </a:ext>
             </a:extLst>
           </p:cNvPr>
@@ -9654,7 +10439,7 @@
           <p:cNvPr id="3" name="Content Placeholder 2">
             <a:extLst>
               <a:ext uri="{FF2B5EF4-FFF2-40B4-BE49-F238E27FC236}">
-                <a16:creationId xmlns="" xmlns:a16="http://schemas.microsoft.com/office/drawing/2014/main" id="{75B5D18B-198B-4910-8950-E17BC7FCE1D6}"/>
+                <a16:creationId xmlns:a16="http://schemas.microsoft.com/office/drawing/2014/main" xmlns="" id="{75B5D18B-198B-4910-8950-E17BC7FCE1D6}"/>
               </a:ext>
             </a:extLst>
           </p:cNvPr>
@@ -9716,7 +10501,7 @@
           <p:cNvPr id="4" name="Content Placeholder 3">
             <a:extLst>
               <a:ext uri="{FF2B5EF4-FFF2-40B4-BE49-F238E27FC236}">
-                <a16:creationId xmlns="" xmlns:a16="http://schemas.microsoft.com/office/drawing/2014/main" id="{C92AAB8D-0627-45F6-9569-AAAF6CF14CC5}"/>
+                <a16:creationId xmlns:a16="http://schemas.microsoft.com/office/drawing/2014/main" xmlns="" id="{C92AAB8D-0627-45F6-9569-AAAF6CF14CC5}"/>
               </a:ext>
             </a:extLst>
           </p:cNvPr>
@@ -9778,7 +10563,7 @@
           <p:cNvPr id="5" name="Date Placeholder 4">
             <a:extLst>
               <a:ext uri="{FF2B5EF4-FFF2-40B4-BE49-F238E27FC236}">
-                <a16:creationId xmlns="" xmlns:a16="http://schemas.microsoft.com/office/drawing/2014/main" id="{E8812293-A445-468F-B534-DA5270CF089E}"/>
+                <a16:creationId xmlns:a16="http://schemas.microsoft.com/office/drawing/2014/main" xmlns="" id="{E8812293-A445-468F-B534-DA5270CF089E}"/>
               </a:ext>
             </a:extLst>
           </p:cNvPr>
@@ -9809,7 +10594,7 @@
           <p:cNvPr id="6" name="Footer Placeholder 5">
             <a:extLst>
               <a:ext uri="{FF2B5EF4-FFF2-40B4-BE49-F238E27FC236}">
-                <a16:creationId xmlns="" xmlns:a16="http://schemas.microsoft.com/office/drawing/2014/main" id="{5E1FD609-959A-4466-9049-53A8C9803360}"/>
+                <a16:creationId xmlns:a16="http://schemas.microsoft.com/office/drawing/2014/main" xmlns="" id="{5E1FD609-959A-4466-9049-53A8C9803360}"/>
               </a:ext>
             </a:extLst>
           </p:cNvPr>
@@ -9840,7 +10625,7 @@
           <p:cNvPr id="7" name="Slide Number Placeholder 6">
             <a:extLst>
               <a:ext uri="{FF2B5EF4-FFF2-40B4-BE49-F238E27FC236}">
-                <a16:creationId xmlns="" xmlns:a16="http://schemas.microsoft.com/office/drawing/2014/main" id="{54FE9BE0-F0CD-4A8C-99B0-095BE5759562}"/>
+                <a16:creationId xmlns:a16="http://schemas.microsoft.com/office/drawing/2014/main" xmlns="" id="{54FE9BE0-F0CD-4A8C-99B0-095BE5759562}"/>
               </a:ext>
             </a:extLst>
           </p:cNvPr>
@@ -9904,7 +10689,7 @@
           <p:cNvPr id="2" name="Title 1">
             <a:extLst>
               <a:ext uri="{FF2B5EF4-FFF2-40B4-BE49-F238E27FC236}">
-                <a16:creationId xmlns="" xmlns:a16="http://schemas.microsoft.com/office/drawing/2014/main" id="{8E9507C3-A15C-4DEA-B0E3-897EDDEACBB1}"/>
+                <a16:creationId xmlns:a16="http://schemas.microsoft.com/office/drawing/2014/main" xmlns="" id="{8E9507C3-A15C-4DEA-B0E3-897EDDEACBB1}"/>
               </a:ext>
             </a:extLst>
           </p:cNvPr>
@@ -9937,7 +10722,7 @@
           <p:cNvPr id="3" name="Text Placeholder 2">
             <a:extLst>
               <a:ext uri="{FF2B5EF4-FFF2-40B4-BE49-F238E27FC236}">
-                <a16:creationId xmlns="" xmlns:a16="http://schemas.microsoft.com/office/drawing/2014/main" id="{DAD78189-D838-4BAF-A233-B33395FA0C79}"/>
+                <a16:creationId xmlns:a16="http://schemas.microsoft.com/office/drawing/2014/main" xmlns="" id="{DAD78189-D838-4BAF-A233-B33395FA0C79}"/>
               </a:ext>
             </a:extLst>
           </p:cNvPr>
@@ -10008,7 +10793,7 @@
           <p:cNvPr id="4" name="Content Placeholder 3">
             <a:extLst>
               <a:ext uri="{FF2B5EF4-FFF2-40B4-BE49-F238E27FC236}">
-                <a16:creationId xmlns="" xmlns:a16="http://schemas.microsoft.com/office/drawing/2014/main" id="{AE5062D6-28DD-434B-B824-49C8C2CE6CE9}"/>
+                <a16:creationId xmlns:a16="http://schemas.microsoft.com/office/drawing/2014/main" xmlns="" id="{AE5062D6-28DD-434B-B824-49C8C2CE6CE9}"/>
               </a:ext>
             </a:extLst>
           </p:cNvPr>
@@ -10070,7 +10855,7 @@
           <p:cNvPr id="5" name="Text Placeholder 4">
             <a:extLst>
               <a:ext uri="{FF2B5EF4-FFF2-40B4-BE49-F238E27FC236}">
-                <a16:creationId xmlns="" xmlns:a16="http://schemas.microsoft.com/office/drawing/2014/main" id="{9C30CB7D-705B-49B1-BAF7-D91757F5DC95}"/>
+                <a16:creationId xmlns:a16="http://schemas.microsoft.com/office/drawing/2014/main" xmlns="" id="{9C30CB7D-705B-49B1-BAF7-D91757F5DC95}"/>
               </a:ext>
             </a:extLst>
           </p:cNvPr>
@@ -10141,7 +10926,7 @@
           <p:cNvPr id="6" name="Content Placeholder 5">
             <a:extLst>
               <a:ext uri="{FF2B5EF4-FFF2-40B4-BE49-F238E27FC236}">
-                <a16:creationId xmlns="" xmlns:a16="http://schemas.microsoft.com/office/drawing/2014/main" id="{6F5E9508-D2FE-49E3-914B-568DD710522F}"/>
+                <a16:creationId xmlns:a16="http://schemas.microsoft.com/office/drawing/2014/main" xmlns="" id="{6F5E9508-D2FE-49E3-914B-568DD710522F}"/>
               </a:ext>
             </a:extLst>
           </p:cNvPr>
@@ -10203,7 +10988,7 @@
           <p:cNvPr id="7" name="Date Placeholder 6">
             <a:extLst>
               <a:ext uri="{FF2B5EF4-FFF2-40B4-BE49-F238E27FC236}">
-                <a16:creationId xmlns="" xmlns:a16="http://schemas.microsoft.com/office/drawing/2014/main" id="{EE5015CB-7689-426A-99AE-F891F57AE70F}"/>
+                <a16:creationId xmlns:a16="http://schemas.microsoft.com/office/drawing/2014/main" xmlns="" id="{EE5015CB-7689-426A-99AE-F891F57AE70F}"/>
               </a:ext>
             </a:extLst>
           </p:cNvPr>
@@ -10234,7 +11019,7 @@
           <p:cNvPr id="8" name="Footer Placeholder 7">
             <a:extLst>
               <a:ext uri="{FF2B5EF4-FFF2-40B4-BE49-F238E27FC236}">
-                <a16:creationId xmlns="" xmlns:a16="http://schemas.microsoft.com/office/drawing/2014/main" id="{D2D0088A-BA6F-4DF1-AB4B-6290A204D938}"/>
+                <a16:creationId xmlns:a16="http://schemas.microsoft.com/office/drawing/2014/main" xmlns="" id="{D2D0088A-BA6F-4DF1-AB4B-6290A204D938}"/>
               </a:ext>
             </a:extLst>
           </p:cNvPr>
@@ -10265,7 +11050,7 @@
           <p:cNvPr id="9" name="Slide Number Placeholder 8">
             <a:extLst>
               <a:ext uri="{FF2B5EF4-FFF2-40B4-BE49-F238E27FC236}">
-                <a16:creationId xmlns="" xmlns:a16="http://schemas.microsoft.com/office/drawing/2014/main" id="{FE092923-B9BB-411B-8322-A109EDA97D84}"/>
+                <a16:creationId xmlns:a16="http://schemas.microsoft.com/office/drawing/2014/main" xmlns="" id="{FE092923-B9BB-411B-8322-A109EDA97D84}"/>
               </a:ext>
             </a:extLst>
           </p:cNvPr>
@@ -10329,7 +11114,7 @@
           <p:cNvPr id="2" name="Title 1">
             <a:extLst>
               <a:ext uri="{FF2B5EF4-FFF2-40B4-BE49-F238E27FC236}">
-                <a16:creationId xmlns="" xmlns:a16="http://schemas.microsoft.com/office/drawing/2014/main" id="{460D2C02-299E-4C32-9635-DE701FA0E8FC}"/>
+                <a16:creationId xmlns:a16="http://schemas.microsoft.com/office/drawing/2014/main" xmlns="" id="{460D2C02-299E-4C32-9635-DE701FA0E8FC}"/>
               </a:ext>
             </a:extLst>
           </p:cNvPr>
@@ -10362,7 +11147,7 @@
           <p:cNvPr id="3" name="Date Placeholder 2">
             <a:extLst>
               <a:ext uri="{FF2B5EF4-FFF2-40B4-BE49-F238E27FC236}">
-                <a16:creationId xmlns="" xmlns:a16="http://schemas.microsoft.com/office/drawing/2014/main" id="{8310BBC3-618E-43C3-96DA-E97383499DCB}"/>
+                <a16:creationId xmlns:a16="http://schemas.microsoft.com/office/drawing/2014/main" xmlns="" id="{8310BBC3-618E-43C3-96DA-E97383499DCB}"/>
               </a:ext>
             </a:extLst>
           </p:cNvPr>
@@ -10393,7 +11178,7 @@
           <p:cNvPr id="4" name="Footer Placeholder 3">
             <a:extLst>
               <a:ext uri="{FF2B5EF4-FFF2-40B4-BE49-F238E27FC236}">
-                <a16:creationId xmlns="" xmlns:a16="http://schemas.microsoft.com/office/drawing/2014/main" id="{B61CAA82-366A-460D-989A-7D96FD624AA0}"/>
+                <a16:creationId xmlns:a16="http://schemas.microsoft.com/office/drawing/2014/main" xmlns="" id="{B61CAA82-366A-460D-989A-7D96FD624AA0}"/>
               </a:ext>
             </a:extLst>
           </p:cNvPr>
@@ -10424,7 +11209,7 @@
           <p:cNvPr id="5" name="Slide Number Placeholder 4">
             <a:extLst>
               <a:ext uri="{FF2B5EF4-FFF2-40B4-BE49-F238E27FC236}">
-                <a16:creationId xmlns="" xmlns:a16="http://schemas.microsoft.com/office/drawing/2014/main" id="{127DD29B-742A-45A4-82D7-F3DEBE11E615}"/>
+                <a16:creationId xmlns:a16="http://schemas.microsoft.com/office/drawing/2014/main" xmlns="" id="{127DD29B-742A-45A4-82D7-F3DEBE11E615}"/>
               </a:ext>
             </a:extLst>
           </p:cNvPr>
@@ -10488,7 +11273,7 @@
           <p:cNvPr id="2" name="Date Placeholder 1">
             <a:extLst>
               <a:ext uri="{FF2B5EF4-FFF2-40B4-BE49-F238E27FC236}">
-                <a16:creationId xmlns="" xmlns:a16="http://schemas.microsoft.com/office/drawing/2014/main" id="{54010701-E017-426C-B420-11F849B678C6}"/>
+                <a16:creationId xmlns:a16="http://schemas.microsoft.com/office/drawing/2014/main" xmlns="" id="{54010701-E017-426C-B420-11F849B678C6}"/>
               </a:ext>
             </a:extLst>
           </p:cNvPr>
@@ -10519,7 +11304,7 @@
           <p:cNvPr id="3" name="Footer Placeholder 2">
             <a:extLst>
               <a:ext uri="{FF2B5EF4-FFF2-40B4-BE49-F238E27FC236}">
-                <a16:creationId xmlns="" xmlns:a16="http://schemas.microsoft.com/office/drawing/2014/main" id="{0CACE234-EA0E-4F48-94D9-DCF93EFFB2B2}"/>
+                <a16:creationId xmlns:a16="http://schemas.microsoft.com/office/drawing/2014/main" xmlns="" id="{0CACE234-EA0E-4F48-94D9-DCF93EFFB2B2}"/>
               </a:ext>
             </a:extLst>
           </p:cNvPr>
@@ -10550,7 +11335,7 @@
           <p:cNvPr id="4" name="Slide Number Placeholder 3">
             <a:extLst>
               <a:ext uri="{FF2B5EF4-FFF2-40B4-BE49-F238E27FC236}">
-                <a16:creationId xmlns="" xmlns:a16="http://schemas.microsoft.com/office/drawing/2014/main" id="{C198AE03-3A16-400D-89B1-2CD2AC0CA911}"/>
+                <a16:creationId xmlns:a16="http://schemas.microsoft.com/office/drawing/2014/main" xmlns="" id="{C198AE03-3A16-400D-89B1-2CD2AC0CA911}"/>
               </a:ext>
             </a:extLst>
           </p:cNvPr>
@@ -10615,7 +11400,7 @@
           <p:cNvPr id="2" name="Title 1">
             <a:extLst>
               <a:ext uri="{FF2B5EF4-FFF2-40B4-BE49-F238E27FC236}">
-                <a16:creationId xmlns="" xmlns:a16="http://schemas.microsoft.com/office/drawing/2014/main" id="{BC96148D-CEB9-4D46-B41A-FE02510FEFB6}"/>
+                <a16:creationId xmlns:a16="http://schemas.microsoft.com/office/drawing/2014/main" xmlns="" id="{BC96148D-CEB9-4D46-B41A-FE02510FEFB6}"/>
               </a:ext>
             </a:extLst>
           </p:cNvPr>
@@ -10652,7 +11437,7 @@
           <p:cNvPr id="3" name="Content Placeholder 2">
             <a:extLst>
               <a:ext uri="{FF2B5EF4-FFF2-40B4-BE49-F238E27FC236}">
-                <a16:creationId xmlns="" xmlns:a16="http://schemas.microsoft.com/office/drawing/2014/main" id="{149BEB9C-39CB-46E9-8827-92261DD4033F}"/>
+                <a16:creationId xmlns:a16="http://schemas.microsoft.com/office/drawing/2014/main" xmlns="" id="{149BEB9C-39CB-46E9-8827-92261DD4033F}"/>
               </a:ext>
             </a:extLst>
           </p:cNvPr>
@@ -10742,7 +11527,7 @@
           <p:cNvPr id="4" name="Text Placeholder 3">
             <a:extLst>
               <a:ext uri="{FF2B5EF4-FFF2-40B4-BE49-F238E27FC236}">
-                <a16:creationId xmlns="" xmlns:a16="http://schemas.microsoft.com/office/drawing/2014/main" id="{41C7494E-19C2-45FB-B09E-02E60E628543}"/>
+                <a16:creationId xmlns:a16="http://schemas.microsoft.com/office/drawing/2014/main" xmlns="" id="{41C7494E-19C2-45FB-B09E-02E60E628543}"/>
               </a:ext>
             </a:extLst>
           </p:cNvPr>
@@ -10813,7 +11598,7 @@
           <p:cNvPr id="5" name="Date Placeholder 4">
             <a:extLst>
               <a:ext uri="{FF2B5EF4-FFF2-40B4-BE49-F238E27FC236}">
-                <a16:creationId xmlns="" xmlns:a16="http://schemas.microsoft.com/office/drawing/2014/main" id="{2575408B-1429-4D58-9B2E-732E939FFD92}"/>
+                <a16:creationId xmlns:a16="http://schemas.microsoft.com/office/drawing/2014/main" xmlns="" id="{2575408B-1429-4D58-9B2E-732E939FFD92}"/>
               </a:ext>
             </a:extLst>
           </p:cNvPr>
@@ -10844,7 +11629,7 @@
           <p:cNvPr id="6" name="Footer Placeholder 5">
             <a:extLst>
               <a:ext uri="{FF2B5EF4-FFF2-40B4-BE49-F238E27FC236}">
-                <a16:creationId xmlns="" xmlns:a16="http://schemas.microsoft.com/office/drawing/2014/main" id="{26343597-9A9A-4D85-BCA2-EE97BE7E9BE0}"/>
+                <a16:creationId xmlns:a16="http://schemas.microsoft.com/office/drawing/2014/main" xmlns="" id="{26343597-9A9A-4D85-BCA2-EE97BE7E9BE0}"/>
               </a:ext>
             </a:extLst>
           </p:cNvPr>
@@ -10875,7 +11660,7 @@
           <p:cNvPr id="7" name="Slide Number Placeholder 6">
             <a:extLst>
               <a:ext uri="{FF2B5EF4-FFF2-40B4-BE49-F238E27FC236}">
-                <a16:creationId xmlns="" xmlns:a16="http://schemas.microsoft.com/office/drawing/2014/main" id="{86EE64B1-9C6C-432E-AD71-B4D3EEA9EF9E}"/>
+                <a16:creationId xmlns:a16="http://schemas.microsoft.com/office/drawing/2014/main" xmlns="" id="{86EE64B1-9C6C-432E-AD71-B4D3EEA9EF9E}"/>
               </a:ext>
             </a:extLst>
           </p:cNvPr>
@@ -10939,7 +11724,7 @@
           <p:cNvPr id="2" name="Title 1">
             <a:extLst>
               <a:ext uri="{FF2B5EF4-FFF2-40B4-BE49-F238E27FC236}">
-                <a16:creationId xmlns="" xmlns:a16="http://schemas.microsoft.com/office/drawing/2014/main" id="{EE647B5D-A1E3-4661-8015-1FA792437C3B}"/>
+                <a16:creationId xmlns:a16="http://schemas.microsoft.com/office/drawing/2014/main" xmlns="" id="{EE647B5D-A1E3-4661-8015-1FA792437C3B}"/>
               </a:ext>
             </a:extLst>
           </p:cNvPr>
@@ -10972,7 +11757,7 @@
           <p:cNvPr id="3" name="Content Placeholder 2">
             <a:extLst>
               <a:ext uri="{FF2B5EF4-FFF2-40B4-BE49-F238E27FC236}">
-                <a16:creationId xmlns="" xmlns:a16="http://schemas.microsoft.com/office/drawing/2014/main" id="{DBABD1C3-9AFB-48E5-9A01-7063506F9F3A}"/>
+                <a16:creationId xmlns:a16="http://schemas.microsoft.com/office/drawing/2014/main" xmlns="" id="{DBABD1C3-9AFB-48E5-9A01-7063506F9F3A}"/>
               </a:ext>
             </a:extLst>
           </p:cNvPr>
@@ -11034,7 +11819,7 @@
           <p:cNvPr id="4" name="Date Placeholder 3">
             <a:extLst>
               <a:ext uri="{FF2B5EF4-FFF2-40B4-BE49-F238E27FC236}">
-                <a16:creationId xmlns="" xmlns:a16="http://schemas.microsoft.com/office/drawing/2014/main" id="{598B8AC9-680B-445A-B5BA-1AADE084E18F}"/>
+                <a16:creationId xmlns:a16="http://schemas.microsoft.com/office/drawing/2014/main" xmlns="" id="{598B8AC9-680B-445A-B5BA-1AADE084E18F}"/>
               </a:ext>
             </a:extLst>
           </p:cNvPr>
@@ -11065,7 +11850,7 @@
           <p:cNvPr id="5" name="Footer Placeholder 4">
             <a:extLst>
               <a:ext uri="{FF2B5EF4-FFF2-40B4-BE49-F238E27FC236}">
-                <a16:creationId xmlns="" xmlns:a16="http://schemas.microsoft.com/office/drawing/2014/main" id="{D1E9C9C3-12E3-4D73-9400-DFBD3280A5A8}"/>
+                <a16:creationId xmlns:a16="http://schemas.microsoft.com/office/drawing/2014/main" xmlns="" id="{D1E9C9C3-12E3-4D73-9400-DFBD3280A5A8}"/>
               </a:ext>
             </a:extLst>
           </p:cNvPr>
@@ -11096,7 +11881,7 @@
           <p:cNvPr id="6" name="Slide Number Placeholder 5">
             <a:extLst>
               <a:ext uri="{FF2B5EF4-FFF2-40B4-BE49-F238E27FC236}">
-                <a16:creationId xmlns="" xmlns:a16="http://schemas.microsoft.com/office/drawing/2014/main" id="{447B85B2-89CC-4D14-904A-4D914F786711}"/>
+                <a16:creationId xmlns:a16="http://schemas.microsoft.com/office/drawing/2014/main" xmlns="" id="{447B85B2-89CC-4D14-904A-4D914F786711}"/>
               </a:ext>
             </a:extLst>
           </p:cNvPr>
@@ -11160,7 +11945,7 @@
           <p:cNvPr id="2" name="Title 1">
             <a:extLst>
               <a:ext uri="{FF2B5EF4-FFF2-40B4-BE49-F238E27FC236}">
-                <a16:creationId xmlns="" xmlns:a16="http://schemas.microsoft.com/office/drawing/2014/main" id="{8074539D-6629-4FCD-A325-BF34E636AC9E}"/>
+                <a16:creationId xmlns:a16="http://schemas.microsoft.com/office/drawing/2014/main" xmlns="" id="{8074539D-6629-4FCD-A325-BF34E636AC9E}"/>
               </a:ext>
             </a:extLst>
           </p:cNvPr>
@@ -11197,7 +11982,7 @@
           <p:cNvPr id="3" name="Picture Placeholder 2">
             <a:extLst>
               <a:ext uri="{FF2B5EF4-FFF2-40B4-BE49-F238E27FC236}">
-                <a16:creationId xmlns="" xmlns:a16="http://schemas.microsoft.com/office/drawing/2014/main" id="{1FBA7A6B-697A-4DBE-B63C-C3F0B8B06039}"/>
+                <a16:creationId xmlns:a16="http://schemas.microsoft.com/office/drawing/2014/main" xmlns="" id="{1FBA7A6B-697A-4DBE-B63C-C3F0B8B06039}"/>
               </a:ext>
             </a:extLst>
           </p:cNvPr>
@@ -11264,7 +12049,7 @@
           <p:cNvPr id="4" name="Text Placeholder 3">
             <a:extLst>
               <a:ext uri="{FF2B5EF4-FFF2-40B4-BE49-F238E27FC236}">
-                <a16:creationId xmlns="" xmlns:a16="http://schemas.microsoft.com/office/drawing/2014/main" id="{9F4EE53C-7A1F-4A84-8F02-A3A9F1855E7C}"/>
+                <a16:creationId xmlns:a16="http://schemas.microsoft.com/office/drawing/2014/main" xmlns="" id="{9F4EE53C-7A1F-4A84-8F02-A3A9F1855E7C}"/>
               </a:ext>
             </a:extLst>
           </p:cNvPr>
@@ -11335,7 +12120,7 @@
           <p:cNvPr id="5" name="Date Placeholder 4">
             <a:extLst>
               <a:ext uri="{FF2B5EF4-FFF2-40B4-BE49-F238E27FC236}">
-                <a16:creationId xmlns="" xmlns:a16="http://schemas.microsoft.com/office/drawing/2014/main" id="{C20F6037-D33B-43DC-B388-2E60AC50EFE0}"/>
+                <a16:creationId xmlns:a16="http://schemas.microsoft.com/office/drawing/2014/main" xmlns="" id="{C20F6037-D33B-43DC-B388-2E60AC50EFE0}"/>
               </a:ext>
             </a:extLst>
           </p:cNvPr>
@@ -11366,7 +12151,7 @@
           <p:cNvPr id="6" name="Footer Placeholder 5">
             <a:extLst>
               <a:ext uri="{FF2B5EF4-FFF2-40B4-BE49-F238E27FC236}">
-                <a16:creationId xmlns="" xmlns:a16="http://schemas.microsoft.com/office/drawing/2014/main" id="{93AC2AD3-CC6E-4C88-8EF3-A030745A31C4}"/>
+                <a16:creationId xmlns:a16="http://schemas.microsoft.com/office/drawing/2014/main" xmlns="" id="{93AC2AD3-CC6E-4C88-8EF3-A030745A31C4}"/>
               </a:ext>
             </a:extLst>
           </p:cNvPr>
@@ -11397,7 +12182,7 @@
           <p:cNvPr id="7" name="Slide Number Placeholder 6">
             <a:extLst>
               <a:ext uri="{FF2B5EF4-FFF2-40B4-BE49-F238E27FC236}">
-                <a16:creationId xmlns="" xmlns:a16="http://schemas.microsoft.com/office/drawing/2014/main" id="{E305A516-32E3-470D-BED4-43DF18541BFC}"/>
+                <a16:creationId xmlns:a16="http://schemas.microsoft.com/office/drawing/2014/main" xmlns="" id="{E305A516-32E3-470D-BED4-43DF18541BFC}"/>
               </a:ext>
             </a:extLst>
           </p:cNvPr>
@@ -11461,7 +12246,7 @@
           <p:cNvPr id="2" name="Title 1">
             <a:extLst>
               <a:ext uri="{FF2B5EF4-FFF2-40B4-BE49-F238E27FC236}">
-                <a16:creationId xmlns="" xmlns:a16="http://schemas.microsoft.com/office/drawing/2014/main" id="{D60C2205-06DD-4B50-8BF4-3BF1731BF00E}"/>
+                <a16:creationId xmlns:a16="http://schemas.microsoft.com/office/drawing/2014/main" xmlns="" id="{D60C2205-06DD-4B50-8BF4-3BF1731BF00E}"/>
               </a:ext>
             </a:extLst>
           </p:cNvPr>
@@ -11494,7 +12279,7 @@
           <p:cNvPr id="3" name="Vertical Text Placeholder 2">
             <a:extLst>
               <a:ext uri="{FF2B5EF4-FFF2-40B4-BE49-F238E27FC236}">
-                <a16:creationId xmlns="" xmlns:a16="http://schemas.microsoft.com/office/drawing/2014/main" id="{6F76944C-BEED-4D1A-8C7D-454CE1B67092}"/>
+                <a16:creationId xmlns:a16="http://schemas.microsoft.com/office/drawing/2014/main" xmlns="" id="{6F76944C-BEED-4D1A-8C7D-454CE1B67092}"/>
               </a:ext>
             </a:extLst>
           </p:cNvPr>
@@ -11556,7 +12341,7 @@
           <p:cNvPr id="4" name="Date Placeholder 3">
             <a:extLst>
               <a:ext uri="{FF2B5EF4-FFF2-40B4-BE49-F238E27FC236}">
-                <a16:creationId xmlns="" xmlns:a16="http://schemas.microsoft.com/office/drawing/2014/main" id="{C65CD40E-BED9-4DB7-9392-2ADC75FB409E}"/>
+                <a16:creationId xmlns:a16="http://schemas.microsoft.com/office/drawing/2014/main" xmlns="" id="{C65CD40E-BED9-4DB7-9392-2ADC75FB409E}"/>
               </a:ext>
             </a:extLst>
           </p:cNvPr>
@@ -11587,7 +12372,7 @@
           <p:cNvPr id="5" name="Footer Placeholder 4">
             <a:extLst>
               <a:ext uri="{FF2B5EF4-FFF2-40B4-BE49-F238E27FC236}">
-                <a16:creationId xmlns="" xmlns:a16="http://schemas.microsoft.com/office/drawing/2014/main" id="{23BC9F18-EF07-46B7-BD99-858D60B20413}"/>
+                <a16:creationId xmlns:a16="http://schemas.microsoft.com/office/drawing/2014/main" xmlns="" id="{23BC9F18-EF07-46B7-BD99-858D60B20413}"/>
               </a:ext>
             </a:extLst>
           </p:cNvPr>
@@ -11618,7 +12403,7 @@
           <p:cNvPr id="6" name="Slide Number Placeholder 5">
             <a:extLst>
               <a:ext uri="{FF2B5EF4-FFF2-40B4-BE49-F238E27FC236}">
-                <a16:creationId xmlns="" xmlns:a16="http://schemas.microsoft.com/office/drawing/2014/main" id="{39FEFB84-1496-4078-80E5-A3C8FF62F026}"/>
+                <a16:creationId xmlns:a16="http://schemas.microsoft.com/office/drawing/2014/main" xmlns="" id="{39FEFB84-1496-4078-80E5-A3C8FF62F026}"/>
               </a:ext>
             </a:extLst>
           </p:cNvPr>
@@ -11682,7 +12467,7 @@
           <p:cNvPr id="2" name="Vertical Title 1">
             <a:extLst>
               <a:ext uri="{FF2B5EF4-FFF2-40B4-BE49-F238E27FC236}">
-                <a16:creationId xmlns="" xmlns:a16="http://schemas.microsoft.com/office/drawing/2014/main" id="{693132FC-1B41-49C1-A6C5-C5AEED015E29}"/>
+                <a16:creationId xmlns:a16="http://schemas.microsoft.com/office/drawing/2014/main" xmlns="" id="{693132FC-1B41-49C1-A6C5-C5AEED015E29}"/>
               </a:ext>
             </a:extLst>
           </p:cNvPr>
@@ -11715,7 +12500,7 @@
           <p:cNvPr id="3" name="Vertical Text Placeholder 2">
             <a:extLst>
               <a:ext uri="{FF2B5EF4-FFF2-40B4-BE49-F238E27FC236}">
-                <a16:creationId xmlns="" xmlns:a16="http://schemas.microsoft.com/office/drawing/2014/main" id="{49DB49E4-1B2A-40DA-9CDD-D07DA8EF5E15}"/>
+                <a16:creationId xmlns:a16="http://schemas.microsoft.com/office/drawing/2014/main" xmlns="" id="{49DB49E4-1B2A-40DA-9CDD-D07DA8EF5E15}"/>
               </a:ext>
             </a:extLst>
           </p:cNvPr>
@@ -11777,7 +12562,7 @@
           <p:cNvPr id="4" name="Date Placeholder 3">
             <a:extLst>
               <a:ext uri="{FF2B5EF4-FFF2-40B4-BE49-F238E27FC236}">
-                <a16:creationId xmlns="" xmlns:a16="http://schemas.microsoft.com/office/drawing/2014/main" id="{99FC36EB-1DB2-4333-B7E3-9FB1288DAAFA}"/>
+                <a16:creationId xmlns:a16="http://schemas.microsoft.com/office/drawing/2014/main" xmlns="" id="{99FC36EB-1DB2-4333-B7E3-9FB1288DAAFA}"/>
               </a:ext>
             </a:extLst>
           </p:cNvPr>
@@ -11808,7 +12593,7 @@
           <p:cNvPr id="5" name="Footer Placeholder 4">
             <a:extLst>
               <a:ext uri="{FF2B5EF4-FFF2-40B4-BE49-F238E27FC236}">
-                <a16:creationId xmlns="" xmlns:a16="http://schemas.microsoft.com/office/drawing/2014/main" id="{91515746-E165-4785-9B3D-6F6E533D8DFF}"/>
+                <a16:creationId xmlns:a16="http://schemas.microsoft.com/office/drawing/2014/main" xmlns="" id="{91515746-E165-4785-9B3D-6F6E533D8DFF}"/>
               </a:ext>
             </a:extLst>
           </p:cNvPr>
@@ -11839,7 +12624,7 @@
           <p:cNvPr id="6" name="Slide Number Placeholder 5">
             <a:extLst>
               <a:ext uri="{FF2B5EF4-FFF2-40B4-BE49-F238E27FC236}">
-                <a16:creationId xmlns="" xmlns:a16="http://schemas.microsoft.com/office/drawing/2014/main" id="{AF3382B3-634A-4ED5-8139-A4348DCD327A}"/>
+                <a16:creationId xmlns:a16="http://schemas.microsoft.com/office/drawing/2014/main" xmlns="" id="{AF3382B3-634A-4ED5-8139-A4348DCD327A}"/>
               </a:ext>
             </a:extLst>
           </p:cNvPr>
@@ -11903,7 +12688,7 @@
           <p:cNvPr id="7" name="Picture 6">
             <a:extLst>
               <a:ext uri="{FF2B5EF4-FFF2-40B4-BE49-F238E27FC236}">
-                <a16:creationId xmlns="" xmlns:a16="http://schemas.microsoft.com/office/drawing/2014/main" id="{477405BB-7C46-486F-A439-0780D9EDCDB5}"/>
+                <a16:creationId xmlns:a16="http://schemas.microsoft.com/office/drawing/2014/main" xmlns="" id="{477405BB-7C46-486F-A439-0780D9EDCDB5}"/>
               </a:ext>
             </a:extLst>
           </p:cNvPr>
@@ -11937,7 +12722,7 @@
           <p:cNvPr id="2" name="Title 1">
             <a:extLst>
               <a:ext uri="{FF2B5EF4-FFF2-40B4-BE49-F238E27FC236}">
-                <a16:creationId xmlns="" xmlns:a16="http://schemas.microsoft.com/office/drawing/2014/main" id="{96190146-6D65-42AF-82FA-2F8F33C3D072}"/>
+                <a16:creationId xmlns:a16="http://schemas.microsoft.com/office/drawing/2014/main" xmlns="" id="{96190146-6D65-42AF-82FA-2F8F33C3D072}"/>
               </a:ext>
             </a:extLst>
           </p:cNvPr>
@@ -11974,7 +12759,7 @@
           <p:cNvPr id="3" name="Subtitle 2">
             <a:extLst>
               <a:ext uri="{FF2B5EF4-FFF2-40B4-BE49-F238E27FC236}">
-                <a16:creationId xmlns="" xmlns:a16="http://schemas.microsoft.com/office/drawing/2014/main" id="{8A8E7CA7-D682-4372-9559-AFB3E6BF3F12}"/>
+                <a16:creationId xmlns:a16="http://schemas.microsoft.com/office/drawing/2014/main" xmlns="" id="{8A8E7CA7-D682-4372-9559-AFB3E6BF3F12}"/>
               </a:ext>
             </a:extLst>
           </p:cNvPr>
@@ -12044,7 +12829,7 @@
           <p:cNvPr id="4" name="Date Placeholder 3">
             <a:extLst>
               <a:ext uri="{FF2B5EF4-FFF2-40B4-BE49-F238E27FC236}">
-                <a16:creationId xmlns="" xmlns:a16="http://schemas.microsoft.com/office/drawing/2014/main" id="{CA6D6939-98B3-44D4-8C3D-27BD3853A6F6}"/>
+                <a16:creationId xmlns:a16="http://schemas.microsoft.com/office/drawing/2014/main" xmlns="" id="{CA6D6939-98B3-44D4-8C3D-27BD3853A6F6}"/>
               </a:ext>
             </a:extLst>
           </p:cNvPr>
@@ -12075,7 +12860,7 @@
           <p:cNvPr id="5" name="Footer Placeholder 4">
             <a:extLst>
               <a:ext uri="{FF2B5EF4-FFF2-40B4-BE49-F238E27FC236}">
-                <a16:creationId xmlns="" xmlns:a16="http://schemas.microsoft.com/office/drawing/2014/main" id="{796FD11F-AEC4-4C8E-8C0D-BAA408A27CA0}"/>
+                <a16:creationId xmlns:a16="http://schemas.microsoft.com/office/drawing/2014/main" xmlns="" id="{796FD11F-AEC4-4C8E-8C0D-BAA408A27CA0}"/>
               </a:ext>
             </a:extLst>
           </p:cNvPr>
@@ -12106,7 +12891,7 @@
           <p:cNvPr id="6" name="Slide Number Placeholder 5">
             <a:extLst>
               <a:ext uri="{FF2B5EF4-FFF2-40B4-BE49-F238E27FC236}">
-                <a16:creationId xmlns="" xmlns:a16="http://schemas.microsoft.com/office/drawing/2014/main" id="{337DDB84-5EE1-49EC-A084-F2561082BF5B}"/>
+                <a16:creationId xmlns:a16="http://schemas.microsoft.com/office/drawing/2014/main" xmlns="" id="{337DDB84-5EE1-49EC-A084-F2561082BF5B}"/>
               </a:ext>
             </a:extLst>
           </p:cNvPr>
@@ -12170,7 +12955,7 @@
           <p:cNvPr id="7" name="Picture 6">
             <a:extLst>
               <a:ext uri="{FF2B5EF4-FFF2-40B4-BE49-F238E27FC236}">
-                <a16:creationId xmlns="" xmlns:a16="http://schemas.microsoft.com/office/drawing/2014/main" id="{AA855B65-AB45-4C4C-AD7F-E9E55F21D095}"/>
+                <a16:creationId xmlns:a16="http://schemas.microsoft.com/office/drawing/2014/main" xmlns="" id="{AA855B65-AB45-4C4C-AD7F-E9E55F21D095}"/>
               </a:ext>
             </a:extLst>
           </p:cNvPr>
@@ -12204,7 +12989,7 @@
           <p:cNvPr id="2" name="Title 1">
             <a:extLst>
               <a:ext uri="{FF2B5EF4-FFF2-40B4-BE49-F238E27FC236}">
-                <a16:creationId xmlns="" xmlns:a16="http://schemas.microsoft.com/office/drawing/2014/main" id="{6072201B-471C-4CCF-923A-2DCF1131F176}"/>
+                <a16:creationId xmlns:a16="http://schemas.microsoft.com/office/drawing/2014/main" xmlns="" id="{6072201B-471C-4CCF-923A-2DCF1131F176}"/>
               </a:ext>
             </a:extLst>
           </p:cNvPr>
@@ -12237,7 +13022,7 @@
           <p:cNvPr id="3" name="Content Placeholder 2">
             <a:extLst>
               <a:ext uri="{FF2B5EF4-FFF2-40B4-BE49-F238E27FC236}">
-                <a16:creationId xmlns="" xmlns:a16="http://schemas.microsoft.com/office/drawing/2014/main" id="{6AA58C04-47AC-4639-85AE-BAF2334C83E0}"/>
+                <a16:creationId xmlns:a16="http://schemas.microsoft.com/office/drawing/2014/main" xmlns="" id="{6AA58C04-47AC-4639-85AE-BAF2334C83E0}"/>
               </a:ext>
             </a:extLst>
           </p:cNvPr>
@@ -12299,7 +13084,7 @@
           <p:cNvPr id="4" name="Date Placeholder 3">
             <a:extLst>
               <a:ext uri="{FF2B5EF4-FFF2-40B4-BE49-F238E27FC236}">
-                <a16:creationId xmlns="" xmlns:a16="http://schemas.microsoft.com/office/drawing/2014/main" id="{D03708F7-E53A-4084-B603-FD240E8F44DA}"/>
+                <a16:creationId xmlns:a16="http://schemas.microsoft.com/office/drawing/2014/main" xmlns="" id="{D03708F7-E53A-4084-B603-FD240E8F44DA}"/>
               </a:ext>
             </a:extLst>
           </p:cNvPr>
@@ -12330,7 +13115,7 @@
           <p:cNvPr id="5" name="Footer Placeholder 4">
             <a:extLst>
               <a:ext uri="{FF2B5EF4-FFF2-40B4-BE49-F238E27FC236}">
-                <a16:creationId xmlns="" xmlns:a16="http://schemas.microsoft.com/office/drawing/2014/main" id="{432CA27E-7DC8-4DA3-987D-C3AAAA8A6836}"/>
+                <a16:creationId xmlns:a16="http://schemas.microsoft.com/office/drawing/2014/main" xmlns="" id="{432CA27E-7DC8-4DA3-987D-C3AAAA8A6836}"/>
               </a:ext>
             </a:extLst>
           </p:cNvPr>
@@ -12361,7 +13146,7 @@
           <p:cNvPr id="6" name="Slide Number Placeholder 5">
             <a:extLst>
               <a:ext uri="{FF2B5EF4-FFF2-40B4-BE49-F238E27FC236}">
-                <a16:creationId xmlns="" xmlns:a16="http://schemas.microsoft.com/office/drawing/2014/main" id="{D5A7831C-90EF-4E89-9749-E53E8C4161D3}"/>
+                <a16:creationId xmlns:a16="http://schemas.microsoft.com/office/drawing/2014/main" xmlns="" id="{D5A7831C-90EF-4E89-9749-E53E8C4161D3}"/>
               </a:ext>
             </a:extLst>
           </p:cNvPr>
@@ -12425,7 +13210,7 @@
           <p:cNvPr id="7" name="Picture 6">
             <a:extLst>
               <a:ext uri="{FF2B5EF4-FFF2-40B4-BE49-F238E27FC236}">
-                <a16:creationId xmlns="" xmlns:a16="http://schemas.microsoft.com/office/drawing/2014/main" id="{0C581DF1-BD2F-41D8-85F4-927468129971}"/>
+                <a16:creationId xmlns:a16="http://schemas.microsoft.com/office/drawing/2014/main" xmlns="" id="{0C581DF1-BD2F-41D8-85F4-927468129971}"/>
               </a:ext>
             </a:extLst>
           </p:cNvPr>
@@ -12459,7 +13244,7 @@
           <p:cNvPr id="2" name="Title 1">
             <a:extLst>
               <a:ext uri="{FF2B5EF4-FFF2-40B4-BE49-F238E27FC236}">
-                <a16:creationId xmlns="" xmlns:a16="http://schemas.microsoft.com/office/drawing/2014/main" id="{9259E091-C7B0-4CDA-81DF-0981B9BC3255}"/>
+                <a16:creationId xmlns:a16="http://schemas.microsoft.com/office/drawing/2014/main" xmlns="" id="{9259E091-C7B0-4CDA-81DF-0981B9BC3255}"/>
               </a:ext>
             </a:extLst>
           </p:cNvPr>
@@ -12496,7 +13281,7 @@
           <p:cNvPr id="3" name="Text Placeholder 2">
             <a:extLst>
               <a:ext uri="{FF2B5EF4-FFF2-40B4-BE49-F238E27FC236}">
-                <a16:creationId xmlns="" xmlns:a16="http://schemas.microsoft.com/office/drawing/2014/main" id="{9C9F7CE3-63C7-4BCC-B7CE-BB4BFF193BB3}"/>
+                <a16:creationId xmlns:a16="http://schemas.microsoft.com/office/drawing/2014/main" xmlns="" id="{9C9F7CE3-63C7-4BCC-B7CE-BB4BFF193BB3}"/>
               </a:ext>
             </a:extLst>
           </p:cNvPr>
@@ -12621,7 +13406,7 @@
           <p:cNvPr id="4" name="Date Placeholder 3">
             <a:extLst>
               <a:ext uri="{FF2B5EF4-FFF2-40B4-BE49-F238E27FC236}">
-                <a16:creationId xmlns="" xmlns:a16="http://schemas.microsoft.com/office/drawing/2014/main" id="{6AEE10CB-7BFE-4230-8EF4-9DF3732BB7B8}"/>
+                <a16:creationId xmlns:a16="http://schemas.microsoft.com/office/drawing/2014/main" xmlns="" id="{6AEE10CB-7BFE-4230-8EF4-9DF3732BB7B8}"/>
               </a:ext>
             </a:extLst>
           </p:cNvPr>
@@ -12652,7 +13437,7 @@
           <p:cNvPr id="5" name="Footer Placeholder 4">
             <a:extLst>
               <a:ext uri="{FF2B5EF4-FFF2-40B4-BE49-F238E27FC236}">
-                <a16:creationId xmlns="" xmlns:a16="http://schemas.microsoft.com/office/drawing/2014/main" id="{7E01D577-9F38-4334-94EC-C40FDB4E7E7A}"/>
+                <a16:creationId xmlns:a16="http://schemas.microsoft.com/office/drawing/2014/main" xmlns="" id="{7E01D577-9F38-4334-94EC-C40FDB4E7E7A}"/>
               </a:ext>
             </a:extLst>
           </p:cNvPr>
@@ -12683,7 +13468,7 @@
           <p:cNvPr id="6" name="Slide Number Placeholder 5">
             <a:extLst>
               <a:ext uri="{FF2B5EF4-FFF2-40B4-BE49-F238E27FC236}">
-                <a16:creationId xmlns="" xmlns:a16="http://schemas.microsoft.com/office/drawing/2014/main" id="{C190CF2D-7A34-4B5B-AC89-EDE703809959}"/>
+                <a16:creationId xmlns:a16="http://schemas.microsoft.com/office/drawing/2014/main" xmlns="" id="{C190CF2D-7A34-4B5B-AC89-EDE703809959}"/>
               </a:ext>
             </a:extLst>
           </p:cNvPr>
@@ -12747,7 +13532,7 @@
           <p:cNvPr id="8" name="Picture 7">
             <a:extLst>
               <a:ext uri="{FF2B5EF4-FFF2-40B4-BE49-F238E27FC236}">
-                <a16:creationId xmlns="" xmlns:a16="http://schemas.microsoft.com/office/drawing/2014/main" id="{F89DF154-B9DC-41E1-983C-F56FD4D810F0}"/>
+                <a16:creationId xmlns:a16="http://schemas.microsoft.com/office/drawing/2014/main" xmlns="" id="{F89DF154-B9DC-41E1-983C-F56FD4D810F0}"/>
               </a:ext>
             </a:extLst>
           </p:cNvPr>
@@ -12781,7 +13566,7 @@
           <p:cNvPr id="2" name="Title 1">
             <a:extLst>
               <a:ext uri="{FF2B5EF4-FFF2-40B4-BE49-F238E27FC236}">
-                <a16:creationId xmlns="" xmlns:a16="http://schemas.microsoft.com/office/drawing/2014/main" id="{EC90CFD6-FBB0-409D-BF3B-79E0D9F6C6B4}"/>
+                <a16:creationId xmlns:a16="http://schemas.microsoft.com/office/drawing/2014/main" xmlns="" id="{EC90CFD6-FBB0-409D-BF3B-79E0D9F6C6B4}"/>
               </a:ext>
             </a:extLst>
           </p:cNvPr>
@@ -12814,7 +13599,7 @@
           <p:cNvPr id="3" name="Content Placeholder 2">
             <a:extLst>
               <a:ext uri="{FF2B5EF4-FFF2-40B4-BE49-F238E27FC236}">
-                <a16:creationId xmlns="" xmlns:a16="http://schemas.microsoft.com/office/drawing/2014/main" id="{8E27D523-824E-45BD-BDD0-2B740C1E353D}"/>
+                <a16:creationId xmlns:a16="http://schemas.microsoft.com/office/drawing/2014/main" xmlns="" id="{8E27D523-824E-45BD-BDD0-2B740C1E353D}"/>
               </a:ext>
             </a:extLst>
           </p:cNvPr>
@@ -12876,7 +13661,7 @@
           <p:cNvPr id="4" name="Content Placeholder 3">
             <a:extLst>
               <a:ext uri="{FF2B5EF4-FFF2-40B4-BE49-F238E27FC236}">
-                <a16:creationId xmlns="" xmlns:a16="http://schemas.microsoft.com/office/drawing/2014/main" id="{739F1779-CFE3-4822-B175-9E14B0237382}"/>
+                <a16:creationId xmlns:a16="http://schemas.microsoft.com/office/drawing/2014/main" xmlns="" id="{739F1779-CFE3-4822-B175-9E14B0237382}"/>
               </a:ext>
             </a:extLst>
           </p:cNvPr>
@@ -12938,7 +13723,7 @@
           <p:cNvPr id="5" name="Date Placeholder 4">
             <a:extLst>
               <a:ext uri="{FF2B5EF4-FFF2-40B4-BE49-F238E27FC236}">
-                <a16:creationId xmlns="" xmlns:a16="http://schemas.microsoft.com/office/drawing/2014/main" id="{AB6B785E-51D2-47E8-AED0-156FF3A9AFDB}"/>
+                <a16:creationId xmlns:a16="http://schemas.microsoft.com/office/drawing/2014/main" xmlns="" id="{AB6B785E-51D2-47E8-AED0-156FF3A9AFDB}"/>
               </a:ext>
             </a:extLst>
           </p:cNvPr>
@@ -12969,7 +13754,7 @@
           <p:cNvPr id="6" name="Footer Placeholder 5">
             <a:extLst>
               <a:ext uri="{FF2B5EF4-FFF2-40B4-BE49-F238E27FC236}">
-                <a16:creationId xmlns="" xmlns:a16="http://schemas.microsoft.com/office/drawing/2014/main" id="{4440AA81-78BB-4AB2-B17F-884F053B5D2B}"/>
+                <a16:creationId xmlns:a16="http://schemas.microsoft.com/office/drawing/2014/main" xmlns="" id="{4440AA81-78BB-4AB2-B17F-884F053B5D2B}"/>
               </a:ext>
             </a:extLst>
           </p:cNvPr>
@@ -13000,7 +13785,7 @@
           <p:cNvPr id="7" name="Slide Number Placeholder 6">
             <a:extLst>
               <a:ext uri="{FF2B5EF4-FFF2-40B4-BE49-F238E27FC236}">
-                <a16:creationId xmlns="" xmlns:a16="http://schemas.microsoft.com/office/drawing/2014/main" id="{3FF624F6-1439-40E9-B345-8E660F67C2FE}"/>
+                <a16:creationId xmlns:a16="http://schemas.microsoft.com/office/drawing/2014/main" xmlns="" id="{3FF624F6-1439-40E9-B345-8E660F67C2FE}"/>
               </a:ext>
             </a:extLst>
           </p:cNvPr>
@@ -13064,7 +13849,7 @@
           <p:cNvPr id="10" name="Picture 9">
             <a:extLst>
               <a:ext uri="{FF2B5EF4-FFF2-40B4-BE49-F238E27FC236}">
-                <a16:creationId xmlns="" xmlns:a16="http://schemas.microsoft.com/office/drawing/2014/main" id="{C542BEC5-3D13-4DD1-9AEF-1212D054E2C6}"/>
+                <a16:creationId xmlns:a16="http://schemas.microsoft.com/office/drawing/2014/main" xmlns="" id="{C542BEC5-3D13-4DD1-9AEF-1212D054E2C6}"/>
               </a:ext>
             </a:extLst>
           </p:cNvPr>
@@ -13098,7 +13883,7 @@
           <p:cNvPr id="2" name="Title 1">
             <a:extLst>
               <a:ext uri="{FF2B5EF4-FFF2-40B4-BE49-F238E27FC236}">
-                <a16:creationId xmlns="" xmlns:a16="http://schemas.microsoft.com/office/drawing/2014/main" id="{933CF5BE-76CA-4EE5-BEEA-C8C7BA0ABC0F}"/>
+                <a16:creationId xmlns:a16="http://schemas.microsoft.com/office/drawing/2014/main" xmlns="" id="{933CF5BE-76CA-4EE5-BEEA-C8C7BA0ABC0F}"/>
               </a:ext>
             </a:extLst>
           </p:cNvPr>
@@ -13131,7 +13916,7 @@
           <p:cNvPr id="3" name="Text Placeholder 2">
             <a:extLst>
               <a:ext uri="{FF2B5EF4-FFF2-40B4-BE49-F238E27FC236}">
-                <a16:creationId xmlns="" xmlns:a16="http://schemas.microsoft.com/office/drawing/2014/main" id="{FF24817F-C7B4-427C-B0F8-3C5545399C30}"/>
+                <a16:creationId xmlns:a16="http://schemas.microsoft.com/office/drawing/2014/main" xmlns="" id="{FF24817F-C7B4-427C-B0F8-3C5545399C30}"/>
               </a:ext>
             </a:extLst>
           </p:cNvPr>
@@ -13202,7 +13987,7 @@
           <p:cNvPr id="4" name="Content Placeholder 3">
             <a:extLst>
               <a:ext uri="{FF2B5EF4-FFF2-40B4-BE49-F238E27FC236}">
-                <a16:creationId xmlns="" xmlns:a16="http://schemas.microsoft.com/office/drawing/2014/main" id="{B340429A-7E4F-4DDB-A61A-3B847DE1C7A3}"/>
+                <a16:creationId xmlns:a16="http://schemas.microsoft.com/office/drawing/2014/main" xmlns="" id="{B340429A-7E4F-4DDB-A61A-3B847DE1C7A3}"/>
               </a:ext>
             </a:extLst>
           </p:cNvPr>
@@ -13264,7 +14049,7 @@
           <p:cNvPr id="5" name="Text Placeholder 4">
             <a:extLst>
               <a:ext uri="{FF2B5EF4-FFF2-40B4-BE49-F238E27FC236}">
-                <a16:creationId xmlns="" xmlns:a16="http://schemas.microsoft.com/office/drawing/2014/main" id="{F236BBD4-4ACF-469B-9F3B-E3941165CABD}"/>
+                <a16:creationId xmlns:a16="http://schemas.microsoft.com/office/drawing/2014/main" xmlns="" id="{F236BBD4-4ACF-469B-9F3B-E3941165CABD}"/>
               </a:ext>
             </a:extLst>
           </p:cNvPr>
@@ -13335,7 +14120,7 @@
           <p:cNvPr id="6" name="Content Placeholder 5">
             <a:extLst>
               <a:ext uri="{FF2B5EF4-FFF2-40B4-BE49-F238E27FC236}">
-                <a16:creationId xmlns="" xmlns:a16="http://schemas.microsoft.com/office/drawing/2014/main" id="{5C6D8236-638A-4BFA-9196-D872350C58D3}"/>
+                <a16:creationId xmlns:a16="http://schemas.microsoft.com/office/drawing/2014/main" xmlns="" id="{5C6D8236-638A-4BFA-9196-D872350C58D3}"/>
               </a:ext>
             </a:extLst>
           </p:cNvPr>
@@ -13397,7 +14182,7 @@
           <p:cNvPr id="7" name="Date Placeholder 6">
             <a:extLst>
               <a:ext uri="{FF2B5EF4-FFF2-40B4-BE49-F238E27FC236}">
-                <a16:creationId xmlns="" xmlns:a16="http://schemas.microsoft.com/office/drawing/2014/main" id="{074640FA-C520-45A4-8F35-3AA6ADE8C7E5}"/>
+                <a16:creationId xmlns:a16="http://schemas.microsoft.com/office/drawing/2014/main" xmlns="" id="{074640FA-C520-45A4-8F35-3AA6ADE8C7E5}"/>
               </a:ext>
             </a:extLst>
           </p:cNvPr>
@@ -13428,7 +14213,7 @@
           <p:cNvPr id="8" name="Footer Placeholder 7">
             <a:extLst>
               <a:ext uri="{FF2B5EF4-FFF2-40B4-BE49-F238E27FC236}">
-                <a16:creationId xmlns="" xmlns:a16="http://schemas.microsoft.com/office/drawing/2014/main" id="{278FF528-437D-46AB-9BEE-D5A7CA061666}"/>
+                <a16:creationId xmlns:a16="http://schemas.microsoft.com/office/drawing/2014/main" xmlns="" id="{278FF528-437D-46AB-9BEE-D5A7CA061666}"/>
               </a:ext>
             </a:extLst>
           </p:cNvPr>
@@ -13459,7 +14244,7 @@
           <p:cNvPr id="9" name="Slide Number Placeholder 8">
             <a:extLst>
               <a:ext uri="{FF2B5EF4-FFF2-40B4-BE49-F238E27FC236}">
-                <a16:creationId xmlns="" xmlns:a16="http://schemas.microsoft.com/office/drawing/2014/main" id="{F0E44B54-E4ED-4F1C-8450-76BBFDD01005}"/>
+                <a16:creationId xmlns:a16="http://schemas.microsoft.com/office/drawing/2014/main" xmlns="" id="{F0E44B54-E4ED-4F1C-8450-76BBFDD01005}"/>
               </a:ext>
             </a:extLst>
           </p:cNvPr>
@@ -13523,7 +14308,7 @@
           <p:cNvPr id="6" name="Picture 5">
             <a:extLst>
               <a:ext uri="{FF2B5EF4-FFF2-40B4-BE49-F238E27FC236}">
-                <a16:creationId xmlns="" xmlns:a16="http://schemas.microsoft.com/office/drawing/2014/main" id="{FBDE2486-9398-4E42-BDD3-826AA3EDD2BE}"/>
+                <a16:creationId xmlns:a16="http://schemas.microsoft.com/office/drawing/2014/main" xmlns="" id="{FBDE2486-9398-4E42-BDD3-826AA3EDD2BE}"/>
               </a:ext>
             </a:extLst>
           </p:cNvPr>
@@ -13557,7 +14342,7 @@
           <p:cNvPr id="2" name="Title 1">
             <a:extLst>
               <a:ext uri="{FF2B5EF4-FFF2-40B4-BE49-F238E27FC236}">
-                <a16:creationId xmlns="" xmlns:a16="http://schemas.microsoft.com/office/drawing/2014/main" id="{10FB60FC-FB13-4F9D-84AC-D9EDE0474439}"/>
+                <a16:creationId xmlns:a16="http://schemas.microsoft.com/office/drawing/2014/main" xmlns="" id="{10FB60FC-FB13-4F9D-84AC-D9EDE0474439}"/>
               </a:ext>
             </a:extLst>
           </p:cNvPr>
@@ -13590,7 +14375,7 @@
           <p:cNvPr id="3" name="Date Placeholder 2">
             <a:extLst>
               <a:ext uri="{FF2B5EF4-FFF2-40B4-BE49-F238E27FC236}">
-                <a16:creationId xmlns="" xmlns:a16="http://schemas.microsoft.com/office/drawing/2014/main" id="{E6F7CF30-D2D5-4CE4-8CF6-125D5F08DA22}"/>
+                <a16:creationId xmlns:a16="http://schemas.microsoft.com/office/drawing/2014/main" xmlns="" id="{E6F7CF30-D2D5-4CE4-8CF6-125D5F08DA22}"/>
               </a:ext>
             </a:extLst>
           </p:cNvPr>
@@ -13621,7 +14406,7 @@
           <p:cNvPr id="4" name="Footer Placeholder 3">
             <a:extLst>
               <a:ext uri="{FF2B5EF4-FFF2-40B4-BE49-F238E27FC236}">
-                <a16:creationId xmlns="" xmlns:a16="http://schemas.microsoft.com/office/drawing/2014/main" id="{D177CEBD-CF2C-4C22-BA13-436BAF53C397}"/>
+                <a16:creationId xmlns:a16="http://schemas.microsoft.com/office/drawing/2014/main" xmlns="" id="{D177CEBD-CF2C-4C22-BA13-436BAF53C397}"/>
               </a:ext>
             </a:extLst>
           </p:cNvPr>
@@ -13652,7 +14437,7 @@
           <p:cNvPr id="5" name="Slide Number Placeholder 4">
             <a:extLst>
               <a:ext uri="{FF2B5EF4-FFF2-40B4-BE49-F238E27FC236}">
-                <a16:creationId xmlns="" xmlns:a16="http://schemas.microsoft.com/office/drawing/2014/main" id="{4CD3AF8D-EA39-4A91-9565-09B854E50A84}"/>
+                <a16:creationId xmlns:a16="http://schemas.microsoft.com/office/drawing/2014/main" xmlns="" id="{4CD3AF8D-EA39-4A91-9565-09B854E50A84}"/>
               </a:ext>
             </a:extLst>
           </p:cNvPr>
@@ -13716,7 +14501,7 @@
           <p:cNvPr id="5" name="Picture 4">
             <a:extLst>
               <a:ext uri="{FF2B5EF4-FFF2-40B4-BE49-F238E27FC236}">
-                <a16:creationId xmlns="" xmlns:a16="http://schemas.microsoft.com/office/drawing/2014/main" id="{0DA6FB6E-D469-465A-89D7-2B6FB5A1F31C}"/>
+                <a16:creationId xmlns:a16="http://schemas.microsoft.com/office/drawing/2014/main" xmlns="" id="{0DA6FB6E-D469-465A-89D7-2B6FB5A1F31C}"/>
               </a:ext>
             </a:extLst>
           </p:cNvPr>
@@ -13750,7 +14535,7 @@
           <p:cNvPr id="2" name="Date Placeholder 1">
             <a:extLst>
               <a:ext uri="{FF2B5EF4-FFF2-40B4-BE49-F238E27FC236}">
-                <a16:creationId xmlns="" xmlns:a16="http://schemas.microsoft.com/office/drawing/2014/main" id="{4E5A65FF-2780-4360-99F7-5E049C273315}"/>
+                <a16:creationId xmlns:a16="http://schemas.microsoft.com/office/drawing/2014/main" xmlns="" id="{4E5A65FF-2780-4360-99F7-5E049C273315}"/>
               </a:ext>
             </a:extLst>
           </p:cNvPr>
@@ -13781,7 +14566,7 @@
           <p:cNvPr id="3" name="Footer Placeholder 2">
             <a:extLst>
               <a:ext uri="{FF2B5EF4-FFF2-40B4-BE49-F238E27FC236}">
-                <a16:creationId xmlns="" xmlns:a16="http://schemas.microsoft.com/office/drawing/2014/main" id="{DE6D8EB9-4B7C-4B29-A47D-AE3215726799}"/>
+                <a16:creationId xmlns:a16="http://schemas.microsoft.com/office/drawing/2014/main" xmlns="" id="{DE6D8EB9-4B7C-4B29-A47D-AE3215726799}"/>
               </a:ext>
             </a:extLst>
           </p:cNvPr>
@@ -13812,7 +14597,7 @@
           <p:cNvPr id="4" name="Slide Number Placeholder 3">
             <a:extLst>
               <a:ext uri="{FF2B5EF4-FFF2-40B4-BE49-F238E27FC236}">
-                <a16:creationId xmlns="" xmlns:a16="http://schemas.microsoft.com/office/drawing/2014/main" id="{04128BEB-7FF9-42CF-8B0A-329FDEAB497C}"/>
+                <a16:creationId xmlns:a16="http://schemas.microsoft.com/office/drawing/2014/main" xmlns="" id="{04128BEB-7FF9-42CF-8B0A-329FDEAB497C}"/>
               </a:ext>
             </a:extLst>
           </p:cNvPr>
@@ -13877,7 +14662,7 @@
           <p:cNvPr id="2" name="Title 1">
             <a:extLst>
               <a:ext uri="{FF2B5EF4-FFF2-40B4-BE49-F238E27FC236}">
-                <a16:creationId xmlns="" xmlns:a16="http://schemas.microsoft.com/office/drawing/2014/main" id="{D4AAADF8-59C6-4C07-88A0-1EB6AC9F18AF}"/>
+                <a16:creationId xmlns:a16="http://schemas.microsoft.com/office/drawing/2014/main" xmlns="" id="{D4AAADF8-59C6-4C07-88A0-1EB6AC9F18AF}"/>
               </a:ext>
             </a:extLst>
           </p:cNvPr>
@@ -13914,7 +14699,7 @@
           <p:cNvPr id="3" name="Text Placeholder 2">
             <a:extLst>
               <a:ext uri="{FF2B5EF4-FFF2-40B4-BE49-F238E27FC236}">
-                <a16:creationId xmlns="" xmlns:a16="http://schemas.microsoft.com/office/drawing/2014/main" id="{FC2A4F45-8E70-4C8D-A0F5-9071E8A0CFB2}"/>
+                <a16:creationId xmlns:a16="http://schemas.microsoft.com/office/drawing/2014/main" xmlns="" id="{FC2A4F45-8E70-4C8D-A0F5-9071E8A0CFB2}"/>
               </a:ext>
             </a:extLst>
           </p:cNvPr>
@@ -14039,7 +14824,7 @@
           <p:cNvPr id="4" name="Date Placeholder 3">
             <a:extLst>
               <a:ext uri="{FF2B5EF4-FFF2-40B4-BE49-F238E27FC236}">
-                <a16:creationId xmlns="" xmlns:a16="http://schemas.microsoft.com/office/drawing/2014/main" id="{9C836D26-A94C-4804-A019-D0B97AF0A152}"/>
+                <a16:creationId xmlns:a16="http://schemas.microsoft.com/office/drawing/2014/main" xmlns="" id="{9C836D26-A94C-4804-A019-D0B97AF0A152}"/>
               </a:ext>
             </a:extLst>
           </p:cNvPr>
@@ -14070,7 +14855,7 @@
           <p:cNvPr id="5" name="Footer Placeholder 4">
             <a:extLst>
               <a:ext uri="{FF2B5EF4-FFF2-40B4-BE49-F238E27FC236}">
-                <a16:creationId xmlns="" xmlns:a16="http://schemas.microsoft.com/office/drawing/2014/main" id="{C327DEE3-EC1F-46FD-9B64-ED58958FDB57}"/>
+                <a16:creationId xmlns:a16="http://schemas.microsoft.com/office/drawing/2014/main" xmlns="" id="{C327DEE3-EC1F-46FD-9B64-ED58958FDB57}"/>
               </a:ext>
             </a:extLst>
           </p:cNvPr>
@@ -14101,7 +14886,7 @@
           <p:cNvPr id="6" name="Slide Number Placeholder 5">
             <a:extLst>
               <a:ext uri="{FF2B5EF4-FFF2-40B4-BE49-F238E27FC236}">
-                <a16:creationId xmlns="" xmlns:a16="http://schemas.microsoft.com/office/drawing/2014/main" id="{5E520446-B6EA-404E-925B-90938B5739FE}"/>
+                <a16:creationId xmlns:a16="http://schemas.microsoft.com/office/drawing/2014/main" xmlns="" id="{5E520446-B6EA-404E-925B-90938B5739FE}"/>
               </a:ext>
             </a:extLst>
           </p:cNvPr>
@@ -14165,7 +14950,7 @@
           <p:cNvPr id="8" name="Picture 7">
             <a:extLst>
               <a:ext uri="{FF2B5EF4-FFF2-40B4-BE49-F238E27FC236}">
-                <a16:creationId xmlns="" xmlns:a16="http://schemas.microsoft.com/office/drawing/2014/main" id="{36C7EEF7-E051-40FF-9E5A-5251C26A38B1}"/>
+                <a16:creationId xmlns:a16="http://schemas.microsoft.com/office/drawing/2014/main" xmlns="" id="{36C7EEF7-E051-40FF-9E5A-5251C26A38B1}"/>
               </a:ext>
             </a:extLst>
           </p:cNvPr>
@@ -14199,7 +14984,7 @@
           <p:cNvPr id="2" name="Title 1">
             <a:extLst>
               <a:ext uri="{FF2B5EF4-FFF2-40B4-BE49-F238E27FC236}">
-                <a16:creationId xmlns="" xmlns:a16="http://schemas.microsoft.com/office/drawing/2014/main" id="{DFC75FB3-EB85-4A2D-A479-F51D43ED0B98}"/>
+                <a16:creationId xmlns:a16="http://schemas.microsoft.com/office/drawing/2014/main" xmlns="" id="{DFC75FB3-EB85-4A2D-A479-F51D43ED0B98}"/>
               </a:ext>
             </a:extLst>
           </p:cNvPr>
@@ -14236,7 +15021,7 @@
           <p:cNvPr id="3" name="Content Placeholder 2">
             <a:extLst>
               <a:ext uri="{FF2B5EF4-FFF2-40B4-BE49-F238E27FC236}">
-                <a16:creationId xmlns="" xmlns:a16="http://schemas.microsoft.com/office/drawing/2014/main" id="{CFF2C09E-B457-43C9-82D8-D81BFA5A081B}"/>
+                <a16:creationId xmlns:a16="http://schemas.microsoft.com/office/drawing/2014/main" xmlns="" id="{CFF2C09E-B457-43C9-82D8-D81BFA5A081B}"/>
               </a:ext>
             </a:extLst>
           </p:cNvPr>
@@ -14326,7 +15111,7 @@
           <p:cNvPr id="4" name="Text Placeholder 3">
             <a:extLst>
               <a:ext uri="{FF2B5EF4-FFF2-40B4-BE49-F238E27FC236}">
-                <a16:creationId xmlns="" xmlns:a16="http://schemas.microsoft.com/office/drawing/2014/main" id="{C68F04B3-A024-4C33-A92B-48C51C42AF22}"/>
+                <a16:creationId xmlns:a16="http://schemas.microsoft.com/office/drawing/2014/main" xmlns="" id="{C68F04B3-A024-4C33-A92B-48C51C42AF22}"/>
               </a:ext>
             </a:extLst>
           </p:cNvPr>
@@ -14397,7 +15182,7 @@
           <p:cNvPr id="5" name="Date Placeholder 4">
             <a:extLst>
               <a:ext uri="{FF2B5EF4-FFF2-40B4-BE49-F238E27FC236}">
-                <a16:creationId xmlns="" xmlns:a16="http://schemas.microsoft.com/office/drawing/2014/main" id="{010523CF-183B-4362-9D49-A52198E5FA64}"/>
+                <a16:creationId xmlns:a16="http://schemas.microsoft.com/office/drawing/2014/main" xmlns="" id="{010523CF-183B-4362-9D49-A52198E5FA64}"/>
               </a:ext>
             </a:extLst>
           </p:cNvPr>
@@ -14428,7 +15213,7 @@
           <p:cNvPr id="6" name="Footer Placeholder 5">
             <a:extLst>
               <a:ext uri="{FF2B5EF4-FFF2-40B4-BE49-F238E27FC236}">
-                <a16:creationId xmlns="" xmlns:a16="http://schemas.microsoft.com/office/drawing/2014/main" id="{5BE50316-061B-4A73-93D7-9DCE596EABDE}"/>
+                <a16:creationId xmlns:a16="http://schemas.microsoft.com/office/drawing/2014/main" xmlns="" id="{5BE50316-061B-4A73-93D7-9DCE596EABDE}"/>
               </a:ext>
             </a:extLst>
           </p:cNvPr>
@@ -14459,7 +15244,7 @@
           <p:cNvPr id="7" name="Slide Number Placeholder 6">
             <a:extLst>
               <a:ext uri="{FF2B5EF4-FFF2-40B4-BE49-F238E27FC236}">
-                <a16:creationId xmlns="" xmlns:a16="http://schemas.microsoft.com/office/drawing/2014/main" id="{81B8B477-ED87-4921-9C6D-A5D690E867C8}"/>
+                <a16:creationId xmlns:a16="http://schemas.microsoft.com/office/drawing/2014/main" xmlns="" id="{81B8B477-ED87-4921-9C6D-A5D690E867C8}"/>
               </a:ext>
             </a:extLst>
           </p:cNvPr>
@@ -14523,7 +15308,7 @@
           <p:cNvPr id="8" name="Picture 7">
             <a:extLst>
               <a:ext uri="{FF2B5EF4-FFF2-40B4-BE49-F238E27FC236}">
-                <a16:creationId xmlns="" xmlns:a16="http://schemas.microsoft.com/office/drawing/2014/main" id="{5B564892-1B51-4E24-A566-9C310A0422FB}"/>
+                <a16:creationId xmlns:a16="http://schemas.microsoft.com/office/drawing/2014/main" xmlns="" id="{5B564892-1B51-4E24-A566-9C310A0422FB}"/>
               </a:ext>
             </a:extLst>
           </p:cNvPr>
@@ -14557,7 +15342,7 @@
           <p:cNvPr id="2" name="Title 1">
             <a:extLst>
               <a:ext uri="{FF2B5EF4-FFF2-40B4-BE49-F238E27FC236}">
-                <a16:creationId xmlns="" xmlns:a16="http://schemas.microsoft.com/office/drawing/2014/main" id="{BC025346-E40C-408F-9DDF-0EECF647D3BB}"/>
+                <a16:creationId xmlns:a16="http://schemas.microsoft.com/office/drawing/2014/main" xmlns="" id="{BC025346-E40C-408F-9DDF-0EECF647D3BB}"/>
               </a:ext>
             </a:extLst>
           </p:cNvPr>
@@ -14594,7 +15379,7 @@
           <p:cNvPr id="3" name="Picture Placeholder 2">
             <a:extLst>
               <a:ext uri="{FF2B5EF4-FFF2-40B4-BE49-F238E27FC236}">
-                <a16:creationId xmlns="" xmlns:a16="http://schemas.microsoft.com/office/drawing/2014/main" id="{648F0314-D5AC-4643-88AE-70B1E3C93C69}"/>
+                <a16:creationId xmlns:a16="http://schemas.microsoft.com/office/drawing/2014/main" xmlns="" id="{648F0314-D5AC-4643-88AE-70B1E3C93C69}"/>
               </a:ext>
             </a:extLst>
           </p:cNvPr>
@@ -14661,7 +15446,7 @@
           <p:cNvPr id="4" name="Text Placeholder 3">
             <a:extLst>
               <a:ext uri="{FF2B5EF4-FFF2-40B4-BE49-F238E27FC236}">
-                <a16:creationId xmlns="" xmlns:a16="http://schemas.microsoft.com/office/drawing/2014/main" id="{F1A3F51F-9681-4E73-933E-636E77793A2A}"/>
+                <a16:creationId xmlns:a16="http://schemas.microsoft.com/office/drawing/2014/main" xmlns="" id="{F1A3F51F-9681-4E73-933E-636E77793A2A}"/>
               </a:ext>
             </a:extLst>
           </p:cNvPr>
@@ -14732,7 +15517,7 @@
           <p:cNvPr id="5" name="Date Placeholder 4">
             <a:extLst>
               <a:ext uri="{FF2B5EF4-FFF2-40B4-BE49-F238E27FC236}">
-                <a16:creationId xmlns="" xmlns:a16="http://schemas.microsoft.com/office/drawing/2014/main" id="{AA127FA0-F9E6-4C16-8DD1-9C1DE8B9E0CB}"/>
+                <a16:creationId xmlns:a16="http://schemas.microsoft.com/office/drawing/2014/main" xmlns="" id="{AA127FA0-F9E6-4C16-8DD1-9C1DE8B9E0CB}"/>
               </a:ext>
             </a:extLst>
           </p:cNvPr>
@@ -14763,7 +15548,7 @@
           <p:cNvPr id="6" name="Footer Placeholder 5">
             <a:extLst>
               <a:ext uri="{FF2B5EF4-FFF2-40B4-BE49-F238E27FC236}">
-                <a16:creationId xmlns="" xmlns:a16="http://schemas.microsoft.com/office/drawing/2014/main" id="{2C455FAB-D014-4C2C-AF16-E90C83827F16}"/>
+                <a16:creationId xmlns:a16="http://schemas.microsoft.com/office/drawing/2014/main" xmlns="" id="{2C455FAB-D014-4C2C-AF16-E90C83827F16}"/>
               </a:ext>
             </a:extLst>
           </p:cNvPr>
@@ -14794,7 +15579,7 @@
           <p:cNvPr id="7" name="Slide Number Placeholder 6">
             <a:extLst>
               <a:ext uri="{FF2B5EF4-FFF2-40B4-BE49-F238E27FC236}">
-                <a16:creationId xmlns="" xmlns:a16="http://schemas.microsoft.com/office/drawing/2014/main" id="{1D9D16C0-AEB4-4B64-A9CA-A5B5D8160DC0}"/>
+                <a16:creationId xmlns:a16="http://schemas.microsoft.com/office/drawing/2014/main" xmlns="" id="{1D9D16C0-AEB4-4B64-A9CA-A5B5D8160DC0}"/>
               </a:ext>
             </a:extLst>
           </p:cNvPr>
@@ -14858,7 +15643,7 @@
           <p:cNvPr id="7" name="Picture 6">
             <a:extLst>
               <a:ext uri="{FF2B5EF4-FFF2-40B4-BE49-F238E27FC236}">
-                <a16:creationId xmlns="" xmlns:a16="http://schemas.microsoft.com/office/drawing/2014/main" id="{2D553EAE-C78E-40B7-A045-E04BA8E93A62}"/>
+                <a16:creationId xmlns:a16="http://schemas.microsoft.com/office/drawing/2014/main" xmlns="" id="{2D553EAE-C78E-40B7-A045-E04BA8E93A62}"/>
               </a:ext>
             </a:extLst>
           </p:cNvPr>
@@ -14892,7 +15677,7 @@
           <p:cNvPr id="2" name="Title 1">
             <a:extLst>
               <a:ext uri="{FF2B5EF4-FFF2-40B4-BE49-F238E27FC236}">
-                <a16:creationId xmlns="" xmlns:a16="http://schemas.microsoft.com/office/drawing/2014/main" id="{EA328239-2241-4831-866C-EA83F1B54D61}"/>
+                <a16:creationId xmlns:a16="http://schemas.microsoft.com/office/drawing/2014/main" xmlns="" id="{EA328239-2241-4831-866C-EA83F1B54D61}"/>
               </a:ext>
             </a:extLst>
           </p:cNvPr>
@@ -14925,7 +15710,7 @@
           <p:cNvPr id="3" name="Vertical Text Placeholder 2">
             <a:extLst>
               <a:ext uri="{FF2B5EF4-FFF2-40B4-BE49-F238E27FC236}">
-                <a16:creationId xmlns="" xmlns:a16="http://schemas.microsoft.com/office/drawing/2014/main" id="{466159E1-CEE5-4E14-88EB-14DB37719820}"/>
+                <a16:creationId xmlns:a16="http://schemas.microsoft.com/office/drawing/2014/main" xmlns="" id="{466159E1-CEE5-4E14-88EB-14DB37719820}"/>
               </a:ext>
             </a:extLst>
           </p:cNvPr>
@@ -14987,7 +15772,7 @@
           <p:cNvPr id="4" name="Date Placeholder 3">
             <a:extLst>
               <a:ext uri="{FF2B5EF4-FFF2-40B4-BE49-F238E27FC236}">
-                <a16:creationId xmlns="" xmlns:a16="http://schemas.microsoft.com/office/drawing/2014/main" id="{E28F0FF5-C01D-44CA-9088-D8C0E875D900}"/>
+                <a16:creationId xmlns:a16="http://schemas.microsoft.com/office/drawing/2014/main" xmlns="" id="{E28F0FF5-C01D-44CA-9088-D8C0E875D900}"/>
               </a:ext>
             </a:extLst>
           </p:cNvPr>
@@ -15018,7 +15803,7 @@
           <p:cNvPr id="5" name="Footer Placeholder 4">
             <a:extLst>
               <a:ext uri="{FF2B5EF4-FFF2-40B4-BE49-F238E27FC236}">
-                <a16:creationId xmlns="" xmlns:a16="http://schemas.microsoft.com/office/drawing/2014/main" id="{419C5C47-653E-4E49-8157-157B7CFF810F}"/>
+                <a16:creationId xmlns:a16="http://schemas.microsoft.com/office/drawing/2014/main" xmlns="" id="{419C5C47-653E-4E49-8157-157B7CFF810F}"/>
               </a:ext>
             </a:extLst>
           </p:cNvPr>
@@ -15049,7 +15834,7 @@
           <p:cNvPr id="6" name="Slide Number Placeholder 5">
             <a:extLst>
               <a:ext uri="{FF2B5EF4-FFF2-40B4-BE49-F238E27FC236}">
-                <a16:creationId xmlns="" xmlns:a16="http://schemas.microsoft.com/office/drawing/2014/main" id="{9ECC09BD-A561-475B-9567-0E6474D31ACB}"/>
+                <a16:creationId xmlns:a16="http://schemas.microsoft.com/office/drawing/2014/main" xmlns="" id="{9ECC09BD-A561-475B-9567-0E6474D31ACB}"/>
               </a:ext>
             </a:extLst>
           </p:cNvPr>
@@ -15113,7 +15898,7 @@
           <p:cNvPr id="7" name="Picture 6">
             <a:extLst>
               <a:ext uri="{FF2B5EF4-FFF2-40B4-BE49-F238E27FC236}">
-                <a16:creationId xmlns="" xmlns:a16="http://schemas.microsoft.com/office/drawing/2014/main" id="{F3AD6E03-B083-423E-BDD5-A1684D6B8A57}"/>
+                <a16:creationId xmlns:a16="http://schemas.microsoft.com/office/drawing/2014/main" xmlns="" id="{F3AD6E03-B083-423E-BDD5-A1684D6B8A57}"/>
               </a:ext>
             </a:extLst>
           </p:cNvPr>
@@ -15147,7 +15932,7 @@
           <p:cNvPr id="2" name="Vertical Title 1">
             <a:extLst>
               <a:ext uri="{FF2B5EF4-FFF2-40B4-BE49-F238E27FC236}">
-                <a16:creationId xmlns="" xmlns:a16="http://schemas.microsoft.com/office/drawing/2014/main" id="{27236D0A-E539-4180-93A0-4C925A015A26}"/>
+                <a16:creationId xmlns:a16="http://schemas.microsoft.com/office/drawing/2014/main" xmlns="" id="{27236D0A-E539-4180-93A0-4C925A015A26}"/>
               </a:ext>
             </a:extLst>
           </p:cNvPr>
@@ -15180,7 +15965,7 @@
           <p:cNvPr id="3" name="Vertical Text Placeholder 2">
             <a:extLst>
               <a:ext uri="{FF2B5EF4-FFF2-40B4-BE49-F238E27FC236}">
-                <a16:creationId xmlns="" xmlns:a16="http://schemas.microsoft.com/office/drawing/2014/main" id="{B66AA6C1-333B-44E0-B307-984D77C1505E}"/>
+                <a16:creationId xmlns:a16="http://schemas.microsoft.com/office/drawing/2014/main" xmlns="" id="{B66AA6C1-333B-44E0-B307-984D77C1505E}"/>
               </a:ext>
             </a:extLst>
           </p:cNvPr>
@@ -15242,7 +16027,7 @@
           <p:cNvPr id="4" name="Date Placeholder 3">
             <a:extLst>
               <a:ext uri="{FF2B5EF4-FFF2-40B4-BE49-F238E27FC236}">
-                <a16:creationId xmlns="" xmlns:a16="http://schemas.microsoft.com/office/drawing/2014/main" id="{3036CC58-6B00-4F5B-BDF8-3A491C9A0FB7}"/>
+                <a16:creationId xmlns:a16="http://schemas.microsoft.com/office/drawing/2014/main" xmlns="" id="{3036CC58-6B00-4F5B-BDF8-3A491C9A0FB7}"/>
               </a:ext>
             </a:extLst>
           </p:cNvPr>
@@ -15273,7 +16058,7 @@
           <p:cNvPr id="5" name="Footer Placeholder 4">
             <a:extLst>
               <a:ext uri="{FF2B5EF4-FFF2-40B4-BE49-F238E27FC236}">
-                <a16:creationId xmlns="" xmlns:a16="http://schemas.microsoft.com/office/drawing/2014/main" id="{01CD67D2-629C-4CFE-9C92-93A1F092D460}"/>
+                <a16:creationId xmlns:a16="http://schemas.microsoft.com/office/drawing/2014/main" xmlns="" id="{01CD67D2-629C-4CFE-9C92-93A1F092D460}"/>
               </a:ext>
             </a:extLst>
           </p:cNvPr>
@@ -15304,7 +16089,7 @@
           <p:cNvPr id="6" name="Slide Number Placeholder 5">
             <a:extLst>
               <a:ext uri="{FF2B5EF4-FFF2-40B4-BE49-F238E27FC236}">
-                <a16:creationId xmlns="" xmlns:a16="http://schemas.microsoft.com/office/drawing/2014/main" id="{EC7634F9-EFA3-488B-B0FA-CB558DFDE91F}"/>
+                <a16:creationId xmlns:a16="http://schemas.microsoft.com/office/drawing/2014/main" xmlns="" id="{EC7634F9-EFA3-488B-B0FA-CB558DFDE91F}"/>
               </a:ext>
             </a:extLst>
           </p:cNvPr>
@@ -15368,7 +16153,7 @@
           <p:cNvPr id="2" name="Title 1">
             <a:extLst>
               <a:ext uri="{FF2B5EF4-FFF2-40B4-BE49-F238E27FC236}">
-                <a16:creationId xmlns="" xmlns:a16="http://schemas.microsoft.com/office/drawing/2014/main" id="{246B1086-DDE6-4C8A-BBAD-0C785A3C5446}"/>
+                <a16:creationId xmlns:a16="http://schemas.microsoft.com/office/drawing/2014/main" xmlns="" id="{246B1086-DDE6-4C8A-BBAD-0C785A3C5446}"/>
               </a:ext>
             </a:extLst>
           </p:cNvPr>
@@ -15401,7 +16186,7 @@
           <p:cNvPr id="3" name="Content Placeholder 2">
             <a:extLst>
               <a:ext uri="{FF2B5EF4-FFF2-40B4-BE49-F238E27FC236}">
-                <a16:creationId xmlns="" xmlns:a16="http://schemas.microsoft.com/office/drawing/2014/main" id="{8C42076C-297C-48EF-BD20-590A6FBE4FAE}"/>
+                <a16:creationId xmlns:a16="http://schemas.microsoft.com/office/drawing/2014/main" xmlns="" id="{8C42076C-297C-48EF-BD20-590A6FBE4FAE}"/>
               </a:ext>
             </a:extLst>
           </p:cNvPr>
@@ -15463,7 +16248,7 @@
           <p:cNvPr id="4" name="Content Placeholder 3">
             <a:extLst>
               <a:ext uri="{FF2B5EF4-FFF2-40B4-BE49-F238E27FC236}">
-                <a16:creationId xmlns="" xmlns:a16="http://schemas.microsoft.com/office/drawing/2014/main" id="{7CB543E2-FF0A-4539-B8F9-5883622877F5}"/>
+                <a16:creationId xmlns:a16="http://schemas.microsoft.com/office/drawing/2014/main" xmlns="" id="{7CB543E2-FF0A-4539-B8F9-5883622877F5}"/>
               </a:ext>
             </a:extLst>
           </p:cNvPr>
@@ -15525,7 +16310,7 @@
           <p:cNvPr id="5" name="Date Placeholder 4">
             <a:extLst>
               <a:ext uri="{FF2B5EF4-FFF2-40B4-BE49-F238E27FC236}">
-                <a16:creationId xmlns="" xmlns:a16="http://schemas.microsoft.com/office/drawing/2014/main" id="{45E27223-2D1C-4260-BCCF-09BB81FC08F6}"/>
+                <a16:creationId xmlns:a16="http://schemas.microsoft.com/office/drawing/2014/main" xmlns="" id="{45E27223-2D1C-4260-BCCF-09BB81FC08F6}"/>
               </a:ext>
             </a:extLst>
           </p:cNvPr>
@@ -15556,7 +16341,7 @@
           <p:cNvPr id="6" name="Footer Placeholder 5">
             <a:extLst>
               <a:ext uri="{FF2B5EF4-FFF2-40B4-BE49-F238E27FC236}">
-                <a16:creationId xmlns="" xmlns:a16="http://schemas.microsoft.com/office/drawing/2014/main" id="{EB6C1748-60A9-4D0B-8D8A-75028DBA66C5}"/>
+                <a16:creationId xmlns:a16="http://schemas.microsoft.com/office/drawing/2014/main" xmlns="" id="{EB6C1748-60A9-4D0B-8D8A-75028DBA66C5}"/>
               </a:ext>
             </a:extLst>
           </p:cNvPr>
@@ -15587,7 +16372,7 @@
           <p:cNvPr id="7" name="Slide Number Placeholder 6">
             <a:extLst>
               <a:ext uri="{FF2B5EF4-FFF2-40B4-BE49-F238E27FC236}">
-                <a16:creationId xmlns="" xmlns:a16="http://schemas.microsoft.com/office/drawing/2014/main" id="{1EEEFE69-7027-4718-87BD-BC987E06A4E0}"/>
+                <a16:creationId xmlns:a16="http://schemas.microsoft.com/office/drawing/2014/main" xmlns="" id="{1EEEFE69-7027-4718-87BD-BC987E06A4E0}"/>
               </a:ext>
             </a:extLst>
           </p:cNvPr>
@@ -15651,7 +16436,7 @@
           <p:cNvPr id="2" name="Title 1">
             <a:extLst>
               <a:ext uri="{FF2B5EF4-FFF2-40B4-BE49-F238E27FC236}">
-                <a16:creationId xmlns="" xmlns:a16="http://schemas.microsoft.com/office/drawing/2014/main" id="{9BFE330F-41A5-4A05-8253-3045CB8CB61A}"/>
+                <a16:creationId xmlns:a16="http://schemas.microsoft.com/office/drawing/2014/main" xmlns="" id="{9BFE330F-41A5-4A05-8253-3045CB8CB61A}"/>
               </a:ext>
             </a:extLst>
           </p:cNvPr>
@@ -15684,7 +16469,7 @@
           <p:cNvPr id="3" name="Text Placeholder 2">
             <a:extLst>
               <a:ext uri="{FF2B5EF4-FFF2-40B4-BE49-F238E27FC236}">
-                <a16:creationId xmlns="" xmlns:a16="http://schemas.microsoft.com/office/drawing/2014/main" id="{5759991A-1421-4BC2-844E-BECAA79606BC}"/>
+                <a16:creationId xmlns:a16="http://schemas.microsoft.com/office/drawing/2014/main" xmlns="" id="{5759991A-1421-4BC2-844E-BECAA79606BC}"/>
               </a:ext>
             </a:extLst>
           </p:cNvPr>
@@ -15755,7 +16540,7 @@
           <p:cNvPr id="4" name="Content Placeholder 3">
             <a:extLst>
               <a:ext uri="{FF2B5EF4-FFF2-40B4-BE49-F238E27FC236}">
-                <a16:creationId xmlns="" xmlns:a16="http://schemas.microsoft.com/office/drawing/2014/main" id="{23BE8E34-3CE2-4C17-832C-0B4AE9C34F8A}"/>
+                <a16:creationId xmlns:a16="http://schemas.microsoft.com/office/drawing/2014/main" xmlns="" id="{23BE8E34-3CE2-4C17-832C-0B4AE9C34F8A}"/>
               </a:ext>
             </a:extLst>
           </p:cNvPr>
@@ -15817,7 +16602,7 @@
           <p:cNvPr id="5" name="Text Placeholder 4">
             <a:extLst>
               <a:ext uri="{FF2B5EF4-FFF2-40B4-BE49-F238E27FC236}">
-                <a16:creationId xmlns="" xmlns:a16="http://schemas.microsoft.com/office/drawing/2014/main" id="{130650CC-6422-4C86-A839-0905F7276D90}"/>
+                <a16:creationId xmlns:a16="http://schemas.microsoft.com/office/drawing/2014/main" xmlns="" id="{130650CC-6422-4C86-A839-0905F7276D90}"/>
               </a:ext>
             </a:extLst>
           </p:cNvPr>
@@ -15888,7 +16673,7 @@
           <p:cNvPr id="6" name="Content Placeholder 5">
             <a:extLst>
               <a:ext uri="{FF2B5EF4-FFF2-40B4-BE49-F238E27FC236}">
-                <a16:creationId xmlns="" xmlns:a16="http://schemas.microsoft.com/office/drawing/2014/main" id="{F627F254-A604-4C8F-99E7-8AA1342F195B}"/>
+                <a16:creationId xmlns:a16="http://schemas.microsoft.com/office/drawing/2014/main" xmlns="" id="{F627F254-A604-4C8F-99E7-8AA1342F195B}"/>
               </a:ext>
             </a:extLst>
           </p:cNvPr>
@@ -15950,7 +16735,7 @@
           <p:cNvPr id="7" name="Date Placeholder 6">
             <a:extLst>
               <a:ext uri="{FF2B5EF4-FFF2-40B4-BE49-F238E27FC236}">
-                <a16:creationId xmlns="" xmlns:a16="http://schemas.microsoft.com/office/drawing/2014/main" id="{6370F41D-AD08-43C7-B184-C729B1948A6B}"/>
+                <a16:creationId xmlns:a16="http://schemas.microsoft.com/office/drawing/2014/main" xmlns="" id="{6370F41D-AD08-43C7-B184-C729B1948A6B}"/>
               </a:ext>
             </a:extLst>
           </p:cNvPr>
@@ -15981,7 +16766,7 @@
           <p:cNvPr id="8" name="Footer Placeholder 7">
             <a:extLst>
               <a:ext uri="{FF2B5EF4-FFF2-40B4-BE49-F238E27FC236}">
-                <a16:creationId xmlns="" xmlns:a16="http://schemas.microsoft.com/office/drawing/2014/main" id="{831944EB-F2A1-44A7-92A2-B734240E3C07}"/>
+                <a16:creationId xmlns:a16="http://schemas.microsoft.com/office/drawing/2014/main" xmlns="" id="{831944EB-F2A1-44A7-92A2-B734240E3C07}"/>
               </a:ext>
             </a:extLst>
           </p:cNvPr>
@@ -16012,7 +16797,7 @@
           <p:cNvPr id="9" name="Slide Number Placeholder 8">
             <a:extLst>
               <a:ext uri="{FF2B5EF4-FFF2-40B4-BE49-F238E27FC236}">
-                <a16:creationId xmlns="" xmlns:a16="http://schemas.microsoft.com/office/drawing/2014/main" id="{4B63170B-59B5-4C6E-95A3-CB42FF07A12F}"/>
+                <a16:creationId xmlns:a16="http://schemas.microsoft.com/office/drawing/2014/main" xmlns="" id="{4B63170B-59B5-4C6E-95A3-CB42FF07A12F}"/>
               </a:ext>
             </a:extLst>
           </p:cNvPr>
@@ -16076,7 +16861,7 @@
           <p:cNvPr id="2" name="Title 1">
             <a:extLst>
               <a:ext uri="{FF2B5EF4-FFF2-40B4-BE49-F238E27FC236}">
-                <a16:creationId xmlns="" xmlns:a16="http://schemas.microsoft.com/office/drawing/2014/main" id="{B108A729-4AC6-41DA-A1A4-41141915EA42}"/>
+                <a16:creationId xmlns:a16="http://schemas.microsoft.com/office/drawing/2014/main" xmlns="" id="{B108A729-4AC6-41DA-A1A4-41141915EA42}"/>
               </a:ext>
             </a:extLst>
           </p:cNvPr>
@@ -16109,7 +16894,7 @@
           <p:cNvPr id="3" name="Date Placeholder 2">
             <a:extLst>
               <a:ext uri="{FF2B5EF4-FFF2-40B4-BE49-F238E27FC236}">
-                <a16:creationId xmlns="" xmlns:a16="http://schemas.microsoft.com/office/drawing/2014/main" id="{82FFC9BD-9610-45FE-A754-9B45594AA25E}"/>
+                <a16:creationId xmlns:a16="http://schemas.microsoft.com/office/drawing/2014/main" xmlns="" id="{82FFC9BD-9610-45FE-A754-9B45594AA25E}"/>
               </a:ext>
             </a:extLst>
           </p:cNvPr>
@@ -16140,7 +16925,7 @@
           <p:cNvPr id="4" name="Footer Placeholder 3">
             <a:extLst>
               <a:ext uri="{FF2B5EF4-FFF2-40B4-BE49-F238E27FC236}">
-                <a16:creationId xmlns="" xmlns:a16="http://schemas.microsoft.com/office/drawing/2014/main" id="{B3DDC843-BE6B-4047-953D-61F33AA9606C}"/>
+                <a16:creationId xmlns:a16="http://schemas.microsoft.com/office/drawing/2014/main" xmlns="" id="{B3DDC843-BE6B-4047-953D-61F33AA9606C}"/>
               </a:ext>
             </a:extLst>
           </p:cNvPr>
@@ -16171,7 +16956,7 @@
           <p:cNvPr id="5" name="Slide Number Placeholder 4">
             <a:extLst>
               <a:ext uri="{FF2B5EF4-FFF2-40B4-BE49-F238E27FC236}">
-                <a16:creationId xmlns="" xmlns:a16="http://schemas.microsoft.com/office/drawing/2014/main" id="{8B52B420-90A2-4D20-8BEE-AF965F77F1B1}"/>
+                <a16:creationId xmlns:a16="http://schemas.microsoft.com/office/drawing/2014/main" xmlns="" id="{8B52B420-90A2-4D20-8BEE-AF965F77F1B1}"/>
               </a:ext>
             </a:extLst>
           </p:cNvPr>
@@ -16235,7 +17020,7 @@
           <p:cNvPr id="2" name="Date Placeholder 1">
             <a:extLst>
               <a:ext uri="{FF2B5EF4-FFF2-40B4-BE49-F238E27FC236}">
-                <a16:creationId xmlns="" xmlns:a16="http://schemas.microsoft.com/office/drawing/2014/main" id="{C13A4C13-ED90-4699-A643-F055CACC44BE}"/>
+                <a16:creationId xmlns:a16="http://schemas.microsoft.com/office/drawing/2014/main" xmlns="" id="{C13A4C13-ED90-4699-A643-F055CACC44BE}"/>
               </a:ext>
             </a:extLst>
           </p:cNvPr>
@@ -16266,7 +17051,7 @@
           <p:cNvPr id="3" name="Footer Placeholder 2">
             <a:extLst>
               <a:ext uri="{FF2B5EF4-FFF2-40B4-BE49-F238E27FC236}">
-                <a16:creationId xmlns="" xmlns:a16="http://schemas.microsoft.com/office/drawing/2014/main" id="{29E7308A-4B58-4D79-9F2E-B4E1AE51A4F6}"/>
+                <a16:creationId xmlns:a16="http://schemas.microsoft.com/office/drawing/2014/main" xmlns="" id="{29E7308A-4B58-4D79-9F2E-B4E1AE51A4F6}"/>
               </a:ext>
             </a:extLst>
           </p:cNvPr>
@@ -16297,7 +17082,7 @@
           <p:cNvPr id="4" name="Slide Number Placeholder 3">
             <a:extLst>
               <a:ext uri="{FF2B5EF4-FFF2-40B4-BE49-F238E27FC236}">
-                <a16:creationId xmlns="" xmlns:a16="http://schemas.microsoft.com/office/drawing/2014/main" id="{17565881-5DFA-4E0D-AB3E-098DA3992D72}"/>
+                <a16:creationId xmlns:a16="http://schemas.microsoft.com/office/drawing/2014/main" xmlns="" id="{17565881-5DFA-4E0D-AB3E-098DA3992D72}"/>
               </a:ext>
             </a:extLst>
           </p:cNvPr>
@@ -16362,7 +17147,7 @@
           <p:cNvPr id="2" name="Title 1">
             <a:extLst>
               <a:ext uri="{FF2B5EF4-FFF2-40B4-BE49-F238E27FC236}">
-                <a16:creationId xmlns="" xmlns:a16="http://schemas.microsoft.com/office/drawing/2014/main" id="{0FFD5230-5593-4CC8-BFE2-7CC8269D9C05}"/>
+                <a16:creationId xmlns:a16="http://schemas.microsoft.com/office/drawing/2014/main" xmlns="" id="{0FFD5230-5593-4CC8-BFE2-7CC8269D9C05}"/>
               </a:ext>
             </a:extLst>
           </p:cNvPr>
@@ -16399,7 +17184,7 @@
           <p:cNvPr id="3" name="Content Placeholder 2">
             <a:extLst>
               <a:ext uri="{FF2B5EF4-FFF2-40B4-BE49-F238E27FC236}">
-                <a16:creationId xmlns="" xmlns:a16="http://schemas.microsoft.com/office/drawing/2014/main" id="{3FAA6B05-19C8-42D7-88F7-4FBABA99CAA6}"/>
+                <a16:creationId xmlns:a16="http://schemas.microsoft.com/office/drawing/2014/main" xmlns="" id="{3FAA6B05-19C8-42D7-88F7-4FBABA99CAA6}"/>
               </a:ext>
             </a:extLst>
           </p:cNvPr>
@@ -16489,7 +17274,7 @@
           <p:cNvPr id="4" name="Text Placeholder 3">
             <a:extLst>
               <a:ext uri="{FF2B5EF4-FFF2-40B4-BE49-F238E27FC236}">
-                <a16:creationId xmlns="" xmlns:a16="http://schemas.microsoft.com/office/drawing/2014/main" id="{D782D4D1-CAE0-44B2-A465-567FD4623DCD}"/>
+                <a16:creationId xmlns:a16="http://schemas.microsoft.com/office/drawing/2014/main" xmlns="" id="{D782D4D1-CAE0-44B2-A465-567FD4623DCD}"/>
               </a:ext>
             </a:extLst>
           </p:cNvPr>
@@ -16560,7 +17345,7 @@
           <p:cNvPr id="5" name="Date Placeholder 4">
             <a:extLst>
               <a:ext uri="{FF2B5EF4-FFF2-40B4-BE49-F238E27FC236}">
-                <a16:creationId xmlns="" xmlns:a16="http://schemas.microsoft.com/office/drawing/2014/main" id="{7CD57D08-8B48-4B86-952C-AA9D8EC24FA4}"/>
+                <a16:creationId xmlns:a16="http://schemas.microsoft.com/office/drawing/2014/main" xmlns="" id="{7CD57D08-8B48-4B86-952C-AA9D8EC24FA4}"/>
               </a:ext>
             </a:extLst>
           </p:cNvPr>
@@ -16591,7 +17376,7 @@
           <p:cNvPr id="6" name="Footer Placeholder 5">
             <a:extLst>
               <a:ext uri="{FF2B5EF4-FFF2-40B4-BE49-F238E27FC236}">
-                <a16:creationId xmlns="" xmlns:a16="http://schemas.microsoft.com/office/drawing/2014/main" id="{77C7DCA3-F49C-450B-9325-72B4E426CDE8}"/>
+                <a16:creationId xmlns:a16="http://schemas.microsoft.com/office/drawing/2014/main" xmlns="" id="{77C7DCA3-F49C-450B-9325-72B4E426CDE8}"/>
               </a:ext>
             </a:extLst>
           </p:cNvPr>
@@ -16622,7 +17407,7 @@
           <p:cNvPr id="7" name="Slide Number Placeholder 6">
             <a:extLst>
               <a:ext uri="{FF2B5EF4-FFF2-40B4-BE49-F238E27FC236}">
-                <a16:creationId xmlns="" xmlns:a16="http://schemas.microsoft.com/office/drawing/2014/main" id="{09FD0020-CDA0-459B-A9F3-BC2275E11966}"/>
+                <a16:creationId xmlns:a16="http://schemas.microsoft.com/office/drawing/2014/main" xmlns="" id="{09FD0020-CDA0-459B-A9F3-BC2275E11966}"/>
               </a:ext>
             </a:extLst>
           </p:cNvPr>
@@ -16686,7 +17471,7 @@
           <p:cNvPr id="2" name="Title 1">
             <a:extLst>
               <a:ext uri="{FF2B5EF4-FFF2-40B4-BE49-F238E27FC236}">
-                <a16:creationId xmlns="" xmlns:a16="http://schemas.microsoft.com/office/drawing/2014/main" id="{E545C0AE-64E7-488A-BF32-EEF63A49B868}"/>
+                <a16:creationId xmlns:a16="http://schemas.microsoft.com/office/drawing/2014/main" xmlns="" id="{E545C0AE-64E7-488A-BF32-EEF63A49B868}"/>
               </a:ext>
             </a:extLst>
           </p:cNvPr>
@@ -16723,7 +17508,7 @@
           <p:cNvPr id="3" name="Picture Placeholder 2">
             <a:extLst>
               <a:ext uri="{FF2B5EF4-FFF2-40B4-BE49-F238E27FC236}">
-                <a16:creationId xmlns="" xmlns:a16="http://schemas.microsoft.com/office/drawing/2014/main" id="{AA8DB8E9-6E9D-49D3-8F97-60050E0AD2A9}"/>
+                <a16:creationId xmlns:a16="http://schemas.microsoft.com/office/drawing/2014/main" xmlns="" id="{AA8DB8E9-6E9D-49D3-8F97-60050E0AD2A9}"/>
               </a:ext>
             </a:extLst>
           </p:cNvPr>
@@ -16790,7 +17575,7 @@
           <p:cNvPr id="4" name="Text Placeholder 3">
             <a:extLst>
               <a:ext uri="{FF2B5EF4-FFF2-40B4-BE49-F238E27FC236}">
-                <a16:creationId xmlns="" xmlns:a16="http://schemas.microsoft.com/office/drawing/2014/main" id="{B3A27F7C-6DED-461D-BBE6-99AB1D38DD94}"/>
+                <a16:creationId xmlns:a16="http://schemas.microsoft.com/office/drawing/2014/main" xmlns="" id="{B3A27F7C-6DED-461D-BBE6-99AB1D38DD94}"/>
               </a:ext>
             </a:extLst>
           </p:cNvPr>
@@ -16861,7 +17646,7 @@
           <p:cNvPr id="5" name="Date Placeholder 4">
             <a:extLst>
               <a:ext uri="{FF2B5EF4-FFF2-40B4-BE49-F238E27FC236}">
-                <a16:creationId xmlns="" xmlns:a16="http://schemas.microsoft.com/office/drawing/2014/main" id="{29DDA051-47D1-4B8E-BFE2-E27CCFCC843F}"/>
+                <a16:creationId xmlns:a16="http://schemas.microsoft.com/office/drawing/2014/main" xmlns="" id="{29DDA051-47D1-4B8E-BFE2-E27CCFCC843F}"/>
               </a:ext>
             </a:extLst>
           </p:cNvPr>
@@ -16892,7 +17677,7 @@
           <p:cNvPr id="6" name="Footer Placeholder 5">
             <a:extLst>
               <a:ext uri="{FF2B5EF4-FFF2-40B4-BE49-F238E27FC236}">
-                <a16:creationId xmlns="" xmlns:a16="http://schemas.microsoft.com/office/drawing/2014/main" id="{882F96F9-4EC6-4133-B40A-BA853EF4AB1A}"/>
+                <a16:creationId xmlns:a16="http://schemas.microsoft.com/office/drawing/2014/main" xmlns="" id="{882F96F9-4EC6-4133-B40A-BA853EF4AB1A}"/>
               </a:ext>
             </a:extLst>
           </p:cNvPr>
@@ -16923,7 +17708,7 @@
           <p:cNvPr id="7" name="Slide Number Placeholder 6">
             <a:extLst>
               <a:ext uri="{FF2B5EF4-FFF2-40B4-BE49-F238E27FC236}">
-                <a16:creationId xmlns="" xmlns:a16="http://schemas.microsoft.com/office/drawing/2014/main" id="{9B094BDC-13CB-4F01-B2DA-7BFFC6EF7EF3}"/>
+                <a16:creationId xmlns:a16="http://schemas.microsoft.com/office/drawing/2014/main" xmlns="" id="{9B094BDC-13CB-4F01-B2DA-7BFFC6EF7EF3}"/>
               </a:ext>
             </a:extLst>
           </p:cNvPr>
@@ -16998,7 +17783,7 @@
           <p:cNvPr id="2" name="Title Placeholder 1">
             <a:extLst>
               <a:ext uri="{FF2B5EF4-FFF2-40B4-BE49-F238E27FC236}">
-                <a16:creationId xmlns="" xmlns:a16="http://schemas.microsoft.com/office/drawing/2014/main" id="{1A81323B-1211-4B6E-8C44-0AD71EE29030}"/>
+                <a16:creationId xmlns:a16="http://schemas.microsoft.com/office/drawing/2014/main" xmlns="" id="{1A81323B-1211-4B6E-8C44-0AD71EE29030}"/>
               </a:ext>
             </a:extLst>
           </p:cNvPr>
@@ -17035,7 +17820,7 @@
           <p:cNvPr id="3" name="Text Placeholder 2">
             <a:extLst>
               <a:ext uri="{FF2B5EF4-FFF2-40B4-BE49-F238E27FC236}">
-                <a16:creationId xmlns="" xmlns:a16="http://schemas.microsoft.com/office/drawing/2014/main" id="{287A1EA6-1FA0-4BDC-AC76-1250D299B7BC}"/>
+                <a16:creationId xmlns:a16="http://schemas.microsoft.com/office/drawing/2014/main" xmlns="" id="{287A1EA6-1FA0-4BDC-AC76-1250D299B7BC}"/>
               </a:ext>
             </a:extLst>
           </p:cNvPr>
@@ -17106,7 +17891,7 @@
           <p:cNvPr id="4" name="Date Placeholder 3">
             <a:extLst>
               <a:ext uri="{FF2B5EF4-FFF2-40B4-BE49-F238E27FC236}">
-                <a16:creationId xmlns="" xmlns:a16="http://schemas.microsoft.com/office/drawing/2014/main" id="{277EC6A5-9649-46E8-889F-79614C28D7A3}"/>
+                <a16:creationId xmlns:a16="http://schemas.microsoft.com/office/drawing/2014/main" xmlns="" id="{277EC6A5-9649-46E8-889F-79614C28D7A3}"/>
               </a:ext>
             </a:extLst>
           </p:cNvPr>
@@ -17156,7 +17941,7 @@
           <p:cNvPr id="5" name="Footer Placeholder 4">
             <a:extLst>
               <a:ext uri="{FF2B5EF4-FFF2-40B4-BE49-F238E27FC236}">
-                <a16:creationId xmlns="" xmlns:a16="http://schemas.microsoft.com/office/drawing/2014/main" id="{BD65BC8D-F347-4347-BA49-1731E27CE5EE}"/>
+                <a16:creationId xmlns:a16="http://schemas.microsoft.com/office/drawing/2014/main" xmlns="" id="{BD65BC8D-F347-4347-BA49-1731E27CE5EE}"/>
               </a:ext>
             </a:extLst>
           </p:cNvPr>
@@ -17206,7 +17991,7 @@
           <p:cNvPr id="6" name="Slide Number Placeholder 5">
             <a:extLst>
               <a:ext uri="{FF2B5EF4-FFF2-40B4-BE49-F238E27FC236}">
-                <a16:creationId xmlns="" xmlns:a16="http://schemas.microsoft.com/office/drawing/2014/main" id="{1DE10B60-1C4C-4811-A2C4-8ACAB11A9EFD}"/>
+                <a16:creationId xmlns:a16="http://schemas.microsoft.com/office/drawing/2014/main" xmlns="" id="{1DE10B60-1C4C-4811-A2C4-8ACAB11A9EFD}"/>
               </a:ext>
             </a:extLst>
           </p:cNvPr>
@@ -17581,7 +18366,7 @@
           <p:cNvPr id="2" name="Title Placeholder 1">
             <a:extLst>
               <a:ext uri="{FF2B5EF4-FFF2-40B4-BE49-F238E27FC236}">
-                <a16:creationId xmlns="" xmlns:a16="http://schemas.microsoft.com/office/drawing/2014/main" id="{D5304F56-3925-4298-A028-EB8758F7A0CA}"/>
+                <a16:creationId xmlns:a16="http://schemas.microsoft.com/office/drawing/2014/main" xmlns="" id="{D5304F56-3925-4298-A028-EB8758F7A0CA}"/>
               </a:ext>
             </a:extLst>
           </p:cNvPr>
@@ -17622,7 +18407,7 @@
           <p:cNvPr id="3" name="Text Placeholder 2">
             <a:extLst>
               <a:ext uri="{FF2B5EF4-FFF2-40B4-BE49-F238E27FC236}">
-                <a16:creationId xmlns="" xmlns:a16="http://schemas.microsoft.com/office/drawing/2014/main" id="{5DE22119-DB84-4B23-9121-EC9EF503B463}"/>
+                <a16:creationId xmlns:a16="http://schemas.microsoft.com/office/drawing/2014/main" xmlns="" id="{5DE22119-DB84-4B23-9121-EC9EF503B463}"/>
               </a:ext>
             </a:extLst>
           </p:cNvPr>
@@ -17697,7 +18482,7 @@
           <p:cNvPr id="4" name="Date Placeholder 3">
             <a:extLst>
               <a:ext uri="{FF2B5EF4-FFF2-40B4-BE49-F238E27FC236}">
-                <a16:creationId xmlns="" xmlns:a16="http://schemas.microsoft.com/office/drawing/2014/main" id="{7DA991A2-E99B-4E34-9A29-DEE3F3B506C5}"/>
+                <a16:creationId xmlns:a16="http://schemas.microsoft.com/office/drawing/2014/main" xmlns="" id="{7DA991A2-E99B-4E34-9A29-DEE3F3B506C5}"/>
               </a:ext>
             </a:extLst>
           </p:cNvPr>
@@ -17747,7 +18532,7 @@
           <p:cNvPr id="5" name="Footer Placeholder 4">
             <a:extLst>
               <a:ext uri="{FF2B5EF4-FFF2-40B4-BE49-F238E27FC236}">
-                <a16:creationId xmlns="" xmlns:a16="http://schemas.microsoft.com/office/drawing/2014/main" id="{C21FDA73-3C14-4098-8FE0-902728697E2A}"/>
+                <a16:creationId xmlns:a16="http://schemas.microsoft.com/office/drawing/2014/main" xmlns="" id="{C21FDA73-3C14-4098-8FE0-902728697E2A}"/>
               </a:ext>
             </a:extLst>
           </p:cNvPr>
@@ -17797,7 +18582,7 @@
           <p:cNvPr id="6" name="Slide Number Placeholder 5">
             <a:extLst>
               <a:ext uri="{FF2B5EF4-FFF2-40B4-BE49-F238E27FC236}">
-                <a16:creationId xmlns="" xmlns:a16="http://schemas.microsoft.com/office/drawing/2014/main" id="{741D3625-C7A2-4AF1-83C5-C69783B9FFD2}"/>
+                <a16:creationId xmlns:a16="http://schemas.microsoft.com/office/drawing/2014/main" xmlns="" id="{741D3625-C7A2-4AF1-83C5-C69783B9FFD2}"/>
               </a:ext>
             </a:extLst>
           </p:cNvPr>
@@ -18161,7 +18946,7 @@
           <p:cNvPr id="2" name="Picture 1">
             <a:extLst>
               <a:ext uri="{FF2B5EF4-FFF2-40B4-BE49-F238E27FC236}">
-                <a16:creationId xmlns="" xmlns:a16="http://schemas.microsoft.com/office/drawing/2014/main" id="{6B11D55F-D22C-47F1-BC71-01C09B193D8E}"/>
+                <a16:creationId xmlns:a16="http://schemas.microsoft.com/office/drawing/2014/main" xmlns="" id="{6B11D55F-D22C-47F1-BC71-01C09B193D8E}"/>
               </a:ext>
             </a:extLst>
           </p:cNvPr>
@@ -18195,7 +18980,7 @@
           <p:cNvPr id="3" name="Title Placeholder 2">
             <a:extLst>
               <a:ext uri="{FF2B5EF4-FFF2-40B4-BE49-F238E27FC236}">
-                <a16:creationId xmlns="" xmlns:a16="http://schemas.microsoft.com/office/drawing/2014/main" id="{FE785E35-49D0-435A-8F63-C06C337BFB3A}"/>
+                <a16:creationId xmlns:a16="http://schemas.microsoft.com/office/drawing/2014/main" xmlns="" id="{FE785E35-49D0-435A-8F63-C06C337BFB3A}"/>
               </a:ext>
             </a:extLst>
           </p:cNvPr>
@@ -18232,7 +19017,7 @@
           <p:cNvPr id="4" name="Text Placeholder 3">
             <a:extLst>
               <a:ext uri="{FF2B5EF4-FFF2-40B4-BE49-F238E27FC236}">
-                <a16:creationId xmlns="" xmlns:a16="http://schemas.microsoft.com/office/drawing/2014/main" id="{8E93E52B-5379-43D0-8E07-C11776D1B036}"/>
+                <a16:creationId xmlns:a16="http://schemas.microsoft.com/office/drawing/2014/main" xmlns="" id="{8E93E52B-5379-43D0-8E07-C11776D1B036}"/>
               </a:ext>
             </a:extLst>
           </p:cNvPr>
@@ -18303,7 +19088,7 @@
           <p:cNvPr id="5" name="Date Placeholder 4">
             <a:extLst>
               <a:ext uri="{FF2B5EF4-FFF2-40B4-BE49-F238E27FC236}">
-                <a16:creationId xmlns="" xmlns:a16="http://schemas.microsoft.com/office/drawing/2014/main" id="{4D687948-509A-4ACD-B126-C17285F25F9E}"/>
+                <a16:creationId xmlns:a16="http://schemas.microsoft.com/office/drawing/2014/main" xmlns="" id="{4D687948-509A-4ACD-B126-C17285F25F9E}"/>
               </a:ext>
             </a:extLst>
           </p:cNvPr>
@@ -18353,7 +19138,7 @@
           <p:cNvPr id="6" name="Footer Placeholder 5">
             <a:extLst>
               <a:ext uri="{FF2B5EF4-FFF2-40B4-BE49-F238E27FC236}">
-                <a16:creationId xmlns="" xmlns:a16="http://schemas.microsoft.com/office/drawing/2014/main" id="{2519D1F6-5AF7-44D0-8EB7-CB17C3788086}"/>
+                <a16:creationId xmlns:a16="http://schemas.microsoft.com/office/drawing/2014/main" xmlns="" id="{2519D1F6-5AF7-44D0-8EB7-CB17C3788086}"/>
               </a:ext>
             </a:extLst>
           </p:cNvPr>
@@ -18403,7 +19188,7 @@
           <p:cNvPr id="7" name="Slide Number Placeholder 6">
             <a:extLst>
               <a:ext uri="{FF2B5EF4-FFF2-40B4-BE49-F238E27FC236}">
-                <a16:creationId xmlns="" xmlns:a16="http://schemas.microsoft.com/office/drawing/2014/main" id="{C828088E-BA15-4ADF-B1C7-438053148C10}"/>
+                <a16:creationId xmlns:a16="http://schemas.microsoft.com/office/drawing/2014/main" xmlns="" id="{C828088E-BA15-4ADF-B1C7-438053148C10}"/>
               </a:ext>
             </a:extLst>
           </p:cNvPr>
@@ -18761,7 +19546,7 @@
           <p:cNvPr id="2" name="Title 1">
             <a:extLst>
               <a:ext uri="{FF2B5EF4-FFF2-40B4-BE49-F238E27FC236}">
-                <a16:creationId xmlns="" xmlns:a16="http://schemas.microsoft.com/office/drawing/2014/main" id="{69F9AA27-566E-4147-861D-E2EC5D081802}"/>
+                <a16:creationId xmlns:a16="http://schemas.microsoft.com/office/drawing/2014/main" xmlns="" id="{69F9AA27-566E-4147-861D-E2EC5D081802}"/>
               </a:ext>
             </a:extLst>
           </p:cNvPr>
@@ -18797,7 +19582,7 @@
           <p:cNvPr id="3" name="Subtitle 2">
             <a:extLst>
               <a:ext uri="{FF2B5EF4-FFF2-40B4-BE49-F238E27FC236}">
-                <a16:creationId xmlns="" xmlns:a16="http://schemas.microsoft.com/office/drawing/2014/main" id="{E1964D98-35C7-49A5-A76E-A6198DD2DF40}"/>
+                <a16:creationId xmlns:a16="http://schemas.microsoft.com/office/drawing/2014/main" xmlns="" id="{E1964D98-35C7-49A5-A76E-A6198DD2DF40}"/>
               </a:ext>
             </a:extLst>
           </p:cNvPr>
@@ -18893,7 +19678,7 @@
           <p:cNvPr id="3" name="Text Placeholder 2">
             <a:extLst>
               <a:ext uri="{FF2B5EF4-FFF2-40B4-BE49-F238E27FC236}">
-                <a16:creationId xmlns="" xmlns:a16="http://schemas.microsoft.com/office/drawing/2014/main" id="{E9E23FE0-F010-4729-B61F-4F0201525312}"/>
+                <a16:creationId xmlns:a16="http://schemas.microsoft.com/office/drawing/2014/main" xmlns="" id="{E9E23FE0-F010-4729-B61F-4F0201525312}"/>
               </a:ext>
             </a:extLst>
           </p:cNvPr>
@@ -19099,7 +19884,7 @@
           <p:cNvPr id="4" name="Title 1">
             <a:extLst>
               <a:ext uri="{FF2B5EF4-FFF2-40B4-BE49-F238E27FC236}">
-                <a16:creationId xmlns="" xmlns:a16="http://schemas.microsoft.com/office/drawing/2014/main" id="{2A0F239D-C455-4042-9AF8-FE186A9CA58C}"/>
+                <a16:creationId xmlns:a16="http://schemas.microsoft.com/office/drawing/2014/main" xmlns="" id="{2A0F239D-C455-4042-9AF8-FE186A9CA58C}"/>
               </a:ext>
             </a:extLst>
           </p:cNvPr>
@@ -19189,7 +19974,7 @@
           <p:cNvPr id="3" name="Text Placeholder 2">
             <a:extLst>
               <a:ext uri="{FF2B5EF4-FFF2-40B4-BE49-F238E27FC236}">
-                <a16:creationId xmlns="" xmlns:a16="http://schemas.microsoft.com/office/drawing/2014/main" id="{111270D4-1385-4775-B737-EBD4804754F3}"/>
+                <a16:creationId xmlns:a16="http://schemas.microsoft.com/office/drawing/2014/main" xmlns="" id="{111270D4-1385-4775-B737-EBD4804754F3}"/>
               </a:ext>
             </a:extLst>
           </p:cNvPr>
@@ -19256,7 +20041,7 @@
           <p:cNvPr id="4" name="Table 3">
             <a:extLst>
               <a:ext uri="{FF2B5EF4-FFF2-40B4-BE49-F238E27FC236}">
-                <a16:creationId xmlns="" xmlns:a16="http://schemas.microsoft.com/office/drawing/2014/main" id="{9B537E87-A898-403E-8163-57E281D49971}"/>
+                <a16:creationId xmlns:a16="http://schemas.microsoft.com/office/drawing/2014/main" xmlns="" id="{9B537E87-A898-403E-8163-57E281D49971}"/>
               </a:ext>
             </a:extLst>
           </p:cNvPr>
@@ -19283,35 +20068,35 @@
                 <a:gridCol w="3102837">
                   <a:extLst>
                     <a:ext uri="{9D8B030D-6E8A-4147-A177-3AD203B41FA5}">
-                      <a16:colId xmlns="" xmlns:a16="http://schemas.microsoft.com/office/drawing/2014/main" val="3050131397"/>
+                      <a16:colId xmlns:a16="http://schemas.microsoft.com/office/drawing/2014/main" xmlns="" val="3050131397"/>
                     </a:ext>
                   </a:extLst>
                 </a:gridCol>
                 <a:gridCol w="1296955">
                   <a:extLst>
                     <a:ext uri="{9D8B030D-6E8A-4147-A177-3AD203B41FA5}">
-                      <a16:colId xmlns="" xmlns:a16="http://schemas.microsoft.com/office/drawing/2014/main" val="1672929433"/>
+                      <a16:colId xmlns:a16="http://schemas.microsoft.com/office/drawing/2014/main" xmlns="" val="1672929433"/>
                     </a:ext>
                   </a:extLst>
                 </a:gridCol>
                 <a:gridCol w="1912775">
                   <a:extLst>
                     <a:ext uri="{9D8B030D-6E8A-4147-A177-3AD203B41FA5}">
-                      <a16:colId xmlns="" xmlns:a16="http://schemas.microsoft.com/office/drawing/2014/main" val="2266684128"/>
+                      <a16:colId xmlns:a16="http://schemas.microsoft.com/office/drawing/2014/main" xmlns="" val="2266684128"/>
                     </a:ext>
                   </a:extLst>
                 </a:gridCol>
                 <a:gridCol w="2258008">
                   <a:extLst>
                     <a:ext uri="{9D8B030D-6E8A-4147-A177-3AD203B41FA5}">
-                      <a16:colId xmlns="" xmlns:a16="http://schemas.microsoft.com/office/drawing/2014/main" val="3662552622"/>
+                      <a16:colId xmlns:a16="http://schemas.microsoft.com/office/drawing/2014/main" xmlns="" val="3662552622"/>
                     </a:ext>
                   </a:extLst>
                 </a:gridCol>
                 <a:gridCol w="1464907">
                   <a:extLst>
                     <a:ext uri="{9D8B030D-6E8A-4147-A177-3AD203B41FA5}">
-                      <a16:colId xmlns="" xmlns:a16="http://schemas.microsoft.com/office/drawing/2014/main" val="1823914409"/>
+                      <a16:colId xmlns:a16="http://schemas.microsoft.com/office/drawing/2014/main" xmlns="" val="1823914409"/>
                     </a:ext>
                   </a:extLst>
                 </a:gridCol>
@@ -19536,7 +20321,7 @@
                 </a:tc>
                 <a:extLst>
                   <a:ext uri="{0D108BD9-81ED-4DB2-BD59-A6C34878D82A}">
-                    <a16:rowId xmlns="" xmlns:a16="http://schemas.microsoft.com/office/drawing/2014/main" val="911737945"/>
+                    <a16:rowId xmlns:a16="http://schemas.microsoft.com/office/drawing/2014/main" xmlns="" val="911737945"/>
                   </a:ext>
                 </a:extLst>
               </a:tr>
@@ -19743,7 +20528,7 @@
                 </a:tc>
                 <a:extLst>
                   <a:ext uri="{0D108BD9-81ED-4DB2-BD59-A6C34878D82A}">
-                    <a16:rowId xmlns="" xmlns:a16="http://schemas.microsoft.com/office/drawing/2014/main" val="2816115913"/>
+                    <a16:rowId xmlns:a16="http://schemas.microsoft.com/office/drawing/2014/main" xmlns="" val="2816115913"/>
                   </a:ext>
                 </a:extLst>
               </a:tr>
@@ -19969,7 +20754,7 @@
                 </a:tc>
                 <a:extLst>
                   <a:ext uri="{0D108BD9-81ED-4DB2-BD59-A6C34878D82A}">
-                    <a16:rowId xmlns="" xmlns:a16="http://schemas.microsoft.com/office/drawing/2014/main" val="4096431792"/>
+                    <a16:rowId xmlns:a16="http://schemas.microsoft.com/office/drawing/2014/main" xmlns="" val="4096431792"/>
                   </a:ext>
                 </a:extLst>
               </a:tr>
@@ -20176,7 +20961,7 @@
                 </a:tc>
                 <a:extLst>
                   <a:ext uri="{0D108BD9-81ED-4DB2-BD59-A6C34878D82A}">
-                    <a16:rowId xmlns="" xmlns:a16="http://schemas.microsoft.com/office/drawing/2014/main" val="1934113320"/>
+                    <a16:rowId xmlns:a16="http://schemas.microsoft.com/office/drawing/2014/main" xmlns="" val="1934113320"/>
                   </a:ext>
                 </a:extLst>
               </a:tr>
@@ -20383,7 +21168,7 @@
                 </a:tc>
                 <a:extLst>
                   <a:ext uri="{0D108BD9-81ED-4DB2-BD59-A6C34878D82A}">
-                    <a16:rowId xmlns="" xmlns:a16="http://schemas.microsoft.com/office/drawing/2014/main" val="431669989"/>
+                    <a16:rowId xmlns:a16="http://schemas.microsoft.com/office/drawing/2014/main" xmlns="" val="431669989"/>
                   </a:ext>
                 </a:extLst>
               </a:tr>
@@ -20627,7 +21412,7 @@
                 </a:tc>
                 <a:extLst>
                   <a:ext uri="{0D108BD9-81ED-4DB2-BD59-A6C34878D82A}">
-                    <a16:rowId xmlns="" xmlns:a16="http://schemas.microsoft.com/office/drawing/2014/main" val="3793978535"/>
+                    <a16:rowId xmlns:a16="http://schemas.microsoft.com/office/drawing/2014/main" xmlns="" val="3793978535"/>
                   </a:ext>
                 </a:extLst>
               </a:tr>
@@ -20860,7 +21645,7 @@
                 </a:tc>
                 <a:extLst>
                   <a:ext uri="{0D108BD9-81ED-4DB2-BD59-A6C34878D82A}">
-                    <a16:rowId xmlns="" xmlns:a16="http://schemas.microsoft.com/office/drawing/2014/main" val="3659130236"/>
+                    <a16:rowId xmlns:a16="http://schemas.microsoft.com/office/drawing/2014/main" xmlns="" val="3659130236"/>
                   </a:ext>
                 </a:extLst>
               </a:tr>
@@ -21067,7 +21852,7 @@
                 </a:tc>
                 <a:extLst>
                   <a:ext uri="{0D108BD9-81ED-4DB2-BD59-A6C34878D82A}">
-                    <a16:rowId xmlns="" xmlns:a16="http://schemas.microsoft.com/office/drawing/2014/main" val="2033015906"/>
+                    <a16:rowId xmlns:a16="http://schemas.microsoft.com/office/drawing/2014/main" xmlns="" val="2033015906"/>
                   </a:ext>
                 </a:extLst>
               </a:tr>
@@ -21274,7 +22059,7 @@
                 </a:tc>
                 <a:extLst>
                   <a:ext uri="{0D108BD9-81ED-4DB2-BD59-A6C34878D82A}">
-                    <a16:rowId xmlns="" xmlns:a16="http://schemas.microsoft.com/office/drawing/2014/main" val="1794904162"/>
+                    <a16:rowId xmlns:a16="http://schemas.microsoft.com/office/drawing/2014/main" xmlns="" val="1794904162"/>
                   </a:ext>
                 </a:extLst>
               </a:tr>
@@ -21481,7 +22266,7 @@
                 </a:tc>
                 <a:extLst>
                   <a:ext uri="{0D108BD9-81ED-4DB2-BD59-A6C34878D82A}">
-                    <a16:rowId xmlns="" xmlns:a16="http://schemas.microsoft.com/office/drawing/2014/main" val="828306646"/>
+                    <a16:rowId xmlns:a16="http://schemas.microsoft.com/office/drawing/2014/main" xmlns="" val="828306646"/>
                   </a:ext>
                 </a:extLst>
               </a:tr>
@@ -21494,7 +22279,7 @@
           <p:cNvPr id="5" name="Title 1">
             <a:extLst>
               <a:ext uri="{FF2B5EF4-FFF2-40B4-BE49-F238E27FC236}">
-                <a16:creationId xmlns="" xmlns:a16="http://schemas.microsoft.com/office/drawing/2014/main" id="{2A0F239D-C455-4042-9AF8-FE186A9CA58C}"/>
+                <a16:creationId xmlns:a16="http://schemas.microsoft.com/office/drawing/2014/main" xmlns="" id="{2A0F239D-C455-4042-9AF8-FE186A9CA58C}"/>
               </a:ext>
             </a:extLst>
           </p:cNvPr>
@@ -21584,7 +22369,7 @@
           <p:cNvPr id="2" name="Title 1">
             <a:extLst>
               <a:ext uri="{FF2B5EF4-FFF2-40B4-BE49-F238E27FC236}">
-                <a16:creationId xmlns="" xmlns:a16="http://schemas.microsoft.com/office/drawing/2014/main" id="{2A0F239D-C455-4042-9AF8-FE186A9CA58C}"/>
+                <a16:creationId xmlns:a16="http://schemas.microsoft.com/office/drawing/2014/main" xmlns="" id="{2A0F239D-C455-4042-9AF8-FE186A9CA58C}"/>
               </a:ext>
             </a:extLst>
           </p:cNvPr>
@@ -21618,15 +22403,6 @@
               </a:rPr>
               <a:t> Speed Test </a:t>
             </a:r>
-            <a:endParaRPr lang="en-US" dirty="0">
-              <a:solidFill>
-                <a:srgbClr val="FFFFFF"/>
-              </a:solidFill>
-              <a:highlight>
-                <a:srgbClr val="000000"/>
-              </a:highlight>
-              <a:latin typeface="+mn-lt"/>
-            </a:endParaRPr>
           </a:p>
         </p:txBody>
       </p:sp>
@@ -21635,7 +22411,7 @@
           <p:cNvPr id="3" name="Text Placeholder 2">
             <a:extLst>
               <a:ext uri="{FF2B5EF4-FFF2-40B4-BE49-F238E27FC236}">
-                <a16:creationId xmlns="" xmlns:a16="http://schemas.microsoft.com/office/drawing/2014/main" id="{CFE162C0-2A40-4B3F-8A8D-4310B96D670A}"/>
+                <a16:creationId xmlns:a16="http://schemas.microsoft.com/office/drawing/2014/main" xmlns="" id="{CFE162C0-2A40-4B3F-8A8D-4310B96D670A}"/>
               </a:ext>
             </a:extLst>
           </p:cNvPr>
@@ -21702,7 +22478,7 @@
           <p:cNvPr id="4" name="Table 3">
             <a:extLst>
               <a:ext uri="{FF2B5EF4-FFF2-40B4-BE49-F238E27FC236}">
-                <a16:creationId xmlns="" xmlns:a16="http://schemas.microsoft.com/office/drawing/2014/main" id="{D15400DA-33D2-49D6-BAF3-786AD6D5C191}"/>
+                <a16:creationId xmlns:a16="http://schemas.microsoft.com/office/drawing/2014/main" xmlns="" id="{D15400DA-33D2-49D6-BAF3-786AD6D5C191}"/>
               </a:ext>
             </a:extLst>
           </p:cNvPr>
@@ -21729,28 +22505,28 @@
                 <a:gridCol w="3226680">
                   <a:extLst>
                     <a:ext uri="{9D8B030D-6E8A-4147-A177-3AD203B41FA5}">
-                      <a16:colId xmlns="" xmlns:a16="http://schemas.microsoft.com/office/drawing/2014/main" val="3876097618"/>
+                      <a16:colId xmlns:a16="http://schemas.microsoft.com/office/drawing/2014/main" xmlns="" val="3876097618"/>
                     </a:ext>
                   </a:extLst>
                 </a:gridCol>
                 <a:gridCol w="1025280">
                   <a:extLst>
                     <a:ext uri="{9D8B030D-6E8A-4147-A177-3AD203B41FA5}">
-                      <a16:colId xmlns="" xmlns:a16="http://schemas.microsoft.com/office/drawing/2014/main" val="503943343"/>
+                      <a16:colId xmlns:a16="http://schemas.microsoft.com/office/drawing/2014/main" xmlns="" val="503943343"/>
                     </a:ext>
                   </a:extLst>
                 </a:gridCol>
                 <a:gridCol w="1824840">
                   <a:extLst>
                     <a:ext uri="{9D8B030D-6E8A-4147-A177-3AD203B41FA5}">
-                      <a16:colId xmlns="" xmlns:a16="http://schemas.microsoft.com/office/drawing/2014/main" val="1790775354"/>
+                      <a16:colId xmlns:a16="http://schemas.microsoft.com/office/drawing/2014/main" xmlns="" val="1790775354"/>
                     </a:ext>
                   </a:extLst>
                 </a:gridCol>
                 <a:gridCol w="3260704">
                   <a:extLst>
                     <a:ext uri="{9D8B030D-6E8A-4147-A177-3AD203B41FA5}">
-                      <a16:colId xmlns="" xmlns:a16="http://schemas.microsoft.com/office/drawing/2014/main" val="175336498"/>
+                      <a16:colId xmlns:a16="http://schemas.microsoft.com/office/drawing/2014/main" xmlns="" val="175336498"/>
                     </a:ext>
                   </a:extLst>
                 </a:gridCol>
@@ -21925,7 +22701,7 @@
                 </a:tc>
                 <a:extLst>
                   <a:ext uri="{0D108BD9-81ED-4DB2-BD59-A6C34878D82A}">
-                    <a16:rowId xmlns="" xmlns:a16="http://schemas.microsoft.com/office/drawing/2014/main" val="872012542"/>
+                    <a16:rowId xmlns:a16="http://schemas.microsoft.com/office/drawing/2014/main" xmlns="" val="872012542"/>
                   </a:ext>
                 </a:extLst>
               </a:tr>
@@ -22092,7 +22868,7 @@
                 </a:tc>
                 <a:extLst>
                   <a:ext uri="{0D108BD9-81ED-4DB2-BD59-A6C34878D82A}">
-                    <a16:rowId xmlns="" xmlns:a16="http://schemas.microsoft.com/office/drawing/2014/main" val="2753771853"/>
+                    <a16:rowId xmlns:a16="http://schemas.microsoft.com/office/drawing/2014/main" xmlns="" val="2753771853"/>
                   </a:ext>
                 </a:extLst>
               </a:tr>
@@ -22285,7 +23061,7 @@
                 </a:tc>
                 <a:extLst>
                   <a:ext uri="{0D108BD9-81ED-4DB2-BD59-A6C34878D82A}">
-                    <a16:rowId xmlns="" xmlns:a16="http://schemas.microsoft.com/office/drawing/2014/main" val="1671989471"/>
+                    <a16:rowId xmlns:a16="http://schemas.microsoft.com/office/drawing/2014/main" xmlns="" val="1671989471"/>
                   </a:ext>
                 </a:extLst>
               </a:tr>
@@ -22478,7 +23254,7 @@
                 </a:tc>
                 <a:extLst>
                   <a:ext uri="{0D108BD9-81ED-4DB2-BD59-A6C34878D82A}">
-                    <a16:rowId xmlns="" xmlns:a16="http://schemas.microsoft.com/office/drawing/2014/main" val="3744069641"/>
+                    <a16:rowId xmlns:a16="http://schemas.microsoft.com/office/drawing/2014/main" xmlns="" val="3744069641"/>
                   </a:ext>
                 </a:extLst>
               </a:tr>
@@ -22645,7 +23421,7 @@
                 </a:tc>
                 <a:extLst>
                   <a:ext uri="{0D108BD9-81ED-4DB2-BD59-A6C34878D82A}">
-                    <a16:rowId xmlns="" xmlns:a16="http://schemas.microsoft.com/office/drawing/2014/main" val="964053653"/>
+                    <a16:rowId xmlns:a16="http://schemas.microsoft.com/office/drawing/2014/main" xmlns="" val="964053653"/>
                   </a:ext>
                 </a:extLst>
               </a:tr>
@@ -22838,7 +23614,7 @@
                 </a:tc>
                 <a:extLst>
                   <a:ext uri="{0D108BD9-81ED-4DB2-BD59-A6C34878D82A}">
-                    <a16:rowId xmlns="" xmlns:a16="http://schemas.microsoft.com/office/drawing/2014/main" val="959655873"/>
+                    <a16:rowId xmlns:a16="http://schemas.microsoft.com/office/drawing/2014/main" xmlns="" val="959655873"/>
                   </a:ext>
                 </a:extLst>
               </a:tr>
@@ -23016,7 +23792,7 @@
                 </a:tc>
                 <a:extLst>
                   <a:ext uri="{0D108BD9-81ED-4DB2-BD59-A6C34878D82A}">
-                    <a16:rowId xmlns="" xmlns:a16="http://schemas.microsoft.com/office/drawing/2014/main" val="283401746"/>
+                    <a16:rowId xmlns:a16="http://schemas.microsoft.com/office/drawing/2014/main" xmlns="" val="283401746"/>
                   </a:ext>
                 </a:extLst>
               </a:tr>
@@ -23194,7 +23970,7 @@
                 </a:tc>
                 <a:extLst>
                   <a:ext uri="{0D108BD9-81ED-4DB2-BD59-A6C34878D82A}">
-                    <a16:rowId xmlns="" xmlns:a16="http://schemas.microsoft.com/office/drawing/2014/main" val="1311950503"/>
+                    <a16:rowId xmlns:a16="http://schemas.microsoft.com/office/drawing/2014/main" xmlns="" val="1311950503"/>
                   </a:ext>
                 </a:extLst>
               </a:tr>
@@ -23361,7 +24137,7 @@
                 </a:tc>
                 <a:extLst>
                   <a:ext uri="{0D108BD9-81ED-4DB2-BD59-A6C34878D82A}">
-                    <a16:rowId xmlns="" xmlns:a16="http://schemas.microsoft.com/office/drawing/2014/main" val="2374343785"/>
+                    <a16:rowId xmlns:a16="http://schemas.microsoft.com/office/drawing/2014/main" xmlns="" val="2374343785"/>
                   </a:ext>
                 </a:extLst>
               </a:tr>
@@ -23528,7 +24304,7 @@
                 </a:tc>
                 <a:extLst>
                   <a:ext uri="{0D108BD9-81ED-4DB2-BD59-A6C34878D82A}">
-                    <a16:rowId xmlns="" xmlns:a16="http://schemas.microsoft.com/office/drawing/2014/main" val="689902782"/>
+                    <a16:rowId xmlns:a16="http://schemas.microsoft.com/office/drawing/2014/main" xmlns="" val="689902782"/>
                   </a:ext>
                 </a:extLst>
               </a:tr>
@@ -23695,7 +24471,7 @@
                 </a:tc>
                 <a:extLst>
                   <a:ext uri="{0D108BD9-81ED-4DB2-BD59-A6C34878D82A}">
-                    <a16:rowId xmlns="" xmlns:a16="http://schemas.microsoft.com/office/drawing/2014/main" val="1721684953"/>
+                    <a16:rowId xmlns:a16="http://schemas.microsoft.com/office/drawing/2014/main" xmlns="" val="1721684953"/>
                   </a:ext>
                 </a:extLst>
               </a:tr>
@@ -23733,7 +24509,7 @@
           <p:cNvPr id="2" name="Title 1">
             <a:extLst>
               <a:ext uri="{FF2B5EF4-FFF2-40B4-BE49-F238E27FC236}">
-                <a16:creationId xmlns="" xmlns:a16="http://schemas.microsoft.com/office/drawing/2014/main" id="{24ECCE64-2821-499D-81CF-5C347311AC5C}"/>
+                <a16:creationId xmlns:a16="http://schemas.microsoft.com/office/drawing/2014/main" xmlns="" id="{24ECCE64-2821-499D-81CF-5C347311AC5C}"/>
               </a:ext>
             </a:extLst>
           </p:cNvPr>
@@ -23796,7 +24572,7 @@
           <p:cNvPr id="3" name="Text Placeholder 2">
             <a:extLst>
               <a:ext uri="{FF2B5EF4-FFF2-40B4-BE49-F238E27FC236}">
-                <a16:creationId xmlns="" xmlns:a16="http://schemas.microsoft.com/office/drawing/2014/main" id="{B92C493A-A7FB-4889-951E-3D2F6AEB1EF6}"/>
+                <a16:creationId xmlns:a16="http://schemas.microsoft.com/office/drawing/2014/main" xmlns="" id="{B92C493A-A7FB-4889-951E-3D2F6AEB1EF6}"/>
               </a:ext>
             </a:extLst>
           </p:cNvPr>
@@ -23930,7 +24706,7 @@
           <p:cNvPr id="2" name="Title 1">
             <a:extLst>
               <a:ext uri="{FF2B5EF4-FFF2-40B4-BE49-F238E27FC236}">
-                <a16:creationId xmlns="" xmlns:a16="http://schemas.microsoft.com/office/drawing/2014/main" id="{B605FC15-BF4E-40CB-8C32-FDD4220028E0}"/>
+                <a16:creationId xmlns:a16="http://schemas.microsoft.com/office/drawing/2014/main" xmlns="" id="{B605FC15-BF4E-40CB-8C32-FDD4220028E0}"/>
               </a:ext>
             </a:extLst>
           </p:cNvPr>
@@ -23969,7 +24745,7 @@
           <p:cNvPr id="3" name="Text Placeholder 2">
             <a:extLst>
               <a:ext uri="{FF2B5EF4-FFF2-40B4-BE49-F238E27FC236}">
-                <a16:creationId xmlns="" xmlns:a16="http://schemas.microsoft.com/office/drawing/2014/main" id="{98D73E6E-DECA-40D5-8583-705A9F2A9AA5}"/>
+                <a16:creationId xmlns:a16="http://schemas.microsoft.com/office/drawing/2014/main" xmlns="" id="{98D73E6E-DECA-40D5-8583-705A9F2A9AA5}"/>
               </a:ext>
             </a:extLst>
           </p:cNvPr>
@@ -24133,7 +24909,7 @@
           <p:cNvPr id="2" name="Title 1">
             <a:extLst>
               <a:ext uri="{FF2B5EF4-FFF2-40B4-BE49-F238E27FC236}">
-                <a16:creationId xmlns="" xmlns:a16="http://schemas.microsoft.com/office/drawing/2014/main" id="{B605FC15-BF4E-40CB-8C32-FDD4220028E0}"/>
+                <a16:creationId xmlns:a16="http://schemas.microsoft.com/office/drawing/2014/main" xmlns="" id="{B605FC15-BF4E-40CB-8C32-FDD4220028E0}"/>
               </a:ext>
             </a:extLst>
           </p:cNvPr>
@@ -24159,7 +24935,7 @@
               <a:rPr lang="en-US" dirty="0" smtClean="0">
                 <a:latin typeface="+mn-lt"/>
               </a:rPr>
-              <a:t>Useful Libraries/Packages</a:t>
+              <a:t>How to Use</a:t>
             </a:r>
             <a:endParaRPr lang="en-US" dirty="0">
               <a:latin typeface="+mn-lt"/>
@@ -24172,7 +24948,7 @@
           <p:cNvPr id="3" name="Text Placeholder 2">
             <a:extLst>
               <a:ext uri="{FF2B5EF4-FFF2-40B4-BE49-F238E27FC236}">
-                <a16:creationId xmlns="" xmlns:a16="http://schemas.microsoft.com/office/drawing/2014/main" id="{98D73E6E-DECA-40D5-8583-705A9F2A9AA5}"/>
+                <a16:creationId xmlns:a16="http://schemas.microsoft.com/office/drawing/2014/main" xmlns="" id="{98D73E6E-DECA-40D5-8583-705A9F2A9AA5}"/>
               </a:ext>
             </a:extLst>
           </p:cNvPr>
@@ -24185,14 +24961,12 @@
         </p:nvSpPr>
         <p:spPr>
           <a:xfrm>
-            <a:off x="503999" y="2231999"/>
-            <a:ext cx="9071640" cy="5157845"/>
-          </a:xfrm>
-        </p:spPr>
-        <p:txBody>
-          <a:bodyPr>
-            <a:normAutofit/>
-          </a:bodyPr>
+            <a:off x="503999" y="2232000"/>
+            <a:ext cx="9071640" cy="4392000"/>
+          </a:xfrm>
+        </p:spPr>
+        <p:txBody>
+          <a:bodyPr/>
           <a:lstStyle/>
           <a:p>
             <a:pPr lvl="0">
@@ -24201,11 +24975,21 @@
               <a:buChar char="●"/>
             </a:pPr>
             <a:r>
+              <a:rPr lang="en-US" sz="2800" dirty="0">
+                <a:latin typeface="+mn-lt"/>
+              </a:rPr>
+              <a:t> </a:t>
+            </a:r>
+            <a:r>
               <a:rPr lang="en-US" dirty="0" smtClean="0">
                 <a:latin typeface="+mn-lt"/>
+                <a:hlinkClick r:id="rId3"/>
               </a:rPr>
-              <a:t>Visualization:</a:t>
-            </a:r>
+              <a:t>JuliaBox</a:t>
+            </a:r>
+            <a:endParaRPr lang="en-US" dirty="0" smtClean="0">
+              <a:latin typeface="+mn-lt"/>
+            </a:endParaRPr>
           </a:p>
           <a:p>
             <a:pPr lvl="1">
@@ -24214,14 +24998,10 @@
               <a:buChar char="●"/>
             </a:pPr>
             <a:r>
-              <a:rPr lang="en-US" sz="2800" dirty="0" smtClean="0">
-                <a:hlinkClick r:id="rId3"/>
+              <a:rPr lang="en-US" sz="2000" dirty="0" smtClean="0">
+                <a:latin typeface="+mn-lt"/>
               </a:rPr>
-              <a:t>Plots.jl</a:t>
-            </a:r>
-            <a:r>
-              <a:rPr lang="en-US" sz="2800" dirty="0" smtClean="0"/>
-              <a:t> (plotting API)</a:t>
+              <a:t>Run Julia in browser</a:t>
             </a:r>
           </a:p>
           <a:p>
@@ -24231,131 +25011,23 @@
               <a:buChar char="●"/>
             </a:pPr>
             <a:r>
-              <a:rPr lang="en-US" sz="2800" dirty="0" smtClean="0">
-                <a:hlinkClick r:id="rId4"/>
-              </a:rPr>
-              <a:t>PyPlot.jl</a:t>
-            </a:r>
-            <a:r>
-              <a:rPr lang="en-US" sz="2800" dirty="0" smtClean="0"/>
-              <a:t> (</a:t>
-            </a:r>
-            <a:r>
-              <a:rPr lang="en-US" sz="2800" dirty="0" err="1" smtClean="0"/>
-              <a:t>MatPlotLib.PyPlot</a:t>
-            </a:r>
-            <a:r>
-              <a:rPr lang="en-US" sz="2800" dirty="0" smtClean="0"/>
-              <a:t> based plotter)</a:t>
-            </a:r>
-          </a:p>
-          <a:p>
-            <a:pPr lvl="1">
-              <a:buSzPct val="45000"/>
-              <a:buFont typeface="StarSymbol"/>
-              <a:buChar char="●"/>
-            </a:pPr>
-            <a:endParaRPr lang="en-US" sz="2800" dirty="0">
+              <a:rPr lang="en-US" sz="2000" dirty="0" smtClean="0"/>
+              <a:t>Uses </a:t>
+            </a:r>
+            <a:r>
+              <a:rPr lang="en-US" sz="2000" dirty="0" err="1" smtClean="0"/>
+              <a:t>Jupyter</a:t>
+            </a:r>
+            <a:endParaRPr lang="en-US" sz="2000" dirty="0">
               <a:latin typeface="+mn-lt"/>
             </a:endParaRPr>
-          </a:p>
-          <a:p>
-            <a:pPr>
-              <a:buSzPct val="45000"/>
-              <a:buFont typeface="StarSymbol"/>
-              <a:buChar char="●"/>
-            </a:pPr>
-            <a:r>
-              <a:rPr lang="en-US" dirty="0" smtClean="0">
-                <a:latin typeface="+mn-lt"/>
-              </a:rPr>
-              <a:t>Machine Learning:</a:t>
-            </a:r>
-          </a:p>
-          <a:p>
-            <a:pPr lvl="1">
-              <a:buSzPct val="45000"/>
-              <a:buFont typeface="StarSymbol"/>
-              <a:buChar char="●"/>
-            </a:pPr>
-            <a:r>
-              <a:rPr lang="en-US" sz="2800" dirty="0" smtClean="0">
-                <a:latin typeface="+mn-lt"/>
-                <a:hlinkClick r:id="rId5"/>
-              </a:rPr>
-              <a:t>JuliaML</a:t>
-            </a:r>
-            <a:r>
-              <a:rPr lang="en-US" sz="2800" dirty="0" smtClean="0">
-                <a:latin typeface="+mn-lt"/>
-              </a:rPr>
-              <a:t> </a:t>
-            </a:r>
-          </a:p>
-          <a:p>
-            <a:pPr lvl="1">
-              <a:buSzPct val="45000"/>
-              <a:buFont typeface="StarSymbol"/>
-              <a:buChar char="●"/>
-            </a:pPr>
-            <a:r>
-              <a:rPr lang="en-US" sz="2800" dirty="0" smtClean="0">
-                <a:hlinkClick r:id="rId6"/>
-              </a:rPr>
-              <a:t>Automatic Differentiation</a:t>
-            </a:r>
-            <a:endParaRPr lang="en-US" sz="2800" dirty="0" smtClean="0"/>
-          </a:p>
-          <a:p>
-            <a:pPr lvl="1">
-              <a:buSzPct val="45000"/>
-              <a:buFont typeface="StarSymbol"/>
-              <a:buChar char="●"/>
-            </a:pPr>
-            <a:r>
-              <a:rPr lang="en-US" sz="2800" dirty="0" smtClean="0"/>
-              <a:t>CUDA GPU Acceleration </a:t>
-            </a:r>
-            <a:r>
-              <a:rPr lang="en-US" sz="2800" dirty="0" smtClean="0">
-                <a:hlinkClick r:id="rId7"/>
-              </a:rPr>
-              <a:t>cuArrays</a:t>
-            </a:r>
-            <a:endParaRPr lang="en-US" sz="2800" dirty="0" smtClean="0"/>
-          </a:p>
-          <a:p>
-            <a:pPr lvl="1">
-              <a:buSzPct val="45000"/>
-              <a:buFont typeface="StarSymbol"/>
-              <a:buChar char="●"/>
-            </a:pPr>
-            <a:r>
-              <a:rPr lang="en-US" sz="2800" dirty="0" smtClean="0">
-                <a:hlinkClick r:id="rId8"/>
-              </a:rPr>
-              <a:t>JuliaDB</a:t>
-            </a:r>
-            <a:r>
-              <a:rPr lang="en-US" sz="2800" dirty="0" smtClean="0"/>
-              <a:t> (to work with persistent data set </a:t>
-            </a:r>
-            <a:r>
-              <a:rPr lang="mr-IN" sz="2800" dirty="0" smtClean="0"/>
-              <a:t>–</a:t>
-            </a:r>
-            <a:r>
-              <a:rPr lang="en-US" sz="2800" dirty="0" smtClean="0"/>
-              <a:t> terabytes of data)</a:t>
-            </a:r>
-            <a:endParaRPr lang="en-US" sz="2800" dirty="0"/>
           </a:p>
         </p:txBody>
       </p:sp>
     </p:spTree>
     <p:extLst>
       <p:ext uri="{BB962C8B-B14F-4D97-AF65-F5344CB8AC3E}">
-        <p14:creationId xmlns:p14="http://schemas.microsoft.com/office/powerpoint/2010/main" val="1594769541"/>
+        <p14:creationId xmlns:p14="http://schemas.microsoft.com/office/powerpoint/2010/main" val="1893985790"/>
       </p:ext>
     </p:extLst>
   </p:cSld>
@@ -24387,7 +25059,7 @@
           <p:cNvPr id="2" name="Title 1">
             <a:extLst>
               <a:ext uri="{FF2B5EF4-FFF2-40B4-BE49-F238E27FC236}">
-                <a16:creationId xmlns="" xmlns:a16="http://schemas.microsoft.com/office/drawing/2014/main" id="{B605FC15-BF4E-40CB-8C32-FDD4220028E0}"/>
+                <a16:creationId xmlns:a16="http://schemas.microsoft.com/office/drawing/2014/main" xmlns="" id="{B605FC15-BF4E-40CB-8C32-FDD4220028E0}"/>
               </a:ext>
             </a:extLst>
           </p:cNvPr>
@@ -24426,7 +25098,7 @@
           <p:cNvPr id="3" name="Text Placeholder 2">
             <a:extLst>
               <a:ext uri="{FF2B5EF4-FFF2-40B4-BE49-F238E27FC236}">
-                <a16:creationId xmlns="" xmlns:a16="http://schemas.microsoft.com/office/drawing/2014/main" id="{98D73E6E-DECA-40D5-8583-705A9F2A9AA5}"/>
+                <a16:creationId xmlns:a16="http://schemas.microsoft.com/office/drawing/2014/main" xmlns="" id="{98D73E6E-DECA-40D5-8583-705A9F2A9AA5}"/>
               </a:ext>
             </a:extLst>
           </p:cNvPr>
@@ -24440,7 +25112,7 @@
         <p:spPr>
           <a:xfrm>
             <a:off x="503999" y="2231999"/>
-            <a:ext cx="9071640" cy="5327676"/>
+            <a:ext cx="9071640" cy="5157845"/>
           </a:xfrm>
         </p:spPr>
         <p:txBody>
@@ -24455,123 +25127,10 @@
               <a:buChar char="●"/>
             </a:pPr>
             <a:r>
-              <a:rPr lang="en-US" sz="2800" dirty="0" smtClean="0">
+              <a:rPr lang="en-US" dirty="0" smtClean="0">
                 <a:latin typeface="+mn-lt"/>
               </a:rPr>
-              <a:t>Fourier transforms: </a:t>
-            </a:r>
-            <a:r>
-              <a:rPr lang="en-US" sz="2800" dirty="0" smtClean="0">
-                <a:latin typeface="+mn-lt"/>
-                <a:hlinkClick r:id="rId3"/>
-              </a:rPr>
-              <a:t>AbstractFFTs.jl</a:t>
-            </a:r>
-            <a:endParaRPr lang="en-US" sz="2800" dirty="0" smtClean="0">
-              <a:latin typeface="+mn-lt"/>
-            </a:endParaRPr>
-          </a:p>
-          <a:p>
-            <a:pPr lvl="0">
-              <a:buSzPct val="45000"/>
-              <a:buFont typeface="StarSymbol"/>
-              <a:buChar char="●"/>
-            </a:pPr>
-            <a:r>
-              <a:rPr lang="en-US" sz="2800" dirty="0" smtClean="0">
-                <a:latin typeface="+mn-lt"/>
-              </a:rPr>
-              <a:t>Image processing: </a:t>
-            </a:r>
-            <a:r>
-              <a:rPr lang="en-US" sz="2800" dirty="0" smtClean="0">
-                <a:latin typeface="+mn-lt"/>
-                <a:hlinkClick r:id="rId4"/>
-              </a:rPr>
-              <a:t>JuliaImages</a:t>
-            </a:r>
-            <a:endParaRPr lang="en-US" sz="2800" dirty="0" smtClean="0">
-              <a:latin typeface="+mn-lt"/>
-            </a:endParaRPr>
-          </a:p>
-          <a:p>
-            <a:pPr lvl="0">
-              <a:buSzPct val="45000"/>
-              <a:buFont typeface="StarSymbol"/>
-              <a:buChar char="●"/>
-            </a:pPr>
-            <a:r>
-              <a:rPr lang="en-US" sz="2800" dirty="0" err="1" smtClean="0">
-                <a:latin typeface="+mn-lt"/>
-              </a:rPr>
-              <a:t>NonLinear</a:t>
-            </a:r>
-            <a:r>
-              <a:rPr lang="en-US" sz="2800" dirty="0" smtClean="0">
-                <a:latin typeface="+mn-lt"/>
-              </a:rPr>
-              <a:t> Dynamics: </a:t>
-            </a:r>
-            <a:r>
-              <a:rPr lang="en-US" sz="2800" dirty="0" smtClean="0">
-                <a:latin typeface="+mn-lt"/>
-                <a:hlinkClick r:id="rId5"/>
-              </a:rPr>
-              <a:t>JuliaDynamics</a:t>
-            </a:r>
-            <a:endParaRPr lang="en-US" sz="2800" dirty="0" smtClean="0">
-              <a:latin typeface="+mn-lt"/>
-            </a:endParaRPr>
-          </a:p>
-          <a:p>
-            <a:pPr lvl="0">
-              <a:buSzPct val="45000"/>
-              <a:buFont typeface="StarSymbol"/>
-              <a:buChar char="●"/>
-            </a:pPr>
-            <a:r>
-              <a:rPr lang="en-US" sz="2800" dirty="0" smtClean="0">
-                <a:latin typeface="+mn-lt"/>
-              </a:rPr>
-              <a:t>Biology, quantum physics, quantitative economics, </a:t>
-            </a:r>
-            <a:r>
-              <a:rPr lang="mr-IN" sz="2800" dirty="0" smtClean="0">
-                <a:latin typeface="+mn-lt"/>
-              </a:rPr>
-              <a:t>…</a:t>
-            </a:r>
-            <a:r>
-              <a:rPr lang="en-US" sz="2800" dirty="0" smtClean="0">
-                <a:latin typeface="+mn-lt"/>
-              </a:rPr>
-              <a:t>.</a:t>
-            </a:r>
-          </a:p>
-          <a:p>
-            <a:pPr lvl="0">
-              <a:buSzPct val="45000"/>
-              <a:buFont typeface="StarSymbol"/>
-              <a:buChar char="●"/>
-            </a:pPr>
-            <a:r>
-              <a:rPr lang="en-US" sz="2800" dirty="0" smtClean="0">
-                <a:latin typeface="+mn-lt"/>
-              </a:rPr>
-              <a:t>Control: </a:t>
-            </a:r>
-            <a:r>
-              <a:rPr lang="en-US" sz="2800" dirty="0" smtClean="0">
-                <a:latin typeface="+mn-lt"/>
-                <a:hlinkClick r:id="rId6"/>
-              </a:rPr>
-              <a:t>ControlSytems.jl</a:t>
-            </a:r>
-            <a:r>
-              <a:rPr lang="en-US" sz="2800" dirty="0" smtClean="0">
-                <a:latin typeface="+mn-lt"/>
-              </a:rPr>
-              <a:t>:</a:t>
+              <a:t>Visualization:</a:t>
             </a:r>
           </a:p>
           <a:p>
@@ -24581,8 +25140,14 @@
               <a:buChar char="●"/>
             </a:pPr>
             <a:r>
-              <a:rPr lang="en-US" sz="2000" dirty="0" smtClean="0"/>
-              <a:t>LQR</a:t>
+              <a:rPr lang="en-US" sz="2800" dirty="0" smtClean="0">
+                <a:hlinkClick r:id="rId3"/>
+              </a:rPr>
+              <a:t>Plots.jl</a:t>
+            </a:r>
+            <a:r>
+              <a:rPr lang="en-US" sz="2800" dirty="0" smtClean="0"/>
+              <a:t> (plotting API)</a:t>
             </a:r>
           </a:p>
           <a:p>
@@ -24592,8 +25157,22 @@
               <a:buChar char="●"/>
             </a:pPr>
             <a:r>
-              <a:rPr lang="en-US" sz="2000" dirty="0" smtClean="0"/>
-              <a:t>PID</a:t>
+              <a:rPr lang="en-US" sz="2800" dirty="0" smtClean="0">
+                <a:hlinkClick r:id="rId4"/>
+              </a:rPr>
+              <a:t>PyPlot.jl</a:t>
+            </a:r>
+            <a:r>
+              <a:rPr lang="en-US" sz="2800" dirty="0" smtClean="0"/>
+              <a:t> (</a:t>
+            </a:r>
+            <a:r>
+              <a:rPr lang="en-US" sz="2800" dirty="0" err="1" smtClean="0"/>
+              <a:t>MatPlotLib.PyPlot</a:t>
+            </a:r>
+            <a:r>
+              <a:rPr lang="en-US" sz="2800" dirty="0" smtClean="0"/>
+              <a:t> based plotter)</a:t>
             </a:r>
           </a:p>
           <a:p>
@@ -24602,13 +25181,21 @@
               <a:buFont typeface="StarSymbol"/>
               <a:buChar char="●"/>
             </a:pPr>
-            <a:r>
-              <a:rPr lang="en-US" sz="2000" dirty="0"/>
-              <a:t>A</a:t>
-            </a:r>
-            <a:r>
-              <a:rPr lang="en-US" sz="2000" dirty="0" smtClean="0"/>
-              <a:t>dvanced pole-zero placement</a:t>
+            <a:endParaRPr lang="en-US" sz="2800" dirty="0">
+              <a:latin typeface="+mn-lt"/>
+            </a:endParaRPr>
+          </a:p>
+          <a:p>
+            <a:pPr>
+              <a:buSzPct val="45000"/>
+              <a:buFont typeface="StarSymbol"/>
+              <a:buChar char="●"/>
+            </a:pPr>
+            <a:r>
+              <a:rPr lang="en-US" dirty="0" smtClean="0">
+                <a:latin typeface="+mn-lt"/>
+              </a:rPr>
+              <a:t>Machine Learning:</a:t>
             </a:r>
           </a:p>
           <a:p>
@@ -24618,10 +25205,17 @@
               <a:buChar char="●"/>
             </a:pPr>
             <a:r>
-              <a:rPr lang="en-US" sz="2000" dirty="0" smtClean="0">
+              <a:rPr lang="en-US" sz="2800" dirty="0" smtClean="0">
+                <a:latin typeface="+mn-lt"/>
+                <a:hlinkClick r:id="rId5"/>
+              </a:rPr>
+              <a:t>JuliaML</a:t>
+            </a:r>
+            <a:r>
+              <a:rPr lang="en-US" sz="2800" dirty="0" smtClean="0">
                 <a:latin typeface="+mn-lt"/>
               </a:rPr>
-              <a:t>Stability boundary for PID controllers</a:t>
+              <a:t> </a:t>
             </a:r>
           </a:p>
           <a:p>
@@ -24631,9 +25225,12 @@
               <a:buChar char="●"/>
             </a:pPr>
             <a:r>
-              <a:rPr lang="en-US" sz="2000" dirty="0" smtClean="0"/>
-              <a:t>PID plots</a:t>
-            </a:r>
+              <a:rPr lang="en-US" sz="2800" dirty="0" smtClean="0">
+                <a:hlinkClick r:id="rId6"/>
+              </a:rPr>
+              <a:t>Automatic Differentiation</a:t>
+            </a:r>
+            <a:endParaRPr lang="en-US" sz="2800" dirty="0" smtClean="0"/>
           </a:p>
           <a:p>
             <a:pPr lvl="1">
@@ -24642,18 +25239,49 @@
               <a:buChar char="●"/>
             </a:pPr>
             <a:r>
-              <a:rPr lang="en-US" sz="2000" dirty="0" smtClean="0">
-                <a:latin typeface="+mn-lt"/>
+              <a:rPr lang="en-US" sz="2800" dirty="0" smtClean="0"/>
+              <a:t>CUDA GPU Acceleration </a:t>
+            </a:r>
+            <a:r>
+              <a:rPr lang="en-US" sz="2800" dirty="0" smtClean="0">
+                <a:hlinkClick r:id="rId7"/>
               </a:rPr>
-              <a:t>Transfer functions, state space system, analysis, time and frequency response</a:t>
-            </a:r>
+              <a:t>cuArrays</a:t>
+            </a:r>
+            <a:endParaRPr lang="en-US" sz="2800" dirty="0" smtClean="0"/>
+          </a:p>
+          <a:p>
+            <a:pPr lvl="1">
+              <a:buSzPct val="45000"/>
+              <a:buFont typeface="StarSymbol"/>
+              <a:buChar char="●"/>
+            </a:pPr>
+            <a:r>
+              <a:rPr lang="en-US" sz="2800" dirty="0" smtClean="0">
+                <a:hlinkClick r:id="rId8"/>
+              </a:rPr>
+              <a:t>JuliaDB</a:t>
+            </a:r>
+            <a:r>
+              <a:rPr lang="en-US" sz="2800" dirty="0" smtClean="0"/>
+              <a:t> (to work with persistent data set </a:t>
+            </a:r>
+            <a:r>
+              <a:rPr lang="mr-IN" sz="2800" dirty="0" smtClean="0"/>
+              <a:t>–</a:t>
+            </a:r>
+            <a:r>
+              <a:rPr lang="en-US" sz="2800" dirty="0" smtClean="0"/>
+              <a:t> terabytes of data)</a:t>
+            </a:r>
+            <a:endParaRPr lang="en-US" sz="2800" dirty="0"/>
           </a:p>
         </p:txBody>
       </p:sp>
     </p:spTree>
     <p:extLst>
       <p:ext uri="{BB962C8B-B14F-4D97-AF65-F5344CB8AC3E}">
-        <p14:creationId xmlns:p14="http://schemas.microsoft.com/office/powerpoint/2010/main" val="409125844"/>
+        <p14:creationId xmlns:p14="http://schemas.microsoft.com/office/powerpoint/2010/main" val="1594769541"/>
       </p:ext>
     </p:extLst>
   </p:cSld>
@@ -24685,7 +25313,7 @@
           <p:cNvPr id="2" name="Title 1">
             <a:extLst>
               <a:ext uri="{FF2B5EF4-FFF2-40B4-BE49-F238E27FC236}">
-                <a16:creationId xmlns="" xmlns:a16="http://schemas.microsoft.com/office/drawing/2014/main" id="{B605FC15-BF4E-40CB-8C32-FDD4220028E0}"/>
+                <a16:creationId xmlns:a16="http://schemas.microsoft.com/office/drawing/2014/main" xmlns="" id="{B605FC15-BF4E-40CB-8C32-FDD4220028E0}"/>
               </a:ext>
             </a:extLst>
           </p:cNvPr>
@@ -24724,7 +25352,7 @@
           <p:cNvPr id="3" name="Text Placeholder 2">
             <a:extLst>
               <a:ext uri="{FF2B5EF4-FFF2-40B4-BE49-F238E27FC236}">
-                <a16:creationId xmlns="" xmlns:a16="http://schemas.microsoft.com/office/drawing/2014/main" id="{98D73E6E-DECA-40D5-8583-705A9F2A9AA5}"/>
+                <a16:creationId xmlns:a16="http://schemas.microsoft.com/office/drawing/2014/main" xmlns="" id="{98D73E6E-DECA-40D5-8583-705A9F2A9AA5}"/>
               </a:ext>
             </a:extLst>
           </p:cNvPr>
@@ -24755,13 +25383,122 @@
             <a:r>
               <a:rPr lang="en-US" sz="2800" dirty="0" smtClean="0">
                 <a:latin typeface="+mn-lt"/>
+              </a:rPr>
+              <a:t>Fourier transforms: </a:t>
+            </a:r>
+            <a:r>
+              <a:rPr lang="en-US" sz="2800" dirty="0" smtClean="0">
+                <a:latin typeface="+mn-lt"/>
                 <a:hlinkClick r:id="rId3"/>
               </a:rPr>
-              <a:t>Parallel Computing</a:t>
-            </a:r>
-            <a:endParaRPr lang="en-US" sz="1200" dirty="0">
+              <a:t>AbstractFFTs.jl</a:t>
+            </a:r>
+            <a:endParaRPr lang="en-US" sz="2800" dirty="0" smtClean="0">
               <a:latin typeface="+mn-lt"/>
             </a:endParaRPr>
+          </a:p>
+          <a:p>
+            <a:pPr lvl="0">
+              <a:buSzPct val="45000"/>
+              <a:buFont typeface="StarSymbol"/>
+              <a:buChar char="●"/>
+            </a:pPr>
+            <a:r>
+              <a:rPr lang="en-US" sz="2800" dirty="0" smtClean="0">
+                <a:latin typeface="+mn-lt"/>
+              </a:rPr>
+              <a:t>Image processing: </a:t>
+            </a:r>
+            <a:r>
+              <a:rPr lang="en-US" sz="2800" dirty="0" smtClean="0">
+                <a:latin typeface="+mn-lt"/>
+                <a:hlinkClick r:id="rId4"/>
+              </a:rPr>
+              <a:t>JuliaImages</a:t>
+            </a:r>
+            <a:endParaRPr lang="en-US" sz="2800" dirty="0" smtClean="0">
+              <a:latin typeface="+mn-lt"/>
+            </a:endParaRPr>
+          </a:p>
+          <a:p>
+            <a:pPr lvl="0">
+              <a:buSzPct val="45000"/>
+              <a:buFont typeface="StarSymbol"/>
+              <a:buChar char="●"/>
+            </a:pPr>
+            <a:r>
+              <a:rPr lang="en-US" sz="2800" dirty="0" err="1" smtClean="0">
+                <a:latin typeface="+mn-lt"/>
+              </a:rPr>
+              <a:t>NonLinear</a:t>
+            </a:r>
+            <a:r>
+              <a:rPr lang="en-US" sz="2800" dirty="0" smtClean="0">
+                <a:latin typeface="+mn-lt"/>
+              </a:rPr>
+              <a:t> Dynamics: </a:t>
+            </a:r>
+            <a:r>
+              <a:rPr lang="en-US" sz="2800" dirty="0" smtClean="0">
+                <a:latin typeface="+mn-lt"/>
+                <a:hlinkClick r:id="rId5"/>
+              </a:rPr>
+              <a:t>JuliaDynamics</a:t>
+            </a:r>
+            <a:endParaRPr lang="en-US" sz="2800" dirty="0" smtClean="0">
+              <a:latin typeface="+mn-lt"/>
+            </a:endParaRPr>
+          </a:p>
+          <a:p>
+            <a:pPr lvl="0">
+              <a:buSzPct val="45000"/>
+              <a:buFont typeface="StarSymbol"/>
+              <a:buChar char="●"/>
+            </a:pPr>
+            <a:r>
+              <a:rPr lang="en-US" sz="2800" dirty="0" smtClean="0">
+                <a:latin typeface="+mn-lt"/>
+              </a:rPr>
+              <a:t>Biology, quantum physics, quantitative economics, </a:t>
+            </a:r>
+            <a:r>
+              <a:rPr lang="mr-IN" sz="2800" dirty="0" smtClean="0">
+                <a:latin typeface="+mn-lt"/>
+              </a:rPr>
+              <a:t>…</a:t>
+            </a:r>
+            <a:r>
+              <a:rPr lang="en-US" sz="2800" dirty="0" smtClean="0">
+                <a:latin typeface="+mn-lt"/>
+              </a:rPr>
+              <a:t>.</a:t>
+            </a:r>
+          </a:p>
+          <a:p>
+            <a:pPr lvl="0">
+              <a:buSzPct val="45000"/>
+              <a:buFont typeface="StarSymbol"/>
+              <a:buChar char="●"/>
+            </a:pPr>
+            <a:r>
+              <a:rPr lang="en-US" sz="2800" dirty="0" smtClean="0">
+                <a:latin typeface="+mn-lt"/>
+              </a:rPr>
+              <a:t>Control: </a:t>
+            </a:r>
+            <a:r>
+              <a:rPr lang="en-US" sz="2800" dirty="0" smtClean="0">
+                <a:latin typeface="+mn-lt"/>
+                <a:hlinkClick r:id="rId6"/>
+              </a:rPr>
+              <a:t>ControlSytems.jl</a:t>
+            </a:r>
+            <a:r>
+              <a:rPr lang="en-US" sz="2800" dirty="0" smtClean="0">
+                <a:latin typeface="+mn-lt"/>
+              </a:rPr>
+              <a:t>:</a:t>
+            </a:r>
           </a:p>
           <a:p>
             <a:pPr lvl="1">
@@ -24770,12 +25507,8 @@
               <a:buChar char="●"/>
             </a:pPr>
             <a:r>
-              <a:rPr lang="en-US" sz="2800" dirty="0" err="1" smtClean="0"/>
-              <a:t>Coroutines</a:t>
-            </a:r>
-            <a:r>
-              <a:rPr lang="en-US" sz="2800" dirty="0" smtClean="0"/>
-              <a:t> (Tasks which can start, be interrupted, and resumed without using space)</a:t>
+              <a:rPr lang="en-US" sz="2000" dirty="0" smtClean="0"/>
+              <a:t>LQR</a:t>
             </a:r>
           </a:p>
           <a:p>
@@ -24785,8 +25518,8 @@
               <a:buChar char="●"/>
             </a:pPr>
             <a:r>
-              <a:rPr lang="en-US" sz="2800" dirty="0" smtClean="0"/>
-              <a:t>Multi-threading</a:t>
+              <a:rPr lang="en-US" sz="2000" dirty="0" smtClean="0"/>
+              <a:t>PID</a:t>
             </a:r>
           </a:p>
           <a:p>
@@ -24796,19 +25529,12 @@
               <a:buChar char="●"/>
             </a:pPr>
             <a:r>
-              <a:rPr lang="en-US" sz="2800" dirty="0" smtClean="0"/>
-              <a:t>Multi-core/Distributed Processing </a:t>
-            </a:r>
-          </a:p>
-          <a:p>
-            <a:pPr lvl="2">
-              <a:buSzPct val="45000"/>
-              <a:buFont typeface="StarSymbol"/>
-              <a:buChar char="●"/>
-            </a:pPr>
-            <a:r>
-              <a:rPr lang="en-US" dirty="0" smtClean="0"/>
-              <a:t>Divided over different CPU cores or different machines</a:t>
+              <a:rPr lang="en-US" sz="2000" dirty="0"/>
+              <a:t>A</a:t>
+            </a:r>
+            <a:r>
+              <a:rPr lang="en-US" sz="2000" dirty="0" smtClean="0"/>
+              <a:t>dvanced pole-zero placement</a:t>
             </a:r>
           </a:p>
           <a:p>
@@ -24817,16 +25543,43 @@
               <a:buFont typeface="StarSymbol"/>
               <a:buChar char="●"/>
             </a:pPr>
-            <a:endParaRPr lang="en-US" sz="2000" dirty="0" smtClean="0">
-              <a:latin typeface="+mn-lt"/>
-            </a:endParaRPr>
+            <a:r>
+              <a:rPr lang="en-US" sz="2000" dirty="0" smtClean="0">
+                <a:latin typeface="+mn-lt"/>
+              </a:rPr>
+              <a:t>Stability boundary for PID controllers</a:t>
+            </a:r>
+          </a:p>
+          <a:p>
+            <a:pPr lvl="1">
+              <a:buSzPct val="45000"/>
+              <a:buFont typeface="StarSymbol"/>
+              <a:buChar char="●"/>
+            </a:pPr>
+            <a:r>
+              <a:rPr lang="en-US" sz="2000" dirty="0" smtClean="0"/>
+              <a:t>PID plots</a:t>
+            </a:r>
+          </a:p>
+          <a:p>
+            <a:pPr lvl="1">
+              <a:buSzPct val="45000"/>
+              <a:buFont typeface="StarSymbol"/>
+              <a:buChar char="●"/>
+            </a:pPr>
+            <a:r>
+              <a:rPr lang="en-US" sz="2000" dirty="0" smtClean="0">
+                <a:latin typeface="+mn-lt"/>
+              </a:rPr>
+              <a:t>Transfer functions, state space system, analysis, time and frequency response</a:t>
+            </a:r>
           </a:p>
         </p:txBody>
       </p:sp>
     </p:spTree>
     <p:extLst>
       <p:ext uri="{BB962C8B-B14F-4D97-AF65-F5344CB8AC3E}">
-        <p14:creationId xmlns:p14="http://schemas.microsoft.com/office/powerpoint/2010/main" val="1520274614"/>
+        <p14:creationId xmlns:p14="http://schemas.microsoft.com/office/powerpoint/2010/main" val="409125844"/>
       </p:ext>
     </p:extLst>
   </p:cSld>
@@ -24858,7 +25611,7 @@
           <p:cNvPr id="2" name="Title 1">
             <a:extLst>
               <a:ext uri="{FF2B5EF4-FFF2-40B4-BE49-F238E27FC236}">
-                <a16:creationId xmlns="" xmlns:a16="http://schemas.microsoft.com/office/drawing/2014/main" id="{B605FC15-BF4E-40CB-8C32-FDD4220028E0}"/>
+                <a16:creationId xmlns:a16="http://schemas.microsoft.com/office/drawing/2014/main" xmlns="" id="{B605FC15-BF4E-40CB-8C32-FDD4220028E0}"/>
               </a:ext>
             </a:extLst>
           </p:cNvPr>
@@ -24884,7 +25637,7 @@
               <a:rPr lang="en-US" dirty="0" smtClean="0">
                 <a:latin typeface="+mn-lt"/>
               </a:rPr>
-              <a:t>Resources</a:t>
+              <a:t>Useful Libraries/Packages</a:t>
             </a:r>
             <a:endParaRPr lang="en-US" dirty="0">
               <a:latin typeface="+mn-lt"/>
@@ -24897,7 +25650,7 @@
           <p:cNvPr id="3" name="Text Placeholder 2">
             <a:extLst>
               <a:ext uri="{FF2B5EF4-FFF2-40B4-BE49-F238E27FC236}">
-                <a16:creationId xmlns="" xmlns:a16="http://schemas.microsoft.com/office/drawing/2014/main" id="{98D73E6E-DECA-40D5-8583-705A9F2A9AA5}"/>
+                <a16:creationId xmlns:a16="http://schemas.microsoft.com/office/drawing/2014/main" xmlns="" id="{98D73E6E-DECA-40D5-8583-705A9F2A9AA5}"/>
               </a:ext>
             </a:extLst>
           </p:cNvPr>
@@ -24919,6 +25672,23 @@
             <a:normAutofit/>
           </a:bodyPr>
           <a:lstStyle/>
+          <a:p>
+            <a:pPr lvl="0">
+              <a:buSzPct val="45000"/>
+              <a:buFont typeface="StarSymbol"/>
+              <a:buChar char="●"/>
+            </a:pPr>
+            <a:r>
+              <a:rPr lang="en-US" sz="2800" dirty="0" smtClean="0">
+                <a:latin typeface="+mn-lt"/>
+                <a:hlinkClick r:id="rId3"/>
+              </a:rPr>
+              <a:t>Parallel Computing</a:t>
+            </a:r>
+            <a:endParaRPr lang="en-US" sz="1200" dirty="0">
+              <a:latin typeface="+mn-lt"/>
+            </a:endParaRPr>
+          </a:p>
           <a:p>
             <a:pPr lvl="1">
               <a:buSzPct val="45000"/>
@@ -24926,11 +25696,53 @@
               <a:buChar char="●"/>
             </a:pPr>
             <a:r>
-              <a:rPr lang="en-US" sz="2000" smtClean="0">
-                <a:latin typeface="+mn-lt"/>
-              </a:rPr>
-              <a:t>.</a:t>
-            </a:r>
+              <a:rPr lang="en-US" sz="2800" dirty="0" err="1" smtClean="0"/>
+              <a:t>Coroutines</a:t>
+            </a:r>
+            <a:r>
+              <a:rPr lang="en-US" sz="2800" dirty="0" smtClean="0"/>
+              <a:t> (Tasks which can start, be interrupted, and resumed without using space)</a:t>
+            </a:r>
+          </a:p>
+          <a:p>
+            <a:pPr lvl="1">
+              <a:buSzPct val="45000"/>
+              <a:buFont typeface="StarSymbol"/>
+              <a:buChar char="●"/>
+            </a:pPr>
+            <a:r>
+              <a:rPr lang="en-US" sz="2800" dirty="0" smtClean="0"/>
+              <a:t>Multi-threading</a:t>
+            </a:r>
+          </a:p>
+          <a:p>
+            <a:pPr lvl="1">
+              <a:buSzPct val="45000"/>
+              <a:buFont typeface="StarSymbol"/>
+              <a:buChar char="●"/>
+            </a:pPr>
+            <a:r>
+              <a:rPr lang="en-US" sz="2800" dirty="0" smtClean="0"/>
+              <a:t>Multi-core/Distributed Processing </a:t>
+            </a:r>
+          </a:p>
+          <a:p>
+            <a:pPr lvl="2">
+              <a:buSzPct val="45000"/>
+              <a:buFont typeface="StarSymbol"/>
+              <a:buChar char="●"/>
+            </a:pPr>
+            <a:r>
+              <a:rPr lang="en-US" dirty="0" smtClean="0"/>
+              <a:t>Divided over different CPU cores or different machines</a:t>
+            </a:r>
+          </a:p>
+          <a:p>
+            <a:pPr lvl="1">
+              <a:buSzPct val="45000"/>
+              <a:buFont typeface="StarSymbol"/>
+              <a:buChar char="●"/>
+            </a:pPr>
             <a:endParaRPr lang="en-US" sz="2000" dirty="0" smtClean="0">
               <a:latin typeface="+mn-lt"/>
             </a:endParaRPr>
@@ -24940,7 +25752,7 @@
     </p:spTree>
     <p:extLst>
       <p:ext uri="{BB962C8B-B14F-4D97-AF65-F5344CB8AC3E}">
-        <p14:creationId xmlns:p14="http://schemas.microsoft.com/office/powerpoint/2010/main" val="845388501"/>
+        <p14:creationId xmlns:p14="http://schemas.microsoft.com/office/powerpoint/2010/main" val="1520274614"/>
       </p:ext>
     </p:extLst>
   </p:cSld>
@@ -24969,30 +25781,170 @@
       </p:grpSpPr>
       <p:sp>
         <p:nvSpPr>
-          <p:cNvPr id="2" name="Rectangle 1"/>
-          <p:cNvSpPr/>
-          <p:nvPr/>
-        </p:nvSpPr>
-        <p:spPr>
-          <a:xfrm>
-            <a:off x="2520950" y="3456673"/>
-            <a:ext cx="5038725" cy="646331"/>
-          </a:xfrm>
-          <a:prstGeom prst="rect">
-            <a:avLst/>
-          </a:prstGeom>
+          <p:cNvPr id="2" name="Title 1">
+            <a:extLst>
+              <a:ext uri="{FF2B5EF4-FFF2-40B4-BE49-F238E27FC236}">
+                <a16:creationId xmlns:a16="http://schemas.microsoft.com/office/drawing/2014/main" xmlns="" id="{B605FC15-BF4E-40CB-8C32-FDD4220028E0}"/>
+              </a:ext>
+            </a:extLst>
+          </p:cNvPr>
+          <p:cNvSpPr txBox="1">
+            <a:spLocks noGrp="1"/>
+          </p:cNvSpPr>
+          <p:nvPr>
+            <p:ph type="title" idx="4294967295"/>
+          </p:nvPr>
+        </p:nvSpPr>
+        <p:spPr>
+          <a:xfrm>
+            <a:off x="503999" y="969840"/>
+            <a:ext cx="9071640" cy="1046159"/>
+          </a:xfrm>
+        </p:spPr>
+        <p:txBody>
+          <a:bodyPr/>
+          <a:lstStyle/>
+          <a:p>
+            <a:pPr lvl="0"/>
+            <a:r>
+              <a:rPr lang="en-US" dirty="0" smtClean="0">
+                <a:latin typeface="+mn-lt"/>
+              </a:rPr>
+              <a:t>Installing Packages</a:t>
+            </a:r>
+            <a:endParaRPr lang="en-US" dirty="0">
+              <a:latin typeface="+mn-lt"/>
+            </a:endParaRPr>
+          </a:p>
+        </p:txBody>
+      </p:sp>
+      <p:sp>
+        <p:nvSpPr>
+          <p:cNvPr id="3" name="Text Placeholder 2">
+            <a:extLst>
+              <a:ext uri="{FF2B5EF4-FFF2-40B4-BE49-F238E27FC236}">
+                <a16:creationId xmlns:a16="http://schemas.microsoft.com/office/drawing/2014/main" xmlns="" id="{98D73E6E-DECA-40D5-8583-705A9F2A9AA5}"/>
+              </a:ext>
+            </a:extLst>
+          </p:cNvPr>
+          <p:cNvSpPr txBox="1">
+            <a:spLocks noGrp="1"/>
+          </p:cNvSpPr>
+          <p:nvPr>
+            <p:ph type="body" idx="4294967295"/>
+          </p:nvPr>
+        </p:nvSpPr>
+        <p:spPr>
+          <a:xfrm>
+            <a:off x="503999" y="2231999"/>
+            <a:ext cx="9071640" cy="5327676"/>
+          </a:xfrm>
         </p:spPr>
         <p:txBody>
           <a:bodyPr>
-            <a:spAutoFit/>
+            <a:normAutofit/>
           </a:bodyPr>
           <a:lstStyle/>
           <a:p>
-            <a:r>
-              <a:rPr lang="en-US" dirty="0">
-                <a:hlinkClick r:id="rId2"/>
+            <a:pPr lvl="1">
+              <a:buSzPct val="45000"/>
+              <a:buFont typeface="StarSymbol"/>
+              <a:buChar char="●"/>
+            </a:pPr>
+            <a:r>
+              <a:rPr lang="en-US" sz="2800" dirty="0" smtClean="0"/>
+              <a:t>In the Julia REPL run:</a:t>
+            </a:r>
+          </a:p>
+          <a:p>
+            <a:pPr lvl="2">
+              <a:buSzPct val="45000"/>
+              <a:buFont typeface="StarSymbol"/>
+              <a:buChar char="●"/>
+            </a:pPr>
+            <a:r>
+              <a:rPr lang="en-US" sz="2400" dirty="0" smtClean="0"/>
+              <a:t>using </a:t>
+            </a:r>
+            <a:r>
+              <a:rPr lang="en-US" sz="2400" dirty="0" err="1"/>
+              <a:t>Pkg</a:t>
+            </a:r>
+            <a:r>
+              <a:rPr lang="en-US" sz="2400" dirty="0"/>
+              <a:t> </a:t>
+            </a:r>
+            <a:endParaRPr lang="en-US" sz="2400" dirty="0" smtClean="0"/>
+          </a:p>
+          <a:p>
+            <a:pPr lvl="2">
+              <a:buSzPct val="45000"/>
+              <a:buFont typeface="StarSymbol"/>
+              <a:buChar char="●"/>
+            </a:pPr>
+            <a:r>
+              <a:rPr lang="en-US" sz="2400" dirty="0" err="1" smtClean="0"/>
+              <a:t>Pkg.add</a:t>
+            </a:r>
+            <a:r>
+              <a:rPr lang="en-US" sz="2400" dirty="0"/>
+              <a:t>("Package Name</a:t>
+            </a:r>
+            <a:r>
+              <a:rPr lang="en-US" sz="2400" dirty="0" smtClean="0"/>
+              <a:t>")</a:t>
+            </a:r>
+          </a:p>
+          <a:p>
+            <a:pPr lvl="1">
+              <a:buSzPct val="45000"/>
+              <a:buFont typeface="StarSymbol"/>
+              <a:buChar char="●"/>
+            </a:pPr>
+            <a:r>
+              <a:rPr lang="en-US" sz="2800" dirty="0" smtClean="0">
+                <a:latin typeface="+mn-lt"/>
               </a:rPr>
-              <a:t>https://docs.julialang.org/en/v1/manual/parallel-computing/#Multi-Threading-(Experimental)-1</a:t>
+              <a:t>Replace</a:t>
+            </a:r>
+            <a:r>
+              <a:rPr lang="en-US" dirty="0" smtClean="0">
+                <a:latin typeface="+mn-lt"/>
+              </a:rPr>
+              <a:t> </a:t>
+            </a:r>
+            <a:r>
+              <a:rPr lang="en-US" dirty="0" smtClean="0"/>
+              <a:t>"</a:t>
+            </a:r>
+            <a:r>
+              <a:rPr lang="en-US" dirty="0"/>
+              <a:t>Package </a:t>
+            </a:r>
+            <a:r>
+              <a:rPr lang="en-US" dirty="0" smtClean="0"/>
+              <a:t>Name” with the desired package’s name</a:t>
+            </a:r>
+          </a:p>
+          <a:p>
+            <a:pPr lvl="2">
+              <a:buSzPct val="45000"/>
+              <a:buFont typeface="StarSymbol"/>
+              <a:buChar char="●"/>
+            </a:pPr>
+            <a:r>
+              <a:rPr lang="en-US" dirty="0" smtClean="0">
+                <a:latin typeface="+mn-lt"/>
+              </a:rPr>
+              <a:t>E.g. for Plots package: </a:t>
+            </a:r>
+            <a:r>
+              <a:rPr lang="en-US" dirty="0" err="1"/>
+              <a:t>Pkg.add</a:t>
+            </a:r>
+            <a:r>
+              <a:rPr lang="en-US" dirty="0" smtClean="0"/>
+              <a:t>(”Plots")</a:t>
             </a:r>
             <a:endParaRPr lang="en-US" dirty="0"/>
           </a:p>
@@ -25001,7 +25953,7 @@
     </p:spTree>
     <p:extLst>
       <p:ext uri="{BB962C8B-B14F-4D97-AF65-F5344CB8AC3E}">
-        <p14:creationId xmlns:p14="http://schemas.microsoft.com/office/powerpoint/2010/main" val="978873892"/>
+        <p14:creationId xmlns:p14="http://schemas.microsoft.com/office/powerpoint/2010/main" val="845388501"/>
       </p:ext>
     </p:extLst>
   </p:cSld>
@@ -25033,7 +25985,7 @@
           <p:cNvPr id="2" name="Title 1">
             <a:extLst>
               <a:ext uri="{FF2B5EF4-FFF2-40B4-BE49-F238E27FC236}">
-                <a16:creationId xmlns="" xmlns:a16="http://schemas.microsoft.com/office/drawing/2014/main" id="{307F74FF-2E3B-4598-85E4-3B4699CC8321}"/>
+                <a16:creationId xmlns:a16="http://schemas.microsoft.com/office/drawing/2014/main" xmlns="" id="{307F74FF-2E3B-4598-85E4-3B4699CC8321}"/>
               </a:ext>
             </a:extLst>
           </p:cNvPr>
@@ -25184,6 +26136,163 @@
         </p:txBody>
       </p:sp>
     </p:spTree>
+  </p:cSld>
+  <p:clrMapOvr>
+    <a:masterClrMapping/>
+  </p:clrMapOvr>
+</p:sld>
+</file>
+
+<file path=ppt/slides/slide20.xml><?xml version="1.0" encoding="utf-8"?>
+<p:sld xmlns:a="http://schemas.openxmlformats.org/drawingml/2006/main" xmlns:r="http://schemas.openxmlformats.org/officeDocument/2006/relationships" xmlns:p="http://schemas.openxmlformats.org/presentationml/2006/main">
+  <p:cSld>
+    <p:spTree>
+      <p:nvGrpSpPr>
+        <p:cNvPr id="1" name=""/>
+        <p:cNvGrpSpPr/>
+        <p:nvPr/>
+      </p:nvGrpSpPr>
+      <p:grpSpPr>
+        <a:xfrm>
+          <a:off x="0" y="0"/>
+          <a:ext cx="0" cy="0"/>
+          <a:chOff x="0" y="0"/>
+          <a:chExt cx="0" cy="0"/>
+        </a:xfrm>
+      </p:grpSpPr>
+      <p:sp>
+        <p:nvSpPr>
+          <p:cNvPr id="2" name="Title 1">
+            <a:extLst>
+              <a:ext uri="{FF2B5EF4-FFF2-40B4-BE49-F238E27FC236}">
+                <a16:creationId xmlns:a16="http://schemas.microsoft.com/office/drawing/2014/main" xmlns="" id="{B605FC15-BF4E-40CB-8C32-FDD4220028E0}"/>
+              </a:ext>
+            </a:extLst>
+          </p:cNvPr>
+          <p:cNvSpPr txBox="1">
+            <a:spLocks noGrp="1"/>
+          </p:cNvSpPr>
+          <p:nvPr>
+            <p:ph type="title" idx="4294967295"/>
+          </p:nvPr>
+        </p:nvSpPr>
+        <p:spPr>
+          <a:xfrm>
+            <a:off x="503999" y="969840"/>
+            <a:ext cx="9071640" cy="1046159"/>
+          </a:xfrm>
+        </p:spPr>
+        <p:txBody>
+          <a:bodyPr/>
+          <a:lstStyle/>
+          <a:p>
+            <a:pPr lvl="0"/>
+            <a:r>
+              <a:rPr lang="en-US" dirty="0" smtClean="0">
+                <a:latin typeface="+mn-lt"/>
+              </a:rPr>
+              <a:t>Resources</a:t>
+            </a:r>
+            <a:endParaRPr lang="en-US" dirty="0">
+              <a:latin typeface="+mn-lt"/>
+            </a:endParaRPr>
+          </a:p>
+        </p:txBody>
+      </p:sp>
+      <p:sp>
+        <p:nvSpPr>
+          <p:cNvPr id="3" name="Text Placeholder 2">
+            <a:extLst>
+              <a:ext uri="{FF2B5EF4-FFF2-40B4-BE49-F238E27FC236}">
+                <a16:creationId xmlns:a16="http://schemas.microsoft.com/office/drawing/2014/main" xmlns="" id="{98D73E6E-DECA-40D5-8583-705A9F2A9AA5}"/>
+              </a:ext>
+            </a:extLst>
+          </p:cNvPr>
+          <p:cNvSpPr txBox="1">
+            <a:spLocks noGrp="1"/>
+          </p:cNvSpPr>
+          <p:nvPr>
+            <p:ph type="body" idx="4294967295"/>
+          </p:nvPr>
+        </p:nvSpPr>
+        <p:spPr>
+          <a:xfrm>
+            <a:off x="503999" y="2231999"/>
+            <a:ext cx="9071640" cy="5327676"/>
+          </a:xfrm>
+        </p:spPr>
+        <p:txBody>
+          <a:bodyPr>
+            <a:normAutofit/>
+          </a:bodyPr>
+          <a:lstStyle/>
+          <a:p>
+            <a:pPr lvl="1">
+              <a:buSzPct val="45000"/>
+              <a:buFont typeface="StarSymbol"/>
+              <a:buChar char="●"/>
+            </a:pPr>
+            <a:r>
+              <a:rPr lang="en-US" sz="2000" dirty="0">
+                <a:hlinkClick r:id="rId3"/>
+              </a:rPr>
+              <a:t>https://julialang.org/learning</a:t>
+            </a:r>
+            <a:r>
+              <a:rPr lang="en-US" sz="2000" dirty="0" smtClean="0">
+                <a:hlinkClick r:id="rId3"/>
+              </a:rPr>
+              <a:t>/</a:t>
+            </a:r>
+            <a:r>
+              <a:rPr lang="en-US" sz="2000" dirty="0" smtClean="0"/>
+              <a:t> </a:t>
+            </a:r>
+          </a:p>
+          <a:p>
+            <a:pPr lvl="1">
+              <a:buSzPct val="45000"/>
+              <a:buFont typeface="StarSymbol"/>
+              <a:buChar char="●"/>
+            </a:pPr>
+            <a:r>
+              <a:rPr lang="en-US" sz="2000" dirty="0">
+                <a:hlinkClick r:id="rId4"/>
+              </a:rPr>
+              <a:t>https://</a:t>
+            </a:r>
+            <a:r>
+              <a:rPr lang="en-US" sz="2000" dirty="0" smtClean="0">
+                <a:hlinkClick r:id="rId4"/>
+              </a:rPr>
+              <a:t>archive.is</a:t>
+            </a:r>
+            <a:r>
+              <a:rPr lang="en-US" sz="2000" smtClean="0">
+                <a:hlinkClick r:id="rId4"/>
+              </a:rPr>
+              <a:t>/ja8BQ</a:t>
+            </a:r>
+            <a:endParaRPr lang="en-US" sz="2000" smtClean="0"/>
+          </a:p>
+          <a:p>
+            <a:pPr lvl="1">
+              <a:buSzPct val="45000"/>
+              <a:buFont typeface="StarSymbol"/>
+              <a:buChar char="●"/>
+            </a:pPr>
+            <a:endParaRPr lang="en-US" sz="2000" dirty="0" smtClean="0">
+              <a:latin typeface="+mn-lt"/>
+            </a:endParaRPr>
+          </a:p>
+        </p:txBody>
+      </p:sp>
+    </p:spTree>
+    <p:extLst>
+      <p:ext uri="{BB962C8B-B14F-4D97-AF65-F5344CB8AC3E}">
+        <p14:creationId xmlns:p14="http://schemas.microsoft.com/office/powerpoint/2010/main" val="1407313244"/>
+      </p:ext>
+    </p:extLst>
   </p:cSld>
   <p:clrMapOvr>
     <a:masterClrMapping/>
@@ -25213,7 +26322,7 @@
           <p:cNvPr id="2" name="Title 1">
             <a:extLst>
               <a:ext uri="{FF2B5EF4-FFF2-40B4-BE49-F238E27FC236}">
-                <a16:creationId xmlns="" xmlns:a16="http://schemas.microsoft.com/office/drawing/2014/main" id="{24395159-B43B-4DB5-80B1-8424CCC50059}"/>
+                <a16:creationId xmlns:a16="http://schemas.microsoft.com/office/drawing/2014/main" xmlns="" id="{24395159-B43B-4DB5-80B1-8424CCC50059}"/>
               </a:ext>
             </a:extLst>
           </p:cNvPr>
@@ -25258,7 +26367,7 @@
           <p:cNvPr id="3" name="Text Placeholder 2">
             <a:extLst>
               <a:ext uri="{FF2B5EF4-FFF2-40B4-BE49-F238E27FC236}">
-                <a16:creationId xmlns="" xmlns:a16="http://schemas.microsoft.com/office/drawing/2014/main" id="{66AC7D56-A0E2-4566-A3CE-508879711D3F}"/>
+                <a16:creationId xmlns:a16="http://schemas.microsoft.com/office/drawing/2014/main" xmlns="" id="{66AC7D56-A0E2-4566-A3CE-508879711D3F}"/>
               </a:ext>
             </a:extLst>
           </p:cNvPr>
@@ -25388,7 +26497,7 @@
           <p:cNvPr id="2" name="Title 1">
             <a:extLst>
               <a:ext uri="{FF2B5EF4-FFF2-40B4-BE49-F238E27FC236}">
-                <a16:creationId xmlns="" xmlns:a16="http://schemas.microsoft.com/office/drawing/2014/main" id="{E1F986B1-4115-43A4-A243-F07147D2AE4D}"/>
+                <a16:creationId xmlns:a16="http://schemas.microsoft.com/office/drawing/2014/main" xmlns="" id="{E1F986B1-4115-43A4-A243-F07147D2AE4D}"/>
               </a:ext>
             </a:extLst>
           </p:cNvPr>
@@ -25424,7 +26533,7 @@
           <p:cNvPr id="3" name="Text Placeholder 2">
             <a:extLst>
               <a:ext uri="{FF2B5EF4-FFF2-40B4-BE49-F238E27FC236}">
-                <a16:creationId xmlns="" xmlns:a16="http://schemas.microsoft.com/office/drawing/2014/main" id="{DAB495DB-00F4-4C49-AF57-97FF68D63EAB}"/>
+                <a16:creationId xmlns:a16="http://schemas.microsoft.com/office/drawing/2014/main" xmlns="" id="{DAB495DB-00F4-4C49-AF57-97FF68D63EAB}"/>
               </a:ext>
             </a:extLst>
           </p:cNvPr>
@@ -25580,7 +26689,7 @@
           <p:cNvPr id="2" name="Title 1">
             <a:extLst>
               <a:ext uri="{FF2B5EF4-FFF2-40B4-BE49-F238E27FC236}">
-                <a16:creationId xmlns="" xmlns:a16="http://schemas.microsoft.com/office/drawing/2014/main" id="{B605FC15-BF4E-40CB-8C32-FDD4220028E0}"/>
+                <a16:creationId xmlns:a16="http://schemas.microsoft.com/office/drawing/2014/main" xmlns="" id="{B605FC15-BF4E-40CB-8C32-FDD4220028E0}"/>
               </a:ext>
             </a:extLst>
           </p:cNvPr>
@@ -25616,7 +26725,7 @@
           <p:cNvPr id="3" name="Text Placeholder 2">
             <a:extLst>
               <a:ext uri="{FF2B5EF4-FFF2-40B4-BE49-F238E27FC236}">
-                <a16:creationId xmlns="" xmlns:a16="http://schemas.microsoft.com/office/drawing/2014/main" id="{98D73E6E-DECA-40D5-8583-705A9F2A9AA5}"/>
+                <a16:creationId xmlns:a16="http://schemas.microsoft.com/office/drawing/2014/main" xmlns="" id="{98D73E6E-DECA-40D5-8583-705A9F2A9AA5}"/>
               </a:ext>
             </a:extLst>
           </p:cNvPr>
@@ -25840,7 +26949,7 @@
           <p:cNvPr id="3" name="Text Placeholder 2">
             <a:extLst>
               <a:ext uri="{FF2B5EF4-FFF2-40B4-BE49-F238E27FC236}">
-                <a16:creationId xmlns="" xmlns:a16="http://schemas.microsoft.com/office/drawing/2014/main" id="{3B38730F-DEE0-44AF-899A-3AF7C68A619B}"/>
+                <a16:creationId xmlns:a16="http://schemas.microsoft.com/office/drawing/2014/main" xmlns="" id="{3B38730F-DEE0-44AF-899A-3AF7C68A619B}"/>
               </a:ext>
             </a:extLst>
           </p:cNvPr>
@@ -25903,7 +27012,7 @@
           <p:cNvPr id="4" name="Picture 3">
             <a:extLst>
               <a:ext uri="{FF2B5EF4-FFF2-40B4-BE49-F238E27FC236}">
-                <a16:creationId xmlns="" xmlns:a16="http://schemas.microsoft.com/office/drawing/2014/main" id="{0D02F27B-379F-41F0-96D2-D04DEBE4A5C9}"/>
+                <a16:creationId xmlns:a16="http://schemas.microsoft.com/office/drawing/2014/main" xmlns="" id="{0D02F27B-379F-41F0-96D2-D04DEBE4A5C9}"/>
               </a:ext>
             </a:extLst>
           </p:cNvPr>
@@ -25941,7 +27050,7 @@
           <p:cNvPr id="5" name="Title 1">
             <a:extLst>
               <a:ext uri="{FF2B5EF4-FFF2-40B4-BE49-F238E27FC236}">
-                <a16:creationId xmlns="" xmlns:a16="http://schemas.microsoft.com/office/drawing/2014/main" id="{2A0F239D-C455-4042-9AF8-FE186A9CA58C}"/>
+                <a16:creationId xmlns:a16="http://schemas.microsoft.com/office/drawing/2014/main" xmlns="" id="{2A0F239D-C455-4042-9AF8-FE186A9CA58C}"/>
               </a:ext>
             </a:extLst>
           </p:cNvPr>
@@ -26031,7 +27140,7 @@
           <p:cNvPr id="3" name="Text Placeholder 2">
             <a:extLst>
               <a:ext uri="{FF2B5EF4-FFF2-40B4-BE49-F238E27FC236}">
-                <a16:creationId xmlns="" xmlns:a16="http://schemas.microsoft.com/office/drawing/2014/main" id="{4D1355A3-56B3-416A-8A4E-1F778F89EAA5}"/>
+                <a16:creationId xmlns:a16="http://schemas.microsoft.com/office/drawing/2014/main" xmlns="" id="{4D1355A3-56B3-416A-8A4E-1F778F89EAA5}"/>
               </a:ext>
             </a:extLst>
           </p:cNvPr>
@@ -26124,7 +27233,7 @@
           <p:cNvPr id="5" name="Title 1">
             <a:extLst>
               <a:ext uri="{FF2B5EF4-FFF2-40B4-BE49-F238E27FC236}">
-                <a16:creationId xmlns="" xmlns:a16="http://schemas.microsoft.com/office/drawing/2014/main" id="{2A0F239D-C455-4042-9AF8-FE186A9CA58C}"/>
+                <a16:creationId xmlns:a16="http://schemas.microsoft.com/office/drawing/2014/main" xmlns="" id="{2A0F239D-C455-4042-9AF8-FE186A9CA58C}"/>
               </a:ext>
             </a:extLst>
           </p:cNvPr>
@@ -26214,7 +27323,7 @@
           <p:cNvPr id="3" name="Text Placeholder 2">
             <a:extLst>
               <a:ext uri="{FF2B5EF4-FFF2-40B4-BE49-F238E27FC236}">
-                <a16:creationId xmlns="" xmlns:a16="http://schemas.microsoft.com/office/drawing/2014/main" id="{3F4F9787-040B-4A50-A317-23B3C4E54AA4}"/>
+                <a16:creationId xmlns:a16="http://schemas.microsoft.com/office/drawing/2014/main" xmlns="" id="{3F4F9787-040B-4A50-A317-23B3C4E54AA4}"/>
               </a:ext>
             </a:extLst>
           </p:cNvPr>
@@ -26273,7 +27382,7 @@
           <p:cNvPr id="4" name="Title 1">
             <a:extLst>
               <a:ext uri="{FF2B5EF4-FFF2-40B4-BE49-F238E27FC236}">
-                <a16:creationId xmlns="" xmlns:a16="http://schemas.microsoft.com/office/drawing/2014/main" id="{2A0F239D-C455-4042-9AF8-FE186A9CA58C}"/>
+                <a16:creationId xmlns:a16="http://schemas.microsoft.com/office/drawing/2014/main" xmlns="" id="{2A0F239D-C455-4042-9AF8-FE186A9CA58C}"/>
               </a:ext>
             </a:extLst>
           </p:cNvPr>
@@ -26363,7 +27472,7 @@
           <p:cNvPr id="3" name="Text Placeholder 2">
             <a:extLst>
               <a:ext uri="{FF2B5EF4-FFF2-40B4-BE49-F238E27FC236}">
-                <a16:creationId xmlns="" xmlns:a16="http://schemas.microsoft.com/office/drawing/2014/main" id="{F76947C5-C14C-49CC-894C-BBBA74641107}"/>
+                <a16:creationId xmlns:a16="http://schemas.microsoft.com/office/drawing/2014/main" xmlns="" id="{F76947C5-C14C-49CC-894C-BBBA74641107}"/>
               </a:ext>
             </a:extLst>
           </p:cNvPr>
@@ -26588,7 +27697,7 @@
           <p:cNvPr id="4" name="Title 1">
             <a:extLst>
               <a:ext uri="{FF2B5EF4-FFF2-40B4-BE49-F238E27FC236}">
-                <a16:creationId xmlns="" xmlns:a16="http://schemas.microsoft.com/office/drawing/2014/main" id="{2A0F239D-C455-4042-9AF8-FE186A9CA58C}"/>
+                <a16:creationId xmlns:a16="http://schemas.microsoft.com/office/drawing/2014/main" xmlns="" id="{2A0F239D-C455-4042-9AF8-FE186A9CA58C}"/>
               </a:ext>
             </a:extLst>
           </p:cNvPr>
